--- a/comedu/application-dev/project/고급 수식 계산기.pptx
+++ b/comedu/application-dev/project/고급 수식 계산기.pptx
@@ -7,6 +7,14 @@
   <p:sldIdLst>
     <p:sldId id="256" r:id="rId2"/>
     <p:sldId id="257" r:id="rId3"/>
+    <p:sldId id="258" r:id="rId4"/>
+    <p:sldId id="263" r:id="rId5"/>
+    <p:sldId id="264" r:id="rId6"/>
+    <p:sldId id="265" r:id="rId7"/>
+    <p:sldId id="259" r:id="rId8"/>
+    <p:sldId id="260" r:id="rId9"/>
+    <p:sldId id="261" r:id="rId10"/>
+    <p:sldId id="262" r:id="rId11"/>
   </p:sldIdLst>
   <p:sldSz cx="12192000" cy="6858000"/>
   <p:notesSz cx="6858000" cy="9144000"/>
@@ -105,6 +113,11 @@
       </a:defRPr>
     </a:lvl9pPr>
   </p:defaultTextStyle>
+  <p:extLst>
+    <p:ext uri="{EFAFB233-063F-42B5-8137-9DF3F51BA10A}">
+      <p15:sldGuideLst xmlns:p15="http://schemas.microsoft.com/office/powerpoint/2012/main"/>
+    </p:ext>
+  </p:extLst>
 </p:presentation>
 </file>
 
@@ -239,7 +252,7 @@
           <a:p>
             <a:fld id="{89FB0049-DFCC-4F73-A971-E1380E1394C0}" type="datetimeFigureOut">
               <a:rPr lang="ko-KR" altLang="en-US" smtClean="0"/>
-              <a:t>2021-11-06</a:t>
+              <a:t>2021-11-20</a:t>
             </a:fld>
             <a:endParaRPr lang="ko-KR" altLang="en-US"/>
           </a:p>
@@ -409,7 +422,7 @@
           <a:p>
             <a:fld id="{89FB0049-DFCC-4F73-A971-E1380E1394C0}" type="datetimeFigureOut">
               <a:rPr lang="ko-KR" altLang="en-US" smtClean="0"/>
-              <a:t>2021-11-06</a:t>
+              <a:t>2021-11-20</a:t>
             </a:fld>
             <a:endParaRPr lang="ko-KR" altLang="en-US"/>
           </a:p>
@@ -589,7 +602,7 @@
           <a:p>
             <a:fld id="{89FB0049-DFCC-4F73-A971-E1380E1394C0}" type="datetimeFigureOut">
               <a:rPr lang="ko-KR" altLang="en-US" smtClean="0"/>
-              <a:t>2021-11-06</a:t>
+              <a:t>2021-11-20</a:t>
             </a:fld>
             <a:endParaRPr lang="ko-KR" altLang="en-US"/>
           </a:p>
@@ -759,7 +772,7 @@
           <a:p>
             <a:fld id="{89FB0049-DFCC-4F73-A971-E1380E1394C0}" type="datetimeFigureOut">
               <a:rPr lang="ko-KR" altLang="en-US" smtClean="0"/>
-              <a:t>2021-11-06</a:t>
+              <a:t>2021-11-20</a:t>
             </a:fld>
             <a:endParaRPr lang="ko-KR" altLang="en-US"/>
           </a:p>
@@ -1005,7 +1018,7 @@
           <a:p>
             <a:fld id="{89FB0049-DFCC-4F73-A971-E1380E1394C0}" type="datetimeFigureOut">
               <a:rPr lang="ko-KR" altLang="en-US" smtClean="0"/>
-              <a:t>2021-11-06</a:t>
+              <a:t>2021-11-20</a:t>
             </a:fld>
             <a:endParaRPr lang="ko-KR" altLang="en-US"/>
           </a:p>
@@ -1237,7 +1250,7 @@
           <a:p>
             <a:fld id="{89FB0049-DFCC-4F73-A971-E1380E1394C0}" type="datetimeFigureOut">
               <a:rPr lang="ko-KR" altLang="en-US" smtClean="0"/>
-              <a:t>2021-11-06</a:t>
+              <a:t>2021-11-20</a:t>
             </a:fld>
             <a:endParaRPr lang="ko-KR" altLang="en-US"/>
           </a:p>
@@ -1604,7 +1617,7 @@
           <a:p>
             <a:fld id="{89FB0049-DFCC-4F73-A971-E1380E1394C0}" type="datetimeFigureOut">
               <a:rPr lang="ko-KR" altLang="en-US" smtClean="0"/>
-              <a:t>2021-11-06</a:t>
+              <a:t>2021-11-20</a:t>
             </a:fld>
             <a:endParaRPr lang="ko-KR" altLang="en-US"/>
           </a:p>
@@ -1722,7 +1735,7 @@
           <a:p>
             <a:fld id="{89FB0049-DFCC-4F73-A971-E1380E1394C0}" type="datetimeFigureOut">
               <a:rPr lang="ko-KR" altLang="en-US" smtClean="0"/>
-              <a:t>2021-11-06</a:t>
+              <a:t>2021-11-20</a:t>
             </a:fld>
             <a:endParaRPr lang="ko-KR" altLang="en-US"/>
           </a:p>
@@ -1817,7 +1830,7 @@
           <a:p>
             <a:fld id="{89FB0049-DFCC-4F73-A971-E1380E1394C0}" type="datetimeFigureOut">
               <a:rPr lang="ko-KR" altLang="en-US" smtClean="0"/>
-              <a:t>2021-11-06</a:t>
+              <a:t>2021-11-20</a:t>
             </a:fld>
             <a:endParaRPr lang="ko-KR" altLang="en-US"/>
           </a:p>
@@ -2094,7 +2107,7 @@
           <a:p>
             <a:fld id="{89FB0049-DFCC-4F73-A971-E1380E1394C0}" type="datetimeFigureOut">
               <a:rPr lang="ko-KR" altLang="en-US" smtClean="0"/>
-              <a:t>2021-11-06</a:t>
+              <a:t>2021-11-20</a:t>
             </a:fld>
             <a:endParaRPr lang="ko-KR" altLang="en-US"/>
           </a:p>
@@ -2347,7 +2360,7 @@
           <a:p>
             <a:fld id="{89FB0049-DFCC-4F73-A971-E1380E1394C0}" type="datetimeFigureOut">
               <a:rPr lang="ko-KR" altLang="en-US" smtClean="0"/>
-              <a:t>2021-11-06</a:t>
+              <a:t>2021-11-20</a:t>
             </a:fld>
             <a:endParaRPr lang="ko-KR" altLang="en-US"/>
           </a:p>
@@ -2560,7 +2573,7 @@
           <a:p>
             <a:fld id="{89FB0049-DFCC-4F73-A971-E1380E1394C0}" type="datetimeFigureOut">
               <a:rPr lang="ko-KR" altLang="en-US" smtClean="0"/>
-              <a:t>2021-11-06</a:t>
+              <a:t>2021-11-20</a:t>
             </a:fld>
             <a:endParaRPr lang="ko-KR" altLang="en-US"/>
           </a:p>
@@ -2988,8 +3001,8 @@
           </a:p>
         </p:txBody>
       </p:sp>
-      <mc:AlternateContent xmlns:mc="http://schemas.openxmlformats.org/markup-compatibility/2006">
-        <mc:Choice xmlns:a14="http://schemas.microsoft.com/office/drawing/2010/main" Requires="a14">
+      <mc:AlternateContent xmlns:mc="http://schemas.openxmlformats.org/markup-compatibility/2006" xmlns:a14="http://schemas.microsoft.com/office/drawing/2010/main">
+        <mc:Choice Requires="a14">
           <p:sp>
             <p:nvSpPr>
               <p:cNvPr id="4" name="내용 개체 틀 3"/>
@@ -3103,31 +3116,7 @@
                       <a:rPr lang="en-US" altLang="ko-KR" b="0" i="1" smtClean="0">
                         <a:latin typeface="Cambria Math" panose="02040503050406030204" pitchFamily="18" charset="0"/>
                       </a:rPr>
-                      <m:t>1+</m:t>
-                    </m:r>
-                    <m:r>
-                      <a:rPr lang="en-US" altLang="ko-KR" b="0" i="1" smtClean="0">
-                        <a:latin typeface="Cambria Math" panose="02040503050406030204" pitchFamily="18" charset="0"/>
-                      </a:rPr>
-                      <m:t>(</m:t>
-                    </m:r>
-                    <m:r>
-                      <a:rPr lang="en-US" altLang="ko-KR" b="0" i="1" smtClean="0">
-                        <a:latin typeface="Cambria Math" panose="02040503050406030204" pitchFamily="18" charset="0"/>
-                      </a:rPr>
-                      <m:t>2 ∗3</m:t>
-                    </m:r>
-                    <m:r>
-                      <a:rPr lang="en-US" altLang="ko-KR" b="0" i="1" smtClean="0">
-                        <a:latin typeface="Cambria Math" panose="02040503050406030204" pitchFamily="18" charset="0"/>
-                      </a:rPr>
-                      <m:t>)</m:t>
-                    </m:r>
-                    <m:r>
-                      <a:rPr lang="en-US" altLang="ko-KR" b="0" i="1" smtClean="0">
-                        <a:latin typeface="Cambria Math" panose="02040503050406030204" pitchFamily="18" charset="0"/>
-                      </a:rPr>
-                      <m:t> </m:t>
+                      <m:t>1+(2 ∗3) </m:t>
                     </m:r>
                   </m:oMath>
                 </a14:m>
@@ -3144,7 +3133,7 @@
             </p:txBody>
           </p:sp>
         </mc:Choice>
-        <mc:Fallback>
+        <mc:Fallback xmlns="">
           <p:sp>
             <p:nvSpPr>
               <p:cNvPr id="4" name="내용 개체 틀 3"/>
@@ -3191,9 +3180,5107 @@
 </p:sld>
 </file>
 
+<file path=ppt/slides/slide10.xml><?xml version="1.0" encoding="utf-8"?>
+<p:sld xmlns:a="http://schemas.openxmlformats.org/drawingml/2006/main" xmlns:r="http://schemas.openxmlformats.org/officeDocument/2006/relationships" xmlns:p="http://schemas.openxmlformats.org/presentationml/2006/main">
+  <p:cSld>
+    <p:bg>
+      <p:bgPr>
+        <a:solidFill>
+          <a:srgbClr val="042C3A"/>
+        </a:solidFill>
+        <a:effectLst/>
+      </p:bgPr>
+    </p:bg>
+    <p:spTree>
+      <p:nvGrpSpPr>
+        <p:cNvPr id="1" name=""/>
+        <p:cNvGrpSpPr/>
+        <p:nvPr/>
+      </p:nvGrpSpPr>
+      <p:grpSpPr>
+        <a:xfrm>
+          <a:off x="0" y="0"/>
+          <a:ext cx="0" cy="0"/>
+          <a:chOff x="0" y="0"/>
+          <a:chExt cx="0" cy="0"/>
+        </a:xfrm>
+      </p:grpSpPr>
+      <p:sp>
+        <p:nvSpPr>
+          <p:cNvPr id="3" name="내용 개체 틀 2"/>
+          <p:cNvSpPr>
+            <a:spLocks noGrp="1"/>
+          </p:cNvSpPr>
+          <p:nvPr>
+            <p:ph idx="1"/>
+          </p:nvPr>
+        </p:nvSpPr>
+        <p:spPr/>
+        <p:txBody>
+          <a:bodyPr>
+            <a:normAutofit/>
+          </a:bodyPr>
+          <a:lstStyle/>
+          <a:p>
+            <a:pPr marL="0" indent="0">
+              <a:buNone/>
+            </a:pPr>
+            <a:r>
+              <a:rPr lang="en-US" altLang="ko-KR" sz="1400" dirty="0">
+                <a:solidFill>
+                  <a:srgbClr val="89DDFF"/>
+                </a:solidFill>
+                <a:latin typeface="Fira Code" panose="020B0809050000020004" pitchFamily="49" charset="0"/>
+              </a:rPr>
+              <a:t>if</a:t>
+            </a:r>
+            <a:r>
+              <a:rPr lang="en-US" altLang="ko-KR" sz="1400" dirty="0">
+                <a:solidFill>
+                  <a:srgbClr val="EEFFFF"/>
+                </a:solidFill>
+                <a:latin typeface="Fira Code" panose="020B0809050000020004" pitchFamily="49" charset="0"/>
+              </a:rPr>
+              <a:t> </a:t>
+            </a:r>
+            <a:r>
+              <a:rPr lang="en-US" altLang="ko-KR" sz="1400" dirty="0" err="1">
+                <a:solidFill>
+                  <a:srgbClr val="EEFFFF"/>
+                </a:solidFill>
+                <a:latin typeface="Fira Code" panose="020B0809050000020004" pitchFamily="49" charset="0"/>
+              </a:rPr>
+              <a:t>curKind</a:t>
+            </a:r>
+            <a:r>
+              <a:rPr lang="en-US" altLang="ko-KR" sz="1400" dirty="0">
+                <a:solidFill>
+                  <a:srgbClr val="EEFFFF"/>
+                </a:solidFill>
+                <a:latin typeface="Fira Code" panose="020B0809050000020004" pitchFamily="49" charset="0"/>
+              </a:rPr>
+              <a:t> </a:t>
+            </a:r>
+            <a:r>
+              <a:rPr lang="en-US" altLang="ko-KR" sz="1400" dirty="0">
+                <a:solidFill>
+                  <a:srgbClr val="C792EA"/>
+                </a:solidFill>
+                <a:latin typeface="Fira Code" panose="020B0809050000020004" pitchFamily="49" charset="0"/>
+              </a:rPr>
+              <a:t>==</a:t>
+            </a:r>
+            <a:r>
+              <a:rPr lang="en-US" altLang="ko-KR" sz="1400" dirty="0">
+                <a:solidFill>
+                  <a:srgbClr val="EEFFFF"/>
+                </a:solidFill>
+                <a:latin typeface="Fira Code" panose="020B0809050000020004" pitchFamily="49" charset="0"/>
+              </a:rPr>
+              <a:t> </a:t>
+            </a:r>
+            <a:r>
+              <a:rPr lang="en-US" altLang="ko-KR" sz="1400" dirty="0">
+                <a:solidFill>
+                  <a:srgbClr val="89DDFF"/>
+                </a:solidFill>
+                <a:latin typeface="Fira Code" panose="020B0809050000020004" pitchFamily="49" charset="0"/>
+              </a:rPr>
+              <a:t>'</a:t>
+            </a:r>
+            <a:r>
+              <a:rPr lang="en-US" altLang="ko-KR" sz="1400" dirty="0">
+                <a:solidFill>
+                  <a:srgbClr val="C3E88D"/>
+                </a:solidFill>
+                <a:latin typeface="Fira Code" panose="020B0809050000020004" pitchFamily="49" charset="0"/>
+              </a:rPr>
+              <a:t>group</a:t>
+            </a:r>
+            <a:r>
+              <a:rPr lang="en-US" altLang="ko-KR" sz="1400" dirty="0">
+                <a:solidFill>
+                  <a:srgbClr val="89DDFF"/>
+                </a:solidFill>
+                <a:latin typeface="Fira Code" panose="020B0809050000020004" pitchFamily="49" charset="0"/>
+              </a:rPr>
+              <a:t>':</a:t>
+            </a:r>
+            <a:r>
+              <a:rPr lang="en-US" altLang="ko-KR" sz="1400" dirty="0">
+                <a:solidFill>
+                  <a:srgbClr val="EEFFFF"/>
+                </a:solidFill>
+                <a:latin typeface="Fira Code" panose="020B0809050000020004" pitchFamily="49" charset="0"/>
+              </a:rPr>
+              <a:t> </a:t>
+            </a:r>
+            <a:r>
+              <a:rPr lang="en-US" altLang="ko-KR" sz="1400" i="1" dirty="0">
+                <a:solidFill>
+                  <a:srgbClr val="546E7A"/>
+                </a:solidFill>
+                <a:latin typeface="Fira Code" panose="020B0809050000020004" pitchFamily="49" charset="0"/>
+              </a:rPr>
+              <a:t># </a:t>
+            </a:r>
+            <a:r>
+              <a:rPr lang="ko-KR" altLang="en-US" sz="1400" i="1" dirty="0">
+                <a:solidFill>
+                  <a:srgbClr val="546E7A"/>
+                </a:solidFill>
+                <a:latin typeface="Fira Code" panose="020B0809050000020004" pitchFamily="49" charset="0"/>
+              </a:rPr>
+              <a:t>말했다시피 괄호를 보면 바로 발작함</a:t>
+            </a:r>
+            <a:endParaRPr lang="ko-KR" altLang="en-US" sz="1400" dirty="0">
+              <a:solidFill>
+                <a:srgbClr val="EEFFFF"/>
+              </a:solidFill>
+              <a:latin typeface="Fira Code" panose="020B0809050000020004" pitchFamily="49" charset="0"/>
+            </a:endParaRPr>
+          </a:p>
+          <a:p>
+            <a:pPr marL="0" indent="0">
+              <a:buNone/>
+            </a:pPr>
+            <a:r>
+              <a:rPr lang="ko-KR" altLang="en-US" sz="1400" dirty="0">
+                <a:solidFill>
+                  <a:srgbClr val="EEFFFF"/>
+                </a:solidFill>
+                <a:latin typeface="Fira Code" panose="020B0809050000020004" pitchFamily="49" charset="0"/>
+              </a:rPr>
+              <a:t>        </a:t>
+            </a:r>
+            <a:r>
+              <a:rPr lang="en-US" altLang="ko-KR" sz="1400" i="1" dirty="0">
+                <a:solidFill>
+                  <a:srgbClr val="546E7A"/>
+                </a:solidFill>
+                <a:latin typeface="Fira Code" panose="020B0809050000020004" pitchFamily="49" charset="0"/>
+              </a:rPr>
+              <a:t># </a:t>
+            </a:r>
+            <a:r>
+              <a:rPr lang="ko-KR" altLang="en-US" sz="1400" i="1" dirty="0">
+                <a:solidFill>
+                  <a:srgbClr val="546E7A"/>
+                </a:solidFill>
+                <a:latin typeface="Fira Code" panose="020B0809050000020004" pitchFamily="49" charset="0"/>
+              </a:rPr>
+              <a:t>괄호 안의 내용물을 </a:t>
+            </a:r>
+            <a:r>
+              <a:rPr lang="ko-KR" altLang="en-US" sz="1400" i="1" dirty="0" err="1">
+                <a:solidFill>
+                  <a:srgbClr val="546E7A"/>
+                </a:solidFill>
+                <a:latin typeface="Fira Code" panose="020B0809050000020004" pitchFamily="49" charset="0"/>
+              </a:rPr>
+              <a:t>파싱함</a:t>
+            </a:r>
+            <a:endParaRPr lang="ko-KR" altLang="en-US" sz="1400" dirty="0">
+              <a:solidFill>
+                <a:srgbClr val="EEFFFF"/>
+              </a:solidFill>
+              <a:latin typeface="Fira Code" panose="020B0809050000020004" pitchFamily="49" charset="0"/>
+            </a:endParaRPr>
+          </a:p>
+          <a:p>
+            <a:pPr marL="0" indent="0">
+              <a:buNone/>
+            </a:pPr>
+            <a:r>
+              <a:rPr lang="ko-KR" altLang="en-US" sz="1400" dirty="0">
+                <a:solidFill>
+                  <a:srgbClr val="EEFFFF"/>
+                </a:solidFill>
+                <a:latin typeface="Fira Code" panose="020B0809050000020004" pitchFamily="49" charset="0"/>
+              </a:rPr>
+              <a:t>        </a:t>
+            </a:r>
+            <a:r>
+              <a:rPr lang="en-US" altLang="ko-KR" sz="1400" dirty="0" err="1">
+                <a:solidFill>
+                  <a:srgbClr val="EEFFFF"/>
+                </a:solidFill>
+                <a:latin typeface="Fira Code" panose="020B0809050000020004" pitchFamily="49" charset="0"/>
+              </a:rPr>
+              <a:t>groupValue</a:t>
+            </a:r>
+            <a:r>
+              <a:rPr lang="en-US" altLang="ko-KR" sz="1400" dirty="0">
+                <a:solidFill>
+                  <a:srgbClr val="EEFFFF"/>
+                </a:solidFill>
+                <a:latin typeface="Fira Code" panose="020B0809050000020004" pitchFamily="49" charset="0"/>
+              </a:rPr>
+              <a:t> </a:t>
+            </a:r>
+            <a:r>
+              <a:rPr lang="en-US" altLang="ko-KR" sz="1400" dirty="0">
+                <a:solidFill>
+                  <a:srgbClr val="C792EA"/>
+                </a:solidFill>
+                <a:latin typeface="Fira Code" panose="020B0809050000020004" pitchFamily="49" charset="0"/>
+              </a:rPr>
+              <a:t>=</a:t>
+            </a:r>
+            <a:r>
+              <a:rPr lang="en-US" altLang="ko-KR" sz="1400" dirty="0">
+                <a:solidFill>
+                  <a:srgbClr val="EEFFFF"/>
+                </a:solidFill>
+                <a:latin typeface="Fira Code" panose="020B0809050000020004" pitchFamily="49" charset="0"/>
+              </a:rPr>
+              <a:t> </a:t>
+            </a:r>
+            <a:r>
+              <a:rPr lang="en-US" altLang="ko-KR" sz="1400" dirty="0" err="1">
+                <a:solidFill>
+                  <a:srgbClr val="EEFFFF"/>
+                </a:solidFill>
+                <a:latin typeface="Fira Code" panose="020B0809050000020004" pitchFamily="49" charset="0"/>
+              </a:rPr>
+              <a:t>parseToAst</a:t>
+            </a:r>
+            <a:r>
+              <a:rPr lang="en-US" altLang="ko-KR" sz="1400" dirty="0">
+                <a:solidFill>
+                  <a:srgbClr val="89DDFF"/>
+                </a:solidFill>
+                <a:latin typeface="Fira Code" panose="020B0809050000020004" pitchFamily="49" charset="0"/>
+              </a:rPr>
+              <a:t>(</a:t>
+            </a:r>
+            <a:r>
+              <a:rPr lang="en-US" altLang="ko-KR" sz="1400" dirty="0">
+                <a:solidFill>
+                  <a:srgbClr val="EEFFFF"/>
+                </a:solidFill>
+                <a:latin typeface="Fira Code" panose="020B0809050000020004" pitchFamily="49" charset="0"/>
+              </a:rPr>
+              <a:t>tokens</a:t>
+            </a:r>
+            <a:r>
+              <a:rPr lang="en-US" altLang="ko-KR" sz="1400" dirty="0">
+                <a:solidFill>
+                  <a:srgbClr val="89DDFF"/>
+                </a:solidFill>
+                <a:latin typeface="Fira Code" panose="020B0809050000020004" pitchFamily="49" charset="0"/>
+              </a:rPr>
+              <a:t>,</a:t>
+            </a:r>
+            <a:r>
+              <a:rPr lang="en-US" altLang="ko-KR" sz="1400" dirty="0">
+                <a:solidFill>
+                  <a:srgbClr val="EEFFFF"/>
+                </a:solidFill>
+                <a:latin typeface="Fira Code" panose="020B0809050000020004" pitchFamily="49" charset="0"/>
+              </a:rPr>
+              <a:t> nodes</a:t>
+            </a:r>
+            <a:r>
+              <a:rPr lang="en-US" altLang="ko-KR" sz="1400" dirty="0">
+                <a:solidFill>
+                  <a:srgbClr val="89DDFF"/>
+                </a:solidFill>
+                <a:latin typeface="Fira Code" panose="020B0809050000020004" pitchFamily="49" charset="0"/>
+              </a:rPr>
+              <a:t>,</a:t>
+            </a:r>
+            <a:r>
+              <a:rPr lang="en-US" altLang="ko-KR" sz="1400" dirty="0">
+                <a:solidFill>
+                  <a:srgbClr val="EEFFFF"/>
+                </a:solidFill>
+                <a:latin typeface="Fira Code" panose="020B0809050000020004" pitchFamily="49" charset="0"/>
+              </a:rPr>
+              <a:t> index</a:t>
+            </a:r>
+            <a:r>
+              <a:rPr lang="en-US" altLang="ko-KR" sz="1400" dirty="0">
+                <a:solidFill>
+                  <a:srgbClr val="89DDFF"/>
+                </a:solidFill>
+                <a:latin typeface="Fira Code" panose="020B0809050000020004" pitchFamily="49" charset="0"/>
+              </a:rPr>
+              <a:t>,</a:t>
+            </a:r>
+            <a:r>
+              <a:rPr lang="en-US" altLang="ko-KR" sz="1400" dirty="0">
+                <a:solidFill>
+                  <a:srgbClr val="EEFFFF"/>
+                </a:solidFill>
+                <a:latin typeface="Fira Code" panose="020B0809050000020004" pitchFamily="49" charset="0"/>
+              </a:rPr>
+              <a:t> end</a:t>
+            </a:r>
+            <a:r>
+              <a:rPr lang="en-US" altLang="ko-KR" sz="1400" dirty="0">
+                <a:solidFill>
+                  <a:srgbClr val="89DDFF"/>
+                </a:solidFill>
+                <a:latin typeface="Fira Code" panose="020B0809050000020004" pitchFamily="49" charset="0"/>
+              </a:rPr>
+              <a:t>)</a:t>
+            </a:r>
+            <a:endParaRPr lang="en-US" altLang="ko-KR" sz="1400" dirty="0">
+              <a:solidFill>
+                <a:srgbClr val="EEFFFF"/>
+              </a:solidFill>
+              <a:latin typeface="Fira Code" panose="020B0809050000020004" pitchFamily="49" charset="0"/>
+            </a:endParaRPr>
+          </a:p>
+          <a:p>
+            <a:pPr marL="0" indent="0">
+              <a:buNone/>
+            </a:pPr>
+            <a:r>
+              <a:rPr lang="en-US" altLang="ko-KR" sz="1400" dirty="0">
+                <a:solidFill>
+                  <a:srgbClr val="EEFFFF"/>
+                </a:solidFill>
+                <a:latin typeface="Fira Code" panose="020B0809050000020004" pitchFamily="49" charset="0"/>
+              </a:rPr>
+              <a:t/>
+            </a:r>
+            <a:br>
+              <a:rPr lang="en-US" altLang="ko-KR" sz="1400" dirty="0">
+                <a:solidFill>
+                  <a:srgbClr val="EEFFFF"/>
+                </a:solidFill>
+                <a:latin typeface="Fira Code" panose="020B0809050000020004" pitchFamily="49" charset="0"/>
+              </a:rPr>
+            </a:br>
+            <a:r>
+              <a:rPr lang="en-US" altLang="ko-KR" sz="1400" dirty="0">
+                <a:solidFill>
+                  <a:srgbClr val="EEFFFF"/>
+                </a:solidFill>
+                <a:latin typeface="Fira Code" panose="020B0809050000020004" pitchFamily="49" charset="0"/>
+              </a:rPr>
+              <a:t>        </a:t>
+            </a:r>
+            <a:r>
+              <a:rPr lang="en-US" altLang="ko-KR" sz="1400" i="1" dirty="0">
+                <a:solidFill>
+                  <a:srgbClr val="546E7A"/>
+                </a:solidFill>
+                <a:latin typeface="Fira Code" panose="020B0809050000020004" pitchFamily="49" charset="0"/>
+              </a:rPr>
+              <a:t># </a:t>
+            </a:r>
+            <a:r>
+              <a:rPr lang="ko-KR" altLang="en-US" sz="1400" i="1" dirty="0">
+                <a:solidFill>
+                  <a:srgbClr val="546E7A"/>
+                </a:solidFill>
+                <a:latin typeface="Fira Code" panose="020B0809050000020004" pitchFamily="49" charset="0"/>
+              </a:rPr>
+              <a:t>위 작동방법에서 그룹 전체를 </a:t>
+            </a:r>
+            <a:r>
+              <a:rPr lang="en-US" altLang="ko-KR" sz="1400" i="1" dirty="0">
+                <a:solidFill>
+                  <a:srgbClr val="546E7A"/>
+                </a:solidFill>
+                <a:latin typeface="Fira Code" panose="020B0809050000020004" pitchFamily="49" charset="0"/>
+              </a:rPr>
+              <a:t>'B'</a:t>
+            </a:r>
+            <a:r>
+              <a:rPr lang="ko-KR" altLang="en-US" sz="1400" i="1" dirty="0">
+                <a:solidFill>
+                  <a:srgbClr val="546E7A"/>
+                </a:solidFill>
+                <a:latin typeface="Fira Code" panose="020B0809050000020004" pitchFamily="49" charset="0"/>
+              </a:rPr>
+              <a:t>로 채우는 것과 같은 과정</a:t>
+            </a:r>
+            <a:endParaRPr lang="ko-KR" altLang="en-US" sz="1400" dirty="0">
+              <a:solidFill>
+                <a:srgbClr val="EEFFFF"/>
+              </a:solidFill>
+              <a:latin typeface="Fira Code" panose="020B0809050000020004" pitchFamily="49" charset="0"/>
+            </a:endParaRPr>
+          </a:p>
+          <a:p>
+            <a:pPr marL="0" indent="0">
+              <a:buNone/>
+            </a:pPr>
+            <a:r>
+              <a:rPr lang="ko-KR" altLang="en-US" sz="1400" dirty="0">
+                <a:solidFill>
+                  <a:srgbClr val="EEFFFF"/>
+                </a:solidFill>
+                <a:latin typeface="Fira Code" panose="020B0809050000020004" pitchFamily="49" charset="0"/>
+              </a:rPr>
+              <a:t>        </a:t>
+            </a:r>
+            <a:r>
+              <a:rPr lang="en-US" altLang="ko-KR" sz="1400" dirty="0">
+                <a:solidFill>
+                  <a:srgbClr val="89DDFF"/>
+                </a:solidFill>
+                <a:latin typeface="Fira Code" panose="020B0809050000020004" pitchFamily="49" charset="0"/>
+              </a:rPr>
+              <a:t>for</a:t>
+            </a:r>
+            <a:r>
+              <a:rPr lang="en-US" altLang="ko-KR" sz="1400" dirty="0">
+                <a:solidFill>
+                  <a:srgbClr val="EEFFFF"/>
+                </a:solidFill>
+                <a:latin typeface="Fira Code" panose="020B0809050000020004" pitchFamily="49" charset="0"/>
+              </a:rPr>
+              <a:t> ii </a:t>
+            </a:r>
+            <a:r>
+              <a:rPr lang="en-US" altLang="ko-KR" sz="1400" dirty="0">
+                <a:solidFill>
+                  <a:srgbClr val="89DDFF"/>
+                </a:solidFill>
+                <a:latin typeface="Fira Code" panose="020B0809050000020004" pitchFamily="49" charset="0"/>
+              </a:rPr>
+              <a:t>in</a:t>
+            </a:r>
+            <a:r>
+              <a:rPr lang="en-US" altLang="ko-KR" sz="1400" dirty="0">
+                <a:solidFill>
+                  <a:srgbClr val="EEFFFF"/>
+                </a:solidFill>
+                <a:latin typeface="Fira Code" panose="020B0809050000020004" pitchFamily="49" charset="0"/>
+              </a:rPr>
+              <a:t> </a:t>
+            </a:r>
+            <a:r>
+              <a:rPr lang="en-US" altLang="ko-KR" sz="1400" dirty="0">
+                <a:solidFill>
+                  <a:srgbClr val="82AAFF"/>
+                </a:solidFill>
+                <a:latin typeface="Fira Code" panose="020B0809050000020004" pitchFamily="49" charset="0"/>
+              </a:rPr>
+              <a:t>range</a:t>
+            </a:r>
+            <a:r>
+              <a:rPr lang="en-US" altLang="ko-KR" sz="1400" dirty="0">
+                <a:solidFill>
+                  <a:srgbClr val="89DDFF"/>
+                </a:solidFill>
+                <a:latin typeface="Fira Code" panose="020B0809050000020004" pitchFamily="49" charset="0"/>
+              </a:rPr>
+              <a:t>(</a:t>
+            </a:r>
+            <a:r>
+              <a:rPr lang="en-US" altLang="ko-KR" sz="1400" dirty="0">
+                <a:solidFill>
+                  <a:srgbClr val="EEFFFF"/>
+                </a:solidFill>
+                <a:latin typeface="Fira Code" panose="020B0809050000020004" pitchFamily="49" charset="0"/>
+              </a:rPr>
+              <a:t>index</a:t>
+            </a:r>
+            <a:r>
+              <a:rPr lang="en-US" altLang="ko-KR" sz="1400" dirty="0">
+                <a:solidFill>
+                  <a:srgbClr val="89DDFF"/>
+                </a:solidFill>
+                <a:latin typeface="Fira Code" panose="020B0809050000020004" pitchFamily="49" charset="0"/>
+              </a:rPr>
+              <a:t>,</a:t>
+            </a:r>
+            <a:r>
+              <a:rPr lang="en-US" altLang="ko-KR" sz="1400" dirty="0">
+                <a:solidFill>
+                  <a:srgbClr val="EEFFFF"/>
+                </a:solidFill>
+                <a:latin typeface="Fira Code" panose="020B0809050000020004" pitchFamily="49" charset="0"/>
+              </a:rPr>
+              <a:t> index </a:t>
+            </a:r>
+            <a:r>
+              <a:rPr lang="en-US" altLang="ko-KR" sz="1400" dirty="0">
+                <a:solidFill>
+                  <a:srgbClr val="C792EA"/>
+                </a:solidFill>
+                <a:latin typeface="Fira Code" panose="020B0809050000020004" pitchFamily="49" charset="0"/>
+              </a:rPr>
+              <a:t>+</a:t>
+            </a:r>
+            <a:r>
+              <a:rPr lang="en-US" altLang="ko-KR" sz="1400" dirty="0">
+                <a:solidFill>
+                  <a:srgbClr val="EEFFFF"/>
+                </a:solidFill>
+                <a:latin typeface="Fira Code" panose="020B0809050000020004" pitchFamily="49" charset="0"/>
+              </a:rPr>
+              <a:t> </a:t>
+            </a:r>
+            <a:r>
+              <a:rPr lang="en-US" altLang="ko-KR" sz="1400" dirty="0" err="1">
+                <a:solidFill>
+                  <a:srgbClr val="82AAFF"/>
+                </a:solidFill>
+                <a:latin typeface="Fira Code" panose="020B0809050000020004" pitchFamily="49" charset="0"/>
+              </a:rPr>
+              <a:t>len</a:t>
+            </a:r>
+            <a:r>
+              <a:rPr lang="en-US" altLang="ko-KR" sz="1400" dirty="0">
+                <a:solidFill>
+                  <a:srgbClr val="89DDFF"/>
+                </a:solidFill>
+                <a:latin typeface="Fira Code" panose="020B0809050000020004" pitchFamily="49" charset="0"/>
+              </a:rPr>
+              <a:t>(</a:t>
+            </a:r>
+            <a:r>
+              <a:rPr lang="en-US" altLang="ko-KR" sz="1400" dirty="0" err="1">
+                <a:solidFill>
+                  <a:srgbClr val="EEFFFF"/>
+                </a:solidFill>
+                <a:latin typeface="Fira Code" panose="020B0809050000020004" pitchFamily="49" charset="0"/>
+              </a:rPr>
+              <a:t>groupValue</a:t>
+            </a:r>
+            <a:r>
+              <a:rPr lang="en-US" altLang="ko-KR" sz="1400" dirty="0" err="1">
+                <a:solidFill>
+                  <a:srgbClr val="89DDFF"/>
+                </a:solidFill>
+                <a:latin typeface="Fira Code" panose="020B0809050000020004" pitchFamily="49" charset="0"/>
+              </a:rPr>
+              <a:t>.</a:t>
+            </a:r>
+            <a:r>
+              <a:rPr lang="en-US" altLang="ko-KR" sz="1400" dirty="0" err="1">
+                <a:solidFill>
+                  <a:srgbClr val="EEFFFF"/>
+                </a:solidFill>
+                <a:latin typeface="Fira Code" panose="020B0809050000020004" pitchFamily="49" charset="0"/>
+              </a:rPr>
+              <a:t>tokens</a:t>
+            </a:r>
+            <a:r>
+              <a:rPr lang="en-US" altLang="ko-KR" sz="1400" dirty="0">
+                <a:solidFill>
+                  <a:srgbClr val="89DDFF"/>
+                </a:solidFill>
+                <a:latin typeface="Fira Code" panose="020B0809050000020004" pitchFamily="49" charset="0"/>
+              </a:rPr>
+              <a:t>)):</a:t>
+            </a:r>
+            <a:endParaRPr lang="en-US" altLang="ko-KR" sz="1400" dirty="0">
+              <a:solidFill>
+                <a:srgbClr val="EEFFFF"/>
+              </a:solidFill>
+              <a:latin typeface="Fira Code" panose="020B0809050000020004" pitchFamily="49" charset="0"/>
+            </a:endParaRPr>
+          </a:p>
+          <a:p>
+            <a:pPr marL="0" indent="0">
+              <a:buNone/>
+            </a:pPr>
+            <a:r>
+              <a:rPr lang="en-US" altLang="ko-KR" sz="1400" dirty="0">
+                <a:solidFill>
+                  <a:srgbClr val="EEFFFF"/>
+                </a:solidFill>
+                <a:latin typeface="Fira Code" panose="020B0809050000020004" pitchFamily="49" charset="0"/>
+              </a:rPr>
+              <a:t>          nodes</a:t>
+            </a:r>
+            <a:r>
+              <a:rPr lang="en-US" altLang="ko-KR" sz="1400" dirty="0">
+                <a:solidFill>
+                  <a:srgbClr val="89DDFF"/>
+                </a:solidFill>
+                <a:latin typeface="Fira Code" panose="020B0809050000020004" pitchFamily="49" charset="0"/>
+              </a:rPr>
+              <a:t>[</a:t>
+            </a:r>
+            <a:r>
+              <a:rPr lang="en-US" altLang="ko-KR" sz="1400" dirty="0">
+                <a:solidFill>
+                  <a:srgbClr val="EEFFFF"/>
+                </a:solidFill>
+                <a:latin typeface="Fira Code" panose="020B0809050000020004" pitchFamily="49" charset="0"/>
+              </a:rPr>
+              <a:t>ii</a:t>
+            </a:r>
+            <a:r>
+              <a:rPr lang="en-US" altLang="ko-KR" sz="1400" dirty="0">
+                <a:solidFill>
+                  <a:srgbClr val="89DDFF"/>
+                </a:solidFill>
+                <a:latin typeface="Fira Code" panose="020B0809050000020004" pitchFamily="49" charset="0"/>
+              </a:rPr>
+              <a:t>]</a:t>
+            </a:r>
+            <a:r>
+              <a:rPr lang="en-US" altLang="ko-KR" sz="1400" dirty="0">
+                <a:solidFill>
+                  <a:srgbClr val="EEFFFF"/>
+                </a:solidFill>
+                <a:latin typeface="Fira Code" panose="020B0809050000020004" pitchFamily="49" charset="0"/>
+              </a:rPr>
+              <a:t> </a:t>
+            </a:r>
+            <a:r>
+              <a:rPr lang="en-US" altLang="ko-KR" sz="1400" dirty="0">
+                <a:solidFill>
+                  <a:srgbClr val="C792EA"/>
+                </a:solidFill>
+                <a:latin typeface="Fira Code" panose="020B0809050000020004" pitchFamily="49" charset="0"/>
+              </a:rPr>
+              <a:t>=</a:t>
+            </a:r>
+            <a:r>
+              <a:rPr lang="en-US" altLang="ko-KR" sz="1400" dirty="0">
+                <a:solidFill>
+                  <a:srgbClr val="EEFFFF"/>
+                </a:solidFill>
+                <a:latin typeface="Fira Code" panose="020B0809050000020004" pitchFamily="49" charset="0"/>
+              </a:rPr>
+              <a:t> </a:t>
+            </a:r>
+            <a:r>
+              <a:rPr lang="en-US" altLang="ko-KR" sz="1400" dirty="0" err="1">
+                <a:solidFill>
+                  <a:srgbClr val="EEFFFF"/>
+                </a:solidFill>
+                <a:latin typeface="Fira Code" panose="020B0809050000020004" pitchFamily="49" charset="0"/>
+              </a:rPr>
+              <a:t>groupValue</a:t>
+            </a:r>
+            <a:endParaRPr lang="en-US" altLang="ko-KR" sz="1400" dirty="0">
+              <a:solidFill>
+                <a:srgbClr val="EEFFFF"/>
+              </a:solidFill>
+              <a:latin typeface="Fira Code" panose="020B0809050000020004" pitchFamily="49" charset="0"/>
+            </a:endParaRPr>
+          </a:p>
+          <a:p>
+            <a:pPr marL="0" indent="0">
+              <a:buNone/>
+            </a:pPr>
+            <a:r>
+              <a:rPr lang="en-US" altLang="ko-KR" sz="1400" dirty="0">
+                <a:solidFill>
+                  <a:srgbClr val="EEFFFF"/>
+                </a:solidFill>
+                <a:latin typeface="Fira Code" panose="020B0809050000020004" pitchFamily="49" charset="0"/>
+              </a:rPr>
+              <a:t>        index </a:t>
+            </a:r>
+            <a:r>
+              <a:rPr lang="en-US" altLang="ko-KR" sz="1400" dirty="0">
+                <a:solidFill>
+                  <a:srgbClr val="C792EA"/>
+                </a:solidFill>
+                <a:latin typeface="Fira Code" panose="020B0809050000020004" pitchFamily="49" charset="0"/>
+              </a:rPr>
+              <a:t>+=</a:t>
+            </a:r>
+            <a:r>
+              <a:rPr lang="en-US" altLang="ko-KR" sz="1400" dirty="0">
+                <a:solidFill>
+                  <a:srgbClr val="EEFFFF"/>
+                </a:solidFill>
+                <a:latin typeface="Fira Code" panose="020B0809050000020004" pitchFamily="49" charset="0"/>
+              </a:rPr>
+              <a:t> </a:t>
+            </a:r>
+            <a:r>
+              <a:rPr lang="en-US" altLang="ko-KR" sz="1400" dirty="0" err="1">
+                <a:solidFill>
+                  <a:srgbClr val="82AAFF"/>
+                </a:solidFill>
+                <a:latin typeface="Fira Code" panose="020B0809050000020004" pitchFamily="49" charset="0"/>
+              </a:rPr>
+              <a:t>len</a:t>
+            </a:r>
+            <a:r>
+              <a:rPr lang="en-US" altLang="ko-KR" sz="1400" dirty="0">
+                <a:solidFill>
+                  <a:srgbClr val="89DDFF"/>
+                </a:solidFill>
+                <a:latin typeface="Fira Code" panose="020B0809050000020004" pitchFamily="49" charset="0"/>
+              </a:rPr>
+              <a:t>(</a:t>
+            </a:r>
+            <a:r>
+              <a:rPr lang="en-US" altLang="ko-KR" sz="1400" dirty="0" err="1">
+                <a:solidFill>
+                  <a:srgbClr val="EEFFFF"/>
+                </a:solidFill>
+                <a:latin typeface="Fira Code" panose="020B0809050000020004" pitchFamily="49" charset="0"/>
+              </a:rPr>
+              <a:t>groupValue</a:t>
+            </a:r>
+            <a:r>
+              <a:rPr lang="en-US" altLang="ko-KR" sz="1400" dirty="0" err="1">
+                <a:solidFill>
+                  <a:srgbClr val="89DDFF"/>
+                </a:solidFill>
+                <a:latin typeface="Fira Code" panose="020B0809050000020004" pitchFamily="49" charset="0"/>
+              </a:rPr>
+              <a:t>.</a:t>
+            </a:r>
+            <a:r>
+              <a:rPr lang="en-US" altLang="ko-KR" sz="1400" dirty="0" err="1">
+                <a:solidFill>
+                  <a:srgbClr val="EEFFFF"/>
+                </a:solidFill>
+                <a:latin typeface="Fira Code" panose="020B0809050000020004" pitchFamily="49" charset="0"/>
+              </a:rPr>
+              <a:t>tokens</a:t>
+            </a:r>
+            <a:r>
+              <a:rPr lang="en-US" altLang="ko-KR" sz="1400" dirty="0">
+                <a:solidFill>
+                  <a:srgbClr val="89DDFF"/>
+                </a:solidFill>
+                <a:latin typeface="Fira Code" panose="020B0809050000020004" pitchFamily="49" charset="0"/>
+              </a:rPr>
+              <a:t>)</a:t>
+            </a:r>
+            <a:r>
+              <a:rPr lang="en-US" altLang="ko-KR" sz="1400" dirty="0">
+                <a:solidFill>
+                  <a:srgbClr val="EEFFFF"/>
+                </a:solidFill>
+                <a:latin typeface="Fira Code" panose="020B0809050000020004" pitchFamily="49" charset="0"/>
+              </a:rPr>
+              <a:t> </a:t>
+            </a:r>
+            <a:r>
+              <a:rPr lang="en-US" altLang="ko-KR" sz="1400" i="1" dirty="0">
+                <a:solidFill>
+                  <a:srgbClr val="546E7A"/>
+                </a:solidFill>
+                <a:latin typeface="Fira Code" panose="020B0809050000020004" pitchFamily="49" charset="0"/>
+              </a:rPr>
+              <a:t># </a:t>
+            </a:r>
+            <a:r>
+              <a:rPr lang="ko-KR" altLang="en-US" sz="1400" i="1" dirty="0">
+                <a:solidFill>
+                  <a:srgbClr val="546E7A"/>
+                </a:solidFill>
+                <a:latin typeface="Fira Code" panose="020B0809050000020004" pitchFamily="49" charset="0"/>
+              </a:rPr>
+              <a:t>그룹 </a:t>
+            </a:r>
+            <a:r>
+              <a:rPr lang="en-US" altLang="ko-KR" sz="1400" i="1" dirty="0">
+                <a:solidFill>
+                  <a:srgbClr val="546E7A"/>
+                </a:solidFill>
+                <a:latin typeface="Fira Code" panose="020B0809050000020004" pitchFamily="49" charset="0"/>
+              </a:rPr>
+              <a:t>+ </a:t>
+            </a:r>
+            <a:r>
+              <a:rPr lang="ko-KR" altLang="en-US" sz="1400" i="1" dirty="0">
+                <a:solidFill>
+                  <a:srgbClr val="546E7A"/>
+                </a:solidFill>
+                <a:latin typeface="Fira Code" panose="020B0809050000020004" pitchFamily="49" charset="0"/>
+              </a:rPr>
+              <a:t>그 안의 총 토큰 개수만큼 이동</a:t>
+            </a:r>
+            <a:endParaRPr lang="ko-KR" altLang="en-US" sz="1400" dirty="0">
+              <a:solidFill>
+                <a:srgbClr val="EEFFFF"/>
+              </a:solidFill>
+              <a:latin typeface="Fira Code" panose="020B0809050000020004" pitchFamily="49" charset="0"/>
+            </a:endParaRPr>
+          </a:p>
+          <a:p>
+            <a:pPr marL="0" indent="0">
+              <a:buNone/>
+            </a:pPr>
+            <a:endParaRPr lang="ko-KR" altLang="en-US" sz="1400" dirty="0"/>
+          </a:p>
+        </p:txBody>
+      </p:sp>
+      <p:sp>
+        <p:nvSpPr>
+          <p:cNvPr id="2" name="제목 1"/>
+          <p:cNvSpPr>
+            <a:spLocks noGrp="1"/>
+          </p:cNvSpPr>
+          <p:nvPr>
+            <p:ph type="title"/>
+          </p:nvPr>
+        </p:nvSpPr>
+        <p:spPr/>
+        <p:txBody>
+          <a:bodyPr/>
+          <a:lstStyle/>
+          <a:p>
+            <a:r>
+              <a:rPr lang="ko-KR" altLang="en-US" dirty="0" smtClean="0">
+                <a:solidFill>
+                  <a:schemeClr val="bg1"/>
+                </a:solidFill>
+              </a:rPr>
+              <a:t>코드</a:t>
+            </a:r>
+            <a:endParaRPr lang="ko-KR" altLang="en-US" dirty="0">
+              <a:solidFill>
+                <a:schemeClr val="bg1"/>
+              </a:solidFill>
+            </a:endParaRPr>
+          </a:p>
+        </p:txBody>
+      </p:sp>
+    </p:spTree>
+    <p:extLst>
+      <p:ext uri="{BB962C8B-B14F-4D97-AF65-F5344CB8AC3E}">
+        <p14:creationId xmlns:p14="http://schemas.microsoft.com/office/powerpoint/2010/main" val="1744840735"/>
+      </p:ext>
+    </p:extLst>
+  </p:cSld>
+  <p:clrMapOvr>
+    <a:masterClrMapping/>
+  </p:clrMapOvr>
+</p:sld>
+</file>
+
 <file path=ppt/slides/slide2.xml><?xml version="1.0" encoding="utf-8"?>
 <p:sld xmlns:a="http://schemas.openxmlformats.org/drawingml/2006/main" xmlns:r="http://schemas.openxmlformats.org/officeDocument/2006/relationships" xmlns:p="http://schemas.openxmlformats.org/presentationml/2006/main">
   <p:cSld>
+    <p:spTree>
+      <p:nvGrpSpPr>
+        <p:cNvPr id="1" name=""/>
+        <p:cNvGrpSpPr/>
+        <p:nvPr/>
+      </p:nvGrpSpPr>
+      <p:grpSpPr>
+        <a:xfrm>
+          <a:off x="0" y="0"/>
+          <a:ext cx="0" cy="0"/>
+          <a:chOff x="0" y="0"/>
+          <a:chExt cx="0" cy="0"/>
+        </a:xfrm>
+      </p:grpSpPr>
+      <p:sp>
+        <p:nvSpPr>
+          <p:cNvPr id="4" name="내용 개체 틀 3"/>
+          <p:cNvSpPr>
+            <a:spLocks noGrp="1"/>
+          </p:cNvSpPr>
+          <p:nvPr>
+            <p:ph idx="1"/>
+          </p:nvPr>
+        </p:nvSpPr>
+        <p:spPr/>
+        <p:txBody>
+          <a:bodyPr>
+            <a:normAutofit/>
+          </a:bodyPr>
+          <a:lstStyle/>
+          <a:p>
+            <a:pPr marL="0" indent="0">
+              <a:lnSpc>
+                <a:spcPct val="120000"/>
+              </a:lnSpc>
+              <a:buNone/>
+            </a:pPr>
+            <a:r>
+              <a:rPr lang="ko-KR" altLang="en-US" dirty="0" smtClean="0"/>
+              <a:t>삼각함수</a:t>
+            </a:r>
+            <a:r>
+              <a:rPr lang="en-US" altLang="ko-KR" dirty="0" smtClean="0"/>
+              <a:t>, </a:t>
+            </a:r>
+            <a:r>
+              <a:rPr lang="ko-KR" altLang="en-US" dirty="0" err="1" smtClean="0"/>
+              <a:t>로그함수</a:t>
+            </a:r>
+            <a:r>
+              <a:rPr lang="ko-KR" altLang="en-US" dirty="0" smtClean="0"/>
+              <a:t> 등을 이용할 수 있음</a:t>
+            </a:r>
+            <a:r>
+              <a:rPr lang="en-US" altLang="ko-KR" dirty="0" smtClean="0"/>
+              <a:t>.</a:t>
+            </a:r>
+          </a:p>
+          <a:p>
+            <a:pPr marL="0" indent="0">
+              <a:lnSpc>
+                <a:spcPct val="120000"/>
+              </a:lnSpc>
+              <a:buNone/>
+            </a:pPr>
+            <a:r>
+              <a:rPr lang="ko-KR" altLang="en-US" dirty="0" smtClean="0"/>
+              <a:t>함수나 값을 정의할 수 있음</a:t>
+            </a:r>
+            <a:r>
+              <a:rPr lang="en-US" altLang="ko-KR" dirty="0" smtClean="0"/>
+              <a:t>.</a:t>
+            </a:r>
+          </a:p>
+          <a:p>
+            <a:pPr marL="0" indent="0">
+              <a:lnSpc>
+                <a:spcPct val="120000"/>
+              </a:lnSpc>
+              <a:buNone/>
+            </a:pPr>
+            <a:endParaRPr lang="en-US" altLang="ko-KR" dirty="0" smtClean="0"/>
+          </a:p>
+          <a:p>
+            <a:pPr marL="0" indent="0">
+              <a:lnSpc>
+                <a:spcPct val="120000"/>
+              </a:lnSpc>
+              <a:buNone/>
+            </a:pPr>
+            <a:r>
+              <a:rPr lang="ko-KR" altLang="en-US" sz="2000" dirty="0" smtClean="0"/>
+              <a:t>방정식</a:t>
+            </a:r>
+            <a:r>
+              <a:rPr lang="en-US" altLang="ko-KR" sz="2000" dirty="0" smtClean="0"/>
+              <a:t>, </a:t>
+            </a:r>
+            <a:r>
+              <a:rPr lang="ko-KR" altLang="en-US" sz="2000" dirty="0" smtClean="0"/>
+              <a:t>부등식의 해를 구하는 기능은 만들고 싶었지만 너무 많은 것 같아서 구현하지 못함</a:t>
+            </a:r>
+            <a:endParaRPr lang="ko-KR" altLang="en-US" dirty="0"/>
+          </a:p>
+        </p:txBody>
+      </p:sp>
+      <p:sp>
+        <p:nvSpPr>
+          <p:cNvPr id="2" name="제목 1"/>
+          <p:cNvSpPr>
+            <a:spLocks noGrp="1"/>
+          </p:cNvSpPr>
+          <p:nvPr>
+            <p:ph type="title"/>
+          </p:nvPr>
+        </p:nvSpPr>
+        <p:spPr/>
+        <p:txBody>
+          <a:bodyPr/>
+          <a:lstStyle/>
+          <a:p>
+            <a:r>
+              <a:rPr lang="ko-KR" altLang="en-US" dirty="0" smtClean="0"/>
+              <a:t>고급 수식 계산기</a:t>
+            </a:r>
+            <a:endParaRPr lang="ko-KR" altLang="en-US" dirty="0"/>
+          </a:p>
+        </p:txBody>
+      </p:sp>
+    </p:spTree>
+    <p:extLst>
+      <p:ext uri="{BB962C8B-B14F-4D97-AF65-F5344CB8AC3E}">
+        <p14:creationId xmlns:p14="http://schemas.microsoft.com/office/powerpoint/2010/main" val="1490486930"/>
+      </p:ext>
+    </p:extLst>
+  </p:cSld>
+  <p:clrMapOvr>
+    <a:masterClrMapping/>
+  </p:clrMapOvr>
+</p:sld>
+</file>
+
+<file path=ppt/slides/slide3.xml><?xml version="1.0" encoding="utf-8"?>
+<p:sld xmlns:a="http://schemas.openxmlformats.org/drawingml/2006/main" xmlns:r="http://schemas.openxmlformats.org/officeDocument/2006/relationships" xmlns:p="http://schemas.openxmlformats.org/presentationml/2006/main">
+  <p:cSld>
+    <p:spTree>
+      <p:nvGrpSpPr>
+        <p:cNvPr id="1" name=""/>
+        <p:cNvGrpSpPr/>
+        <p:nvPr/>
+      </p:nvGrpSpPr>
+      <p:grpSpPr>
+        <a:xfrm>
+          <a:off x="0" y="0"/>
+          <a:ext cx="0" cy="0"/>
+          <a:chOff x="0" y="0"/>
+          <a:chExt cx="0" cy="0"/>
+        </a:xfrm>
+      </p:grpSpPr>
+      <p:sp>
+        <p:nvSpPr>
+          <p:cNvPr id="3" name="내용 개체 틀 2"/>
+          <p:cNvSpPr>
+            <a:spLocks noGrp="1"/>
+          </p:cNvSpPr>
+          <p:nvPr>
+            <p:ph idx="1"/>
+          </p:nvPr>
+        </p:nvSpPr>
+        <p:spPr/>
+        <p:txBody>
+          <a:bodyPr>
+            <a:noAutofit/>
+          </a:bodyPr>
+          <a:lstStyle/>
+          <a:p>
+            <a:pPr marL="0" indent="0">
+              <a:buNone/>
+            </a:pPr>
+            <a:r>
+              <a:rPr lang="ko-KR" altLang="en-US" sz="1400" dirty="0">
+                <a:latin typeface="Consolas" panose="020B0609020204030204" pitchFamily="49" charset="0"/>
+              </a:rPr>
+              <a:t>대략적인 </a:t>
+            </a:r>
+            <a:r>
+              <a:rPr lang="ko-KR" altLang="en-US" sz="1400" dirty="0" err="1">
+                <a:latin typeface="Consolas" panose="020B0609020204030204" pitchFamily="49" charset="0"/>
+              </a:rPr>
+              <a:t>작동방법을</a:t>
+            </a:r>
+            <a:r>
+              <a:rPr lang="ko-KR" altLang="en-US" sz="1400" dirty="0">
+                <a:latin typeface="Consolas" panose="020B0609020204030204" pitchFamily="49" charset="0"/>
+              </a:rPr>
+              <a:t> 보자면</a:t>
+            </a:r>
+            <a:r>
+              <a:rPr lang="en-US" altLang="ko-KR" sz="1400" dirty="0">
+                <a:latin typeface="Consolas" panose="020B0609020204030204" pitchFamily="49" charset="0"/>
+              </a:rPr>
+              <a:t>,</a:t>
+            </a:r>
+          </a:p>
+          <a:p>
+            <a:pPr marL="0" indent="0">
+              <a:buNone/>
+            </a:pPr>
+            <a:r>
+              <a:rPr lang="ko-KR" altLang="en-US" sz="1400" dirty="0">
+                <a:latin typeface="Consolas" panose="020B0609020204030204" pitchFamily="49" charset="0"/>
+              </a:rPr>
+              <a:t>코드</a:t>
+            </a:r>
+            <a:r>
+              <a:rPr lang="en-US" altLang="ko-KR" sz="1400" dirty="0">
+                <a:latin typeface="Consolas" panose="020B0609020204030204" pitchFamily="49" charset="0"/>
+              </a:rPr>
+              <a:t>:        </a:t>
+            </a:r>
+            <a:r>
+              <a:rPr lang="en-US" altLang="ko-KR" sz="1100" dirty="0" smtClean="0">
+                <a:latin typeface="Consolas" panose="020B0609020204030204" pitchFamily="49" charset="0"/>
+              </a:rPr>
+              <a:t> </a:t>
+            </a:r>
+            <a:r>
+              <a:rPr lang="en-US" altLang="ko-KR" sz="1400" dirty="0" smtClean="0">
+                <a:latin typeface="Consolas" panose="020B0609020204030204" pitchFamily="49" charset="0"/>
+              </a:rPr>
+              <a:t>  </a:t>
+            </a:r>
+            <a:r>
+              <a:rPr lang="en-US" altLang="ko-KR" sz="1400" dirty="0">
+                <a:latin typeface="Consolas" panose="020B0609020204030204" pitchFamily="49" charset="0"/>
+              </a:rPr>
+              <a:t>1  +  2  *  (  3  +  4  *  5  )  +  6</a:t>
+            </a:r>
+          </a:p>
+          <a:p>
+            <a:pPr marL="0" indent="0">
+              <a:buNone/>
+            </a:pPr>
+            <a:r>
+              <a:rPr lang="en-US" altLang="ko-KR" sz="1400" dirty="0">
+                <a:latin typeface="Consolas" panose="020B0609020204030204" pitchFamily="49" charset="0"/>
+              </a:rPr>
+              <a:t>(</a:t>
+            </a:r>
+            <a:r>
+              <a:rPr lang="ko-KR" altLang="en-US" sz="1400" dirty="0">
+                <a:latin typeface="Consolas" panose="020B0609020204030204" pitchFamily="49" charset="0"/>
+              </a:rPr>
+              <a:t>괄호 먼저 계산</a:t>
+            </a:r>
+            <a:r>
+              <a:rPr lang="en-US" altLang="ko-KR" sz="1400" dirty="0">
+                <a:latin typeface="Consolas" panose="020B0609020204030204" pitchFamily="49" charset="0"/>
+              </a:rPr>
+              <a:t>)                                                    </a:t>
+            </a:r>
+          </a:p>
+          <a:p>
+            <a:pPr marL="0" indent="0">
+              <a:buNone/>
+            </a:pPr>
+            <a:r>
+              <a:rPr lang="ko-KR" altLang="en-US" sz="1400" dirty="0">
+                <a:latin typeface="Consolas" panose="020B0609020204030204" pitchFamily="49" charset="0"/>
+              </a:rPr>
+              <a:t>연산자 우선순위</a:t>
+            </a:r>
+            <a:r>
+              <a:rPr lang="en-US" altLang="ko-KR" sz="1400" dirty="0">
+                <a:latin typeface="Consolas" panose="020B0609020204030204" pitchFamily="49" charset="0"/>
+              </a:rPr>
+              <a:t>:    </a:t>
+            </a:r>
+            <a:r>
+              <a:rPr lang="en-US" altLang="ko-KR" sz="1050" dirty="0">
+                <a:latin typeface="Consolas" panose="020B0609020204030204" pitchFamily="49" charset="0"/>
+              </a:rPr>
+              <a:t> </a:t>
+            </a:r>
+            <a:r>
+              <a:rPr lang="en-US" altLang="ko-KR" sz="1400" dirty="0" smtClean="0">
+                <a:latin typeface="Consolas" panose="020B0609020204030204" pitchFamily="49" charset="0"/>
+              </a:rPr>
+              <a:t>                 </a:t>
+            </a:r>
+            <a:r>
+              <a:rPr lang="en-US" altLang="ko-KR" sz="1400" dirty="0">
+                <a:latin typeface="Consolas" panose="020B0609020204030204" pitchFamily="49" charset="0"/>
+              </a:rPr>
+              <a:t>2     1             &lt;- </a:t>
+            </a:r>
+            <a:r>
+              <a:rPr lang="ko-KR" altLang="en-US" sz="1400" dirty="0">
+                <a:latin typeface="Consolas" panose="020B0609020204030204" pitchFamily="49" charset="0"/>
+              </a:rPr>
+              <a:t>리스트에 현재 담겨있는 내용</a:t>
+            </a:r>
+          </a:p>
+          <a:p>
+            <a:pPr marL="0" indent="0">
+              <a:buNone/>
+            </a:pPr>
+            <a:r>
+              <a:rPr lang="en-US" altLang="ko-KR" sz="1400" dirty="0">
+                <a:latin typeface="Consolas" panose="020B0609020204030204" pitchFamily="49" charset="0"/>
+              </a:rPr>
+              <a:t>- </a:t>
+            </a:r>
+            <a:r>
+              <a:rPr lang="ko-KR" altLang="en-US" sz="1400" dirty="0">
+                <a:latin typeface="Consolas" panose="020B0609020204030204" pitchFamily="49" charset="0"/>
+              </a:rPr>
+              <a:t>우선순위 </a:t>
+            </a:r>
+            <a:r>
+              <a:rPr lang="en-US" altLang="ko-KR" sz="1400" dirty="0">
+                <a:latin typeface="Consolas" panose="020B0609020204030204" pitchFamily="49" charset="0"/>
+              </a:rPr>
+              <a:t>= 1:                      A  </a:t>
+            </a:r>
+            <a:r>
+              <a:rPr lang="en-US" altLang="ko-KR" sz="1400" dirty="0" err="1">
+                <a:latin typeface="Consolas" panose="020B0609020204030204" pitchFamily="49" charset="0"/>
+              </a:rPr>
+              <a:t>A</a:t>
+            </a:r>
+            <a:r>
+              <a:rPr lang="en-US" altLang="ko-KR" sz="1400" dirty="0">
+                <a:latin typeface="Consolas" panose="020B0609020204030204" pitchFamily="49" charset="0"/>
+              </a:rPr>
+              <a:t>  </a:t>
+            </a:r>
+            <a:r>
+              <a:rPr lang="en-US" altLang="ko-KR" sz="1400" dirty="0" err="1">
+                <a:latin typeface="Consolas" panose="020B0609020204030204" pitchFamily="49" charset="0"/>
+              </a:rPr>
+              <a:t>A</a:t>
+            </a:r>
+            <a:r>
+              <a:rPr lang="en-US" altLang="ko-KR" sz="1400" dirty="0">
+                <a:latin typeface="Consolas" panose="020B0609020204030204" pitchFamily="49" charset="0"/>
+              </a:rPr>
+              <a:t>          (A = 4 * 5)</a:t>
+            </a:r>
+          </a:p>
+          <a:p>
+            <a:pPr marL="0" indent="0">
+              <a:buNone/>
+            </a:pPr>
+            <a:r>
+              <a:rPr lang="en-US" altLang="ko-KR" sz="1400" dirty="0">
+                <a:latin typeface="Consolas" panose="020B0609020204030204" pitchFamily="49" charset="0"/>
+              </a:rPr>
+              <a:t>- </a:t>
+            </a:r>
+            <a:r>
+              <a:rPr lang="ko-KR" altLang="en-US" sz="1400" dirty="0">
+                <a:latin typeface="Consolas" panose="020B0609020204030204" pitchFamily="49" charset="0"/>
+              </a:rPr>
+              <a:t>우선순위 </a:t>
+            </a:r>
+            <a:r>
+              <a:rPr lang="en-US" altLang="ko-KR" sz="1400" dirty="0">
+                <a:latin typeface="Consolas" panose="020B0609020204030204" pitchFamily="49" charset="0"/>
+              </a:rPr>
+              <a:t>= 2:                B  </a:t>
+            </a:r>
+            <a:r>
+              <a:rPr lang="en-US" altLang="ko-KR" sz="1400" dirty="0" err="1">
+                <a:latin typeface="Consolas" panose="020B0609020204030204" pitchFamily="49" charset="0"/>
+              </a:rPr>
+              <a:t>B</a:t>
+            </a:r>
+            <a:r>
+              <a:rPr lang="en-US" altLang="ko-KR" sz="1400" dirty="0">
+                <a:latin typeface="Consolas" panose="020B0609020204030204" pitchFamily="49" charset="0"/>
+              </a:rPr>
+              <a:t>  </a:t>
+            </a:r>
+            <a:r>
+              <a:rPr lang="en-US" altLang="ko-KR" sz="1400" dirty="0" err="1">
+                <a:latin typeface="Consolas" panose="020B0609020204030204" pitchFamily="49" charset="0"/>
+              </a:rPr>
+              <a:t>B</a:t>
+            </a:r>
+            <a:r>
+              <a:rPr lang="en-US" altLang="ko-KR" sz="1400" dirty="0">
+                <a:latin typeface="Consolas" panose="020B0609020204030204" pitchFamily="49" charset="0"/>
+              </a:rPr>
+              <a:t>  </a:t>
+            </a:r>
+            <a:r>
+              <a:rPr lang="en-US" altLang="ko-KR" sz="1400" dirty="0" err="1">
+                <a:latin typeface="Consolas" panose="020B0609020204030204" pitchFamily="49" charset="0"/>
+              </a:rPr>
+              <a:t>B</a:t>
+            </a:r>
+            <a:r>
+              <a:rPr lang="en-US" altLang="ko-KR" sz="1400" dirty="0">
+                <a:latin typeface="Consolas" panose="020B0609020204030204" pitchFamily="49" charset="0"/>
+              </a:rPr>
+              <a:t>  </a:t>
+            </a:r>
+            <a:r>
+              <a:rPr lang="en-US" altLang="ko-KR" sz="1400" dirty="0" err="1">
+                <a:latin typeface="Consolas" panose="020B0609020204030204" pitchFamily="49" charset="0"/>
+              </a:rPr>
+              <a:t>B</a:t>
+            </a:r>
+            <a:r>
+              <a:rPr lang="en-US" altLang="ko-KR" sz="1400" dirty="0">
+                <a:latin typeface="Consolas" panose="020B0609020204030204" pitchFamily="49" charset="0"/>
+              </a:rPr>
+              <a:t>          (B = 3 + A)</a:t>
+            </a:r>
+          </a:p>
+          <a:p>
+            <a:pPr marL="0" indent="0">
+              <a:buNone/>
+            </a:pPr>
+            <a:r>
+              <a:rPr lang="en-US" altLang="ko-KR" sz="1400" dirty="0">
+                <a:latin typeface="Consolas" panose="020B0609020204030204" pitchFamily="49" charset="0"/>
+              </a:rPr>
+              <a:t>(</a:t>
+            </a:r>
+            <a:r>
+              <a:rPr lang="ko-KR" altLang="en-US" sz="1400" dirty="0">
+                <a:latin typeface="Consolas" panose="020B0609020204030204" pitchFamily="49" charset="0"/>
+              </a:rPr>
+              <a:t>괄호 밖</a:t>
+            </a:r>
+            <a:r>
+              <a:rPr lang="en-US" altLang="ko-KR" sz="1400" dirty="0">
+                <a:latin typeface="Consolas" panose="020B0609020204030204" pitchFamily="49" charset="0"/>
+              </a:rPr>
+              <a:t>)</a:t>
+            </a:r>
+          </a:p>
+          <a:p>
+            <a:pPr marL="0" indent="0">
+              <a:buNone/>
+            </a:pPr>
+            <a:r>
+              <a:rPr lang="ko-KR" altLang="en-US" sz="1400" dirty="0">
+                <a:latin typeface="Consolas" panose="020B0609020204030204" pitchFamily="49" charset="0"/>
+              </a:rPr>
+              <a:t>연산자 우선순위</a:t>
+            </a:r>
+            <a:r>
+              <a:rPr lang="en-US" altLang="ko-KR" sz="1400" dirty="0">
+                <a:latin typeface="Consolas" panose="020B0609020204030204" pitchFamily="49" charset="0"/>
+              </a:rPr>
+              <a:t>:  </a:t>
+            </a:r>
+            <a:r>
+              <a:rPr lang="en-US" altLang="ko-KR" sz="1000" dirty="0" smtClean="0">
+                <a:latin typeface="Consolas" panose="020B0609020204030204" pitchFamily="49" charset="0"/>
+              </a:rPr>
+              <a:t> </a:t>
+            </a:r>
+            <a:r>
+              <a:rPr lang="en-US" altLang="ko-KR" sz="1400" dirty="0" smtClean="0">
+                <a:latin typeface="Consolas" panose="020B0609020204030204" pitchFamily="49" charset="0"/>
+              </a:rPr>
+              <a:t> </a:t>
+            </a:r>
+            <a:r>
+              <a:rPr lang="en-US" altLang="ko-KR" sz="1400" dirty="0">
+                <a:latin typeface="Consolas" panose="020B0609020204030204" pitchFamily="49" charset="0"/>
+              </a:rPr>
+              <a:t>2     1  B  </a:t>
+            </a:r>
+            <a:r>
+              <a:rPr lang="en-US" altLang="ko-KR" sz="1400" dirty="0" err="1">
+                <a:latin typeface="Consolas" panose="020B0609020204030204" pitchFamily="49" charset="0"/>
+              </a:rPr>
+              <a:t>B</a:t>
+            </a:r>
+            <a:r>
+              <a:rPr lang="en-US" altLang="ko-KR" sz="1400" dirty="0">
+                <a:latin typeface="Consolas" panose="020B0609020204030204" pitchFamily="49" charset="0"/>
+              </a:rPr>
+              <a:t>  </a:t>
+            </a:r>
+            <a:r>
+              <a:rPr lang="en-US" altLang="ko-KR" sz="1400" dirty="0" err="1">
+                <a:latin typeface="Consolas" panose="020B0609020204030204" pitchFamily="49" charset="0"/>
+              </a:rPr>
+              <a:t>B</a:t>
+            </a:r>
+            <a:r>
+              <a:rPr lang="en-US" altLang="ko-KR" sz="1400" dirty="0">
+                <a:latin typeface="Consolas" panose="020B0609020204030204" pitchFamily="49" charset="0"/>
+              </a:rPr>
+              <a:t>  </a:t>
+            </a:r>
+            <a:r>
+              <a:rPr lang="en-US" altLang="ko-KR" sz="1400" dirty="0" err="1">
+                <a:latin typeface="Consolas" panose="020B0609020204030204" pitchFamily="49" charset="0"/>
+              </a:rPr>
+              <a:t>B</a:t>
+            </a:r>
+            <a:r>
+              <a:rPr lang="en-US" altLang="ko-KR" sz="1400" dirty="0">
+                <a:latin typeface="Consolas" panose="020B0609020204030204" pitchFamily="49" charset="0"/>
+              </a:rPr>
+              <a:t>  </a:t>
+            </a:r>
+            <a:r>
+              <a:rPr lang="en-US" altLang="ko-KR" sz="1400" dirty="0" err="1">
+                <a:latin typeface="Consolas" panose="020B0609020204030204" pitchFamily="49" charset="0"/>
+              </a:rPr>
+              <a:t>B</a:t>
+            </a:r>
+            <a:r>
+              <a:rPr lang="en-US" altLang="ko-KR" sz="1400" dirty="0">
+                <a:latin typeface="Consolas" panose="020B0609020204030204" pitchFamily="49" charset="0"/>
+              </a:rPr>
+              <a:t>  </a:t>
+            </a:r>
+            <a:r>
+              <a:rPr lang="en-US" altLang="ko-KR" sz="1400" dirty="0" err="1">
+                <a:latin typeface="Consolas" panose="020B0609020204030204" pitchFamily="49" charset="0"/>
+              </a:rPr>
+              <a:t>B</a:t>
+            </a:r>
+            <a:r>
+              <a:rPr lang="en-US" altLang="ko-KR" sz="1400" dirty="0">
+                <a:latin typeface="Consolas" panose="020B0609020204030204" pitchFamily="49" charset="0"/>
+              </a:rPr>
+              <a:t>  </a:t>
+            </a:r>
+            <a:r>
+              <a:rPr lang="en-US" altLang="ko-KR" sz="1400" dirty="0" err="1">
+                <a:latin typeface="Consolas" panose="020B0609020204030204" pitchFamily="49" charset="0"/>
+              </a:rPr>
+              <a:t>B</a:t>
+            </a:r>
+            <a:r>
+              <a:rPr lang="en-US" altLang="ko-KR" sz="1400" dirty="0">
+                <a:latin typeface="Consolas" panose="020B0609020204030204" pitchFamily="49" charset="0"/>
+              </a:rPr>
+              <a:t>  2   </a:t>
+            </a:r>
+          </a:p>
+          <a:p>
+            <a:pPr marL="0" indent="0">
+              <a:buNone/>
+            </a:pPr>
+            <a:r>
+              <a:rPr lang="en-US" altLang="ko-KR" sz="1400" dirty="0">
+                <a:latin typeface="Consolas" panose="020B0609020204030204" pitchFamily="49" charset="0"/>
+              </a:rPr>
+              <a:t>- </a:t>
+            </a:r>
+            <a:r>
+              <a:rPr lang="ko-KR" altLang="en-US" sz="1400" dirty="0">
+                <a:latin typeface="Consolas" panose="020B0609020204030204" pitchFamily="49" charset="0"/>
+              </a:rPr>
+              <a:t>우선순위 </a:t>
+            </a:r>
+            <a:r>
+              <a:rPr lang="en-US" altLang="ko-KR" sz="1400" dirty="0">
+                <a:latin typeface="Consolas" panose="020B0609020204030204" pitchFamily="49" charset="0"/>
+              </a:rPr>
+              <a:t>= 1:    2  C  </a:t>
+            </a:r>
+            <a:r>
+              <a:rPr lang="en-US" altLang="ko-KR" sz="1400" dirty="0" err="1">
+                <a:latin typeface="Consolas" panose="020B0609020204030204" pitchFamily="49" charset="0"/>
+              </a:rPr>
+              <a:t>C</a:t>
+            </a:r>
+            <a:r>
+              <a:rPr lang="en-US" altLang="ko-KR" sz="1400" dirty="0">
+                <a:latin typeface="Consolas" panose="020B0609020204030204" pitchFamily="49" charset="0"/>
+              </a:rPr>
+              <a:t>  </a:t>
+            </a:r>
+            <a:r>
+              <a:rPr lang="en-US" altLang="ko-KR" sz="1400" dirty="0" err="1">
+                <a:latin typeface="Consolas" panose="020B0609020204030204" pitchFamily="49" charset="0"/>
+              </a:rPr>
+              <a:t>C</a:t>
+            </a:r>
+            <a:r>
+              <a:rPr lang="en-US" altLang="ko-KR" sz="1400" dirty="0">
+                <a:latin typeface="Consolas" panose="020B0609020204030204" pitchFamily="49" charset="0"/>
+              </a:rPr>
+              <a:t>  </a:t>
+            </a:r>
+            <a:r>
+              <a:rPr lang="en-US" altLang="ko-KR" sz="1400" dirty="0" err="1">
+                <a:latin typeface="Consolas" panose="020B0609020204030204" pitchFamily="49" charset="0"/>
+              </a:rPr>
+              <a:t>C</a:t>
+            </a:r>
+            <a:r>
+              <a:rPr lang="en-US" altLang="ko-KR" sz="1400" dirty="0">
+                <a:latin typeface="Consolas" panose="020B0609020204030204" pitchFamily="49" charset="0"/>
+              </a:rPr>
+              <a:t>  </a:t>
+            </a:r>
+            <a:r>
+              <a:rPr lang="en-US" altLang="ko-KR" sz="1400" dirty="0" err="1">
+                <a:latin typeface="Consolas" panose="020B0609020204030204" pitchFamily="49" charset="0"/>
+              </a:rPr>
+              <a:t>C</a:t>
+            </a:r>
+            <a:r>
+              <a:rPr lang="en-US" altLang="ko-KR" sz="1400" dirty="0">
+                <a:latin typeface="Consolas" panose="020B0609020204030204" pitchFamily="49" charset="0"/>
+              </a:rPr>
+              <a:t>  </a:t>
+            </a:r>
+            <a:r>
+              <a:rPr lang="en-US" altLang="ko-KR" sz="1400" dirty="0" err="1">
+                <a:latin typeface="Consolas" panose="020B0609020204030204" pitchFamily="49" charset="0"/>
+              </a:rPr>
+              <a:t>C</a:t>
+            </a:r>
+            <a:r>
+              <a:rPr lang="en-US" altLang="ko-KR" sz="1400" dirty="0">
+                <a:latin typeface="Consolas" panose="020B0609020204030204" pitchFamily="49" charset="0"/>
+              </a:rPr>
+              <a:t>  </a:t>
+            </a:r>
+            <a:r>
+              <a:rPr lang="en-US" altLang="ko-KR" sz="1400" dirty="0" err="1">
+                <a:latin typeface="Consolas" panose="020B0609020204030204" pitchFamily="49" charset="0"/>
+              </a:rPr>
+              <a:t>C</a:t>
+            </a:r>
+            <a:r>
+              <a:rPr lang="en-US" altLang="ko-KR" sz="1400" dirty="0">
+                <a:latin typeface="Consolas" panose="020B0609020204030204" pitchFamily="49" charset="0"/>
+              </a:rPr>
+              <a:t>  </a:t>
+            </a:r>
+            <a:r>
+              <a:rPr lang="en-US" altLang="ko-KR" sz="1400" dirty="0" err="1">
+                <a:latin typeface="Consolas" panose="020B0609020204030204" pitchFamily="49" charset="0"/>
+              </a:rPr>
+              <a:t>C</a:t>
+            </a:r>
+            <a:r>
+              <a:rPr lang="en-US" altLang="ko-KR" sz="1400" dirty="0">
+                <a:latin typeface="Consolas" panose="020B0609020204030204" pitchFamily="49" charset="0"/>
+              </a:rPr>
+              <a:t>  </a:t>
+            </a:r>
+            <a:r>
+              <a:rPr lang="en-US" altLang="ko-KR" sz="1400" dirty="0" err="1">
+                <a:latin typeface="Consolas" panose="020B0609020204030204" pitchFamily="49" charset="0"/>
+              </a:rPr>
+              <a:t>C</a:t>
+            </a:r>
+            <a:r>
+              <a:rPr lang="en-US" altLang="ko-KR" sz="1400" dirty="0">
+                <a:latin typeface="Consolas" panose="020B0609020204030204" pitchFamily="49" charset="0"/>
+              </a:rPr>
+              <a:t>  2    (C = 2 * B)</a:t>
+            </a:r>
+          </a:p>
+          <a:p>
+            <a:pPr marL="0" indent="0">
+              <a:buNone/>
+            </a:pPr>
+            <a:r>
+              <a:rPr lang="en-US" altLang="ko-KR" sz="1400" dirty="0">
+                <a:latin typeface="Consolas" panose="020B0609020204030204" pitchFamily="49" charset="0"/>
+              </a:rPr>
+              <a:t>- </a:t>
+            </a:r>
+            <a:r>
+              <a:rPr lang="ko-KR" altLang="en-US" sz="1400" dirty="0">
+                <a:latin typeface="Consolas" panose="020B0609020204030204" pitchFamily="49" charset="0"/>
+              </a:rPr>
+              <a:t>우선순위 </a:t>
+            </a:r>
+            <a:r>
+              <a:rPr lang="en-US" altLang="ko-KR" sz="1400" dirty="0">
+                <a:latin typeface="Consolas" panose="020B0609020204030204" pitchFamily="49" charset="0"/>
+              </a:rPr>
+              <a:t>= 2: </a:t>
+            </a:r>
+            <a:r>
+              <a:rPr lang="en-US" altLang="ko-KR" sz="1400" dirty="0" smtClean="0">
+                <a:latin typeface="Consolas" panose="020B0609020204030204" pitchFamily="49" charset="0"/>
+              </a:rPr>
+              <a:t>D  </a:t>
+            </a:r>
+            <a:r>
+              <a:rPr lang="en-US" altLang="ko-KR" sz="1400" dirty="0">
+                <a:latin typeface="Consolas" panose="020B0609020204030204" pitchFamily="49" charset="0"/>
+              </a:rPr>
+              <a:t>D  </a:t>
+            </a:r>
+            <a:r>
+              <a:rPr lang="en-US" altLang="ko-KR" sz="1400" dirty="0" err="1">
+                <a:latin typeface="Consolas" panose="020B0609020204030204" pitchFamily="49" charset="0"/>
+              </a:rPr>
+              <a:t>D</a:t>
+            </a:r>
+            <a:r>
+              <a:rPr lang="en-US" altLang="ko-KR" sz="1400" dirty="0">
+                <a:latin typeface="Consolas" panose="020B0609020204030204" pitchFamily="49" charset="0"/>
+              </a:rPr>
+              <a:t>  </a:t>
+            </a:r>
+            <a:r>
+              <a:rPr lang="en-US" altLang="ko-KR" sz="1400" dirty="0" err="1">
+                <a:latin typeface="Consolas" panose="020B0609020204030204" pitchFamily="49" charset="0"/>
+              </a:rPr>
+              <a:t>D</a:t>
+            </a:r>
+            <a:r>
+              <a:rPr lang="en-US" altLang="ko-KR" sz="1400" dirty="0">
+                <a:latin typeface="Consolas" panose="020B0609020204030204" pitchFamily="49" charset="0"/>
+              </a:rPr>
+              <a:t>  </a:t>
+            </a:r>
+            <a:r>
+              <a:rPr lang="en-US" altLang="ko-KR" sz="1400" dirty="0" err="1">
+                <a:latin typeface="Consolas" panose="020B0609020204030204" pitchFamily="49" charset="0"/>
+              </a:rPr>
+              <a:t>D</a:t>
+            </a:r>
+            <a:r>
+              <a:rPr lang="en-US" altLang="ko-KR" sz="1400" dirty="0">
+                <a:latin typeface="Consolas" panose="020B0609020204030204" pitchFamily="49" charset="0"/>
+              </a:rPr>
+              <a:t>  </a:t>
+            </a:r>
+            <a:r>
+              <a:rPr lang="en-US" altLang="ko-KR" sz="1400" dirty="0" err="1">
+                <a:latin typeface="Consolas" panose="020B0609020204030204" pitchFamily="49" charset="0"/>
+              </a:rPr>
+              <a:t>D</a:t>
+            </a:r>
+            <a:r>
+              <a:rPr lang="en-US" altLang="ko-KR" sz="1400" dirty="0">
+                <a:latin typeface="Consolas" panose="020B0609020204030204" pitchFamily="49" charset="0"/>
+              </a:rPr>
+              <a:t>  </a:t>
+            </a:r>
+            <a:r>
+              <a:rPr lang="en-US" altLang="ko-KR" sz="1400" dirty="0" err="1">
+                <a:latin typeface="Consolas" panose="020B0609020204030204" pitchFamily="49" charset="0"/>
+              </a:rPr>
+              <a:t>D</a:t>
+            </a:r>
+            <a:r>
+              <a:rPr lang="en-US" altLang="ko-KR" sz="1400" dirty="0">
+                <a:latin typeface="Consolas" panose="020B0609020204030204" pitchFamily="49" charset="0"/>
+              </a:rPr>
+              <a:t>  </a:t>
+            </a:r>
+            <a:r>
+              <a:rPr lang="en-US" altLang="ko-KR" sz="1400" dirty="0" err="1">
+                <a:latin typeface="Consolas" panose="020B0609020204030204" pitchFamily="49" charset="0"/>
+              </a:rPr>
+              <a:t>D</a:t>
+            </a:r>
+            <a:r>
+              <a:rPr lang="en-US" altLang="ko-KR" sz="1400" dirty="0">
+                <a:latin typeface="Consolas" panose="020B0609020204030204" pitchFamily="49" charset="0"/>
+              </a:rPr>
+              <a:t>  </a:t>
+            </a:r>
+            <a:r>
+              <a:rPr lang="en-US" altLang="ko-KR" sz="1400" dirty="0" err="1">
+                <a:latin typeface="Consolas" panose="020B0609020204030204" pitchFamily="49" charset="0"/>
+              </a:rPr>
+              <a:t>D</a:t>
+            </a:r>
+            <a:r>
+              <a:rPr lang="en-US" altLang="ko-KR" sz="1400" dirty="0">
+                <a:latin typeface="Consolas" panose="020B0609020204030204" pitchFamily="49" charset="0"/>
+              </a:rPr>
+              <a:t>  </a:t>
+            </a:r>
+            <a:r>
+              <a:rPr lang="en-US" altLang="ko-KR" sz="1400" dirty="0" err="1">
+                <a:latin typeface="Consolas" panose="020B0609020204030204" pitchFamily="49" charset="0"/>
+              </a:rPr>
+              <a:t>D</a:t>
+            </a:r>
+            <a:r>
+              <a:rPr lang="en-US" altLang="ko-KR" sz="1400" dirty="0">
+                <a:latin typeface="Consolas" panose="020B0609020204030204" pitchFamily="49" charset="0"/>
+              </a:rPr>
+              <a:t>  </a:t>
+            </a:r>
+            <a:r>
+              <a:rPr lang="en-US" altLang="ko-KR" sz="1400" dirty="0" err="1">
+                <a:latin typeface="Consolas" panose="020B0609020204030204" pitchFamily="49" charset="0"/>
+              </a:rPr>
+              <a:t>D</a:t>
+            </a:r>
+            <a:r>
+              <a:rPr lang="en-US" altLang="ko-KR" sz="1400" dirty="0">
+                <a:latin typeface="Consolas" panose="020B0609020204030204" pitchFamily="49" charset="0"/>
+              </a:rPr>
+              <a:t>  2    (D = 1 + C) &lt;- 1</a:t>
+            </a:r>
+            <a:r>
+              <a:rPr lang="ko-KR" altLang="en-US" sz="1400" dirty="0" err="1">
+                <a:latin typeface="Consolas" panose="020B0609020204030204" pitchFamily="49" charset="0"/>
+              </a:rPr>
+              <a:t>페이즈</a:t>
+            </a:r>
+            <a:endParaRPr lang="ko-KR" altLang="en-US" sz="1400" dirty="0">
+              <a:latin typeface="Consolas" panose="020B0609020204030204" pitchFamily="49" charset="0"/>
+            </a:endParaRPr>
+          </a:p>
+          <a:p>
+            <a:pPr>
+              <a:buFontTx/>
+              <a:buChar char="-"/>
+            </a:pPr>
+            <a:r>
+              <a:rPr lang="ko-KR" altLang="en-US" sz="1400" dirty="0" smtClean="0">
+                <a:latin typeface="Consolas" panose="020B0609020204030204" pitchFamily="49" charset="0"/>
+              </a:rPr>
+              <a:t>우선순위 </a:t>
+            </a:r>
+            <a:r>
+              <a:rPr lang="en-US" altLang="ko-KR" sz="1400" dirty="0">
+                <a:latin typeface="Consolas" panose="020B0609020204030204" pitchFamily="49" charset="0"/>
+              </a:rPr>
+              <a:t>= 2: </a:t>
+            </a:r>
+            <a:r>
+              <a:rPr lang="en-US" altLang="ko-KR" sz="1400" dirty="0" smtClean="0">
+                <a:latin typeface="Consolas" panose="020B0609020204030204" pitchFamily="49" charset="0"/>
+              </a:rPr>
+              <a:t>E  </a:t>
+            </a:r>
+            <a:r>
+              <a:rPr lang="en-US" altLang="ko-KR" sz="1400" dirty="0">
+                <a:latin typeface="Consolas" panose="020B0609020204030204" pitchFamily="49" charset="0"/>
+              </a:rPr>
+              <a:t>E  </a:t>
+            </a:r>
+            <a:r>
+              <a:rPr lang="en-US" altLang="ko-KR" sz="1400" dirty="0" err="1">
+                <a:latin typeface="Consolas" panose="020B0609020204030204" pitchFamily="49" charset="0"/>
+              </a:rPr>
+              <a:t>E</a:t>
+            </a:r>
+            <a:r>
+              <a:rPr lang="en-US" altLang="ko-KR" sz="1400" dirty="0">
+                <a:latin typeface="Consolas" panose="020B0609020204030204" pitchFamily="49" charset="0"/>
+              </a:rPr>
+              <a:t>  </a:t>
+            </a:r>
+            <a:r>
+              <a:rPr lang="en-US" altLang="ko-KR" sz="1400" dirty="0" err="1">
+                <a:latin typeface="Consolas" panose="020B0609020204030204" pitchFamily="49" charset="0"/>
+              </a:rPr>
+              <a:t>E</a:t>
+            </a:r>
+            <a:r>
+              <a:rPr lang="en-US" altLang="ko-KR" sz="1400" dirty="0">
+                <a:latin typeface="Consolas" panose="020B0609020204030204" pitchFamily="49" charset="0"/>
+              </a:rPr>
+              <a:t>  </a:t>
+            </a:r>
+            <a:r>
+              <a:rPr lang="en-US" altLang="ko-KR" sz="1400" dirty="0" err="1">
+                <a:latin typeface="Consolas" panose="020B0609020204030204" pitchFamily="49" charset="0"/>
+              </a:rPr>
+              <a:t>E</a:t>
+            </a:r>
+            <a:r>
+              <a:rPr lang="en-US" altLang="ko-KR" sz="1400" dirty="0">
+                <a:latin typeface="Consolas" panose="020B0609020204030204" pitchFamily="49" charset="0"/>
+              </a:rPr>
+              <a:t>  </a:t>
+            </a:r>
+            <a:r>
+              <a:rPr lang="en-US" altLang="ko-KR" sz="1400" dirty="0" err="1">
+                <a:latin typeface="Consolas" panose="020B0609020204030204" pitchFamily="49" charset="0"/>
+              </a:rPr>
+              <a:t>E</a:t>
+            </a:r>
+            <a:r>
+              <a:rPr lang="en-US" altLang="ko-KR" sz="1400" dirty="0">
+                <a:latin typeface="Consolas" panose="020B0609020204030204" pitchFamily="49" charset="0"/>
+              </a:rPr>
+              <a:t>  </a:t>
+            </a:r>
+            <a:r>
+              <a:rPr lang="en-US" altLang="ko-KR" sz="1400" dirty="0" err="1">
+                <a:latin typeface="Consolas" panose="020B0609020204030204" pitchFamily="49" charset="0"/>
+              </a:rPr>
+              <a:t>E</a:t>
+            </a:r>
+            <a:r>
+              <a:rPr lang="en-US" altLang="ko-KR" sz="1400" dirty="0">
+                <a:latin typeface="Consolas" panose="020B0609020204030204" pitchFamily="49" charset="0"/>
+              </a:rPr>
+              <a:t>  </a:t>
+            </a:r>
+            <a:r>
+              <a:rPr lang="en-US" altLang="ko-KR" sz="1400" dirty="0" err="1">
+                <a:latin typeface="Consolas" panose="020B0609020204030204" pitchFamily="49" charset="0"/>
+              </a:rPr>
+              <a:t>E</a:t>
+            </a:r>
+            <a:r>
+              <a:rPr lang="en-US" altLang="ko-KR" sz="1400" dirty="0">
+                <a:latin typeface="Consolas" panose="020B0609020204030204" pitchFamily="49" charset="0"/>
+              </a:rPr>
+              <a:t>  </a:t>
+            </a:r>
+            <a:r>
+              <a:rPr lang="en-US" altLang="ko-KR" sz="1400" dirty="0" err="1">
+                <a:latin typeface="Consolas" panose="020B0609020204030204" pitchFamily="49" charset="0"/>
+              </a:rPr>
+              <a:t>E</a:t>
+            </a:r>
+            <a:r>
+              <a:rPr lang="en-US" altLang="ko-KR" sz="1400" dirty="0">
+                <a:latin typeface="Consolas" panose="020B0609020204030204" pitchFamily="49" charset="0"/>
+              </a:rPr>
+              <a:t>  </a:t>
+            </a:r>
+            <a:r>
+              <a:rPr lang="en-US" altLang="ko-KR" sz="1400" dirty="0" err="1">
+                <a:latin typeface="Consolas" panose="020B0609020204030204" pitchFamily="49" charset="0"/>
+              </a:rPr>
+              <a:t>E</a:t>
+            </a:r>
+            <a:r>
+              <a:rPr lang="en-US" altLang="ko-KR" sz="1400" dirty="0">
+                <a:latin typeface="Consolas" panose="020B0609020204030204" pitchFamily="49" charset="0"/>
+              </a:rPr>
+              <a:t>  </a:t>
+            </a:r>
+            <a:r>
+              <a:rPr lang="en-US" altLang="ko-KR" sz="1400" dirty="0" err="1">
+                <a:latin typeface="Consolas" panose="020B0609020204030204" pitchFamily="49" charset="0"/>
+              </a:rPr>
+              <a:t>E</a:t>
+            </a:r>
+            <a:r>
+              <a:rPr lang="en-US" altLang="ko-KR" sz="1400" dirty="0">
+                <a:latin typeface="Consolas" panose="020B0609020204030204" pitchFamily="49" charset="0"/>
+              </a:rPr>
+              <a:t>  </a:t>
+            </a:r>
+            <a:r>
+              <a:rPr lang="en-US" altLang="ko-KR" sz="1400" dirty="0" err="1">
+                <a:latin typeface="Consolas" panose="020B0609020204030204" pitchFamily="49" charset="0"/>
+              </a:rPr>
+              <a:t>E</a:t>
+            </a:r>
+            <a:r>
+              <a:rPr lang="en-US" altLang="ko-KR" sz="1400" dirty="0">
+                <a:latin typeface="Consolas" panose="020B0609020204030204" pitchFamily="49" charset="0"/>
+              </a:rPr>
+              <a:t>  </a:t>
+            </a:r>
+            <a:r>
+              <a:rPr lang="en-US" altLang="ko-KR" sz="1400" dirty="0" err="1">
+                <a:latin typeface="Consolas" panose="020B0609020204030204" pitchFamily="49" charset="0"/>
+              </a:rPr>
+              <a:t>E</a:t>
+            </a:r>
+            <a:r>
+              <a:rPr lang="en-US" altLang="ko-KR" sz="1400" dirty="0">
+                <a:latin typeface="Consolas" panose="020B0609020204030204" pitchFamily="49" charset="0"/>
+              </a:rPr>
+              <a:t> (E = D + 6) &lt;- 2</a:t>
+            </a:r>
+            <a:r>
+              <a:rPr lang="ko-KR" altLang="en-US" sz="1400" dirty="0" err="1" smtClean="0">
+                <a:latin typeface="Consolas" panose="020B0609020204030204" pitchFamily="49" charset="0"/>
+              </a:rPr>
+              <a:t>페이즈</a:t>
+            </a:r>
+            <a:endParaRPr lang="en-US" altLang="ko-KR" sz="1400" dirty="0" smtClean="0">
+              <a:latin typeface="Consolas" panose="020B0609020204030204" pitchFamily="49" charset="0"/>
+            </a:endParaRPr>
+          </a:p>
+          <a:p>
+            <a:pPr marL="0" indent="0">
+              <a:buNone/>
+            </a:pPr>
+            <a:endParaRPr lang="en-US" altLang="ko-KR" sz="1400" dirty="0">
+              <a:latin typeface="Consolas" panose="020B0609020204030204" pitchFamily="49" charset="0"/>
+            </a:endParaRPr>
+          </a:p>
+          <a:p>
+            <a:pPr marL="0" indent="0">
+              <a:buNone/>
+            </a:pPr>
+            <a:r>
+              <a:rPr lang="ko-KR" altLang="en-US" sz="1400" dirty="0">
+                <a:latin typeface="Consolas" panose="020B0609020204030204" pitchFamily="49" charset="0"/>
+              </a:rPr>
+              <a:t>완성된 </a:t>
+            </a:r>
+            <a:r>
+              <a:rPr lang="en-US" altLang="ko-KR" sz="1400" dirty="0">
+                <a:latin typeface="Consolas" panose="020B0609020204030204" pitchFamily="49" charset="0"/>
+              </a:rPr>
+              <a:t>AST: E = [{1 + (2 * {3 + (4 * 5)})} + 6]</a:t>
+            </a:r>
+            <a:endParaRPr lang="ko-KR" altLang="en-US" sz="1400" dirty="0">
+              <a:latin typeface="Consolas" panose="020B0609020204030204" pitchFamily="49" charset="0"/>
+            </a:endParaRPr>
+          </a:p>
+        </p:txBody>
+      </p:sp>
+      <p:sp>
+        <p:nvSpPr>
+          <p:cNvPr id="2" name="제목 1"/>
+          <p:cNvSpPr>
+            <a:spLocks noGrp="1"/>
+          </p:cNvSpPr>
+          <p:nvPr>
+            <p:ph type="title"/>
+          </p:nvPr>
+        </p:nvSpPr>
+        <p:spPr/>
+        <p:txBody>
+          <a:bodyPr/>
+          <a:lstStyle/>
+          <a:p>
+            <a:r>
+              <a:rPr lang="ko-KR" altLang="en-US" dirty="0" err="1" smtClean="0"/>
+              <a:t>파싱</a:t>
+            </a:r>
+            <a:r>
+              <a:rPr lang="ko-KR" altLang="en-US" dirty="0" smtClean="0"/>
+              <a:t> 단계</a:t>
+            </a:r>
+            <a:endParaRPr lang="ko-KR" altLang="en-US" dirty="0"/>
+          </a:p>
+        </p:txBody>
+      </p:sp>
+    </p:spTree>
+    <p:extLst>
+      <p:ext uri="{BB962C8B-B14F-4D97-AF65-F5344CB8AC3E}">
+        <p14:creationId xmlns:p14="http://schemas.microsoft.com/office/powerpoint/2010/main" val="4105454382"/>
+      </p:ext>
+    </p:extLst>
+  </p:cSld>
+  <p:clrMapOvr>
+    <a:masterClrMapping/>
+  </p:clrMapOvr>
+</p:sld>
+</file>
+
+<file path=ppt/slides/slide4.xml><?xml version="1.0" encoding="utf-8"?>
+<p:sld xmlns:a="http://schemas.openxmlformats.org/drawingml/2006/main" xmlns:r="http://schemas.openxmlformats.org/officeDocument/2006/relationships" xmlns:p="http://schemas.openxmlformats.org/presentationml/2006/main">
+  <p:cSld>
+    <p:bg>
+      <p:bgPr>
+        <a:solidFill>
+          <a:srgbClr val="042C3A"/>
+        </a:solidFill>
+        <a:effectLst/>
+      </p:bgPr>
+    </p:bg>
+    <p:spTree>
+      <p:nvGrpSpPr>
+        <p:cNvPr id="1" name=""/>
+        <p:cNvGrpSpPr/>
+        <p:nvPr/>
+      </p:nvGrpSpPr>
+      <p:grpSpPr>
+        <a:xfrm>
+          <a:off x="0" y="0"/>
+          <a:ext cx="0" cy="0"/>
+          <a:chOff x="0" y="0"/>
+          <a:chExt cx="0" cy="0"/>
+        </a:xfrm>
+      </p:grpSpPr>
+      <p:sp>
+        <p:nvSpPr>
+          <p:cNvPr id="3" name="내용 개체 틀 2"/>
+          <p:cNvSpPr>
+            <a:spLocks noGrp="1"/>
+          </p:cNvSpPr>
+          <p:nvPr>
+            <p:ph idx="1"/>
+          </p:nvPr>
+        </p:nvSpPr>
+        <p:spPr>
+          <a:xfrm>
+            <a:off x="838200" y="1825625"/>
+            <a:ext cx="10515600" cy="4774680"/>
+          </a:xfrm>
+        </p:spPr>
+        <p:txBody>
+          <a:bodyPr>
+            <a:normAutofit/>
+          </a:bodyPr>
+          <a:lstStyle/>
+          <a:p>
+            <a:pPr marL="0" indent="0">
+              <a:buNone/>
+            </a:pPr>
+            <a:r>
+              <a:rPr lang="en-US" altLang="ko-KR" sz="1400" dirty="0">
+                <a:solidFill>
+                  <a:srgbClr val="C792EA"/>
+                </a:solidFill>
+                <a:latin typeface="Fira Code" panose="020B0809050000020004" pitchFamily="49" charset="0"/>
+              </a:rPr>
+              <a:t>class</a:t>
+            </a:r>
+            <a:r>
+              <a:rPr lang="en-US" altLang="ko-KR" sz="1400" dirty="0">
+                <a:solidFill>
+                  <a:srgbClr val="EEFFFF"/>
+                </a:solidFill>
+                <a:latin typeface="Fira Code" panose="020B0809050000020004" pitchFamily="49" charset="0"/>
+              </a:rPr>
+              <a:t> </a:t>
+            </a:r>
+            <a:r>
+              <a:rPr lang="en-US" altLang="ko-KR" sz="1400" dirty="0">
+                <a:solidFill>
+                  <a:srgbClr val="FFCB6B"/>
+                </a:solidFill>
+                <a:latin typeface="Fira Code" panose="020B0809050000020004" pitchFamily="49" charset="0"/>
+              </a:rPr>
+              <a:t>Node</a:t>
+            </a:r>
+            <a:r>
+              <a:rPr lang="en-US" altLang="ko-KR" sz="1400" dirty="0">
+                <a:solidFill>
+                  <a:srgbClr val="89DDFF"/>
+                </a:solidFill>
+                <a:latin typeface="Fira Code" panose="020B0809050000020004" pitchFamily="49" charset="0"/>
+              </a:rPr>
+              <a:t>:</a:t>
+            </a:r>
+            <a:endParaRPr lang="en-US" altLang="ko-KR" sz="1400" dirty="0">
+              <a:solidFill>
+                <a:srgbClr val="EEFFFF"/>
+              </a:solidFill>
+              <a:latin typeface="Fira Code" panose="020B0809050000020004" pitchFamily="49" charset="0"/>
+            </a:endParaRPr>
+          </a:p>
+          <a:p>
+            <a:pPr marL="0" indent="0">
+              <a:buNone/>
+            </a:pPr>
+            <a:r>
+              <a:rPr lang="en-US" altLang="ko-KR" sz="1400" dirty="0">
+                <a:solidFill>
+                  <a:srgbClr val="EEFFFF"/>
+                </a:solidFill>
+                <a:latin typeface="Fira Code" panose="020B0809050000020004" pitchFamily="49" charset="0"/>
+              </a:rPr>
+              <a:t>  parent</a:t>
+            </a:r>
+            <a:r>
+              <a:rPr lang="en-US" altLang="ko-KR" sz="1400" dirty="0">
+                <a:solidFill>
+                  <a:srgbClr val="89DDFF"/>
+                </a:solidFill>
+                <a:latin typeface="Fira Code" panose="020B0809050000020004" pitchFamily="49" charset="0"/>
+              </a:rPr>
+              <a:t>:</a:t>
+            </a:r>
+            <a:r>
+              <a:rPr lang="en-US" altLang="ko-KR" sz="1400" dirty="0">
+                <a:solidFill>
+                  <a:srgbClr val="EEFFFF"/>
+                </a:solidFill>
+                <a:latin typeface="Fira Code" panose="020B0809050000020004" pitchFamily="49" charset="0"/>
+              </a:rPr>
+              <a:t> Optional</a:t>
+            </a:r>
+            <a:r>
+              <a:rPr lang="en-US" altLang="ko-KR" sz="1400" dirty="0">
+                <a:solidFill>
+                  <a:srgbClr val="89DDFF"/>
+                </a:solidFill>
+                <a:latin typeface="Fira Code" panose="020B0809050000020004" pitchFamily="49" charset="0"/>
+              </a:rPr>
+              <a:t>['</a:t>
+            </a:r>
+            <a:r>
+              <a:rPr lang="en-US" altLang="ko-KR" sz="1400" dirty="0">
+                <a:solidFill>
+                  <a:srgbClr val="C3E88D"/>
+                </a:solidFill>
+                <a:latin typeface="Fira Code" panose="020B0809050000020004" pitchFamily="49" charset="0"/>
+              </a:rPr>
+              <a:t>Node</a:t>
+            </a:r>
+            <a:r>
+              <a:rPr lang="en-US" altLang="ko-KR" sz="1400" dirty="0">
+                <a:solidFill>
+                  <a:srgbClr val="89DDFF"/>
+                </a:solidFill>
+                <a:latin typeface="Fira Code" panose="020B0809050000020004" pitchFamily="49" charset="0"/>
+              </a:rPr>
+              <a:t>']</a:t>
+            </a:r>
+            <a:endParaRPr lang="en-US" altLang="ko-KR" sz="1400" dirty="0">
+              <a:solidFill>
+                <a:srgbClr val="EEFFFF"/>
+              </a:solidFill>
+              <a:latin typeface="Fira Code" panose="020B0809050000020004" pitchFamily="49" charset="0"/>
+            </a:endParaRPr>
+          </a:p>
+          <a:p>
+            <a:pPr marL="0" indent="0">
+              <a:buNone/>
+            </a:pPr>
+            <a:r>
+              <a:rPr lang="en-US" altLang="ko-KR" sz="1400" dirty="0">
+                <a:solidFill>
+                  <a:srgbClr val="EEFFFF"/>
+                </a:solidFill>
+                <a:latin typeface="Fira Code" panose="020B0809050000020004" pitchFamily="49" charset="0"/>
+              </a:rPr>
+              <a:t>  tokens</a:t>
+            </a:r>
+            <a:r>
+              <a:rPr lang="en-US" altLang="ko-KR" sz="1400" dirty="0">
+                <a:solidFill>
+                  <a:srgbClr val="89DDFF"/>
+                </a:solidFill>
+                <a:latin typeface="Fira Code" panose="020B0809050000020004" pitchFamily="49" charset="0"/>
+              </a:rPr>
+              <a:t>:</a:t>
+            </a:r>
+            <a:r>
+              <a:rPr lang="en-US" altLang="ko-KR" sz="1400" dirty="0">
+                <a:solidFill>
+                  <a:srgbClr val="EEFFFF"/>
+                </a:solidFill>
+                <a:latin typeface="Fira Code" panose="020B0809050000020004" pitchFamily="49" charset="0"/>
+              </a:rPr>
+              <a:t> </a:t>
+            </a:r>
+            <a:r>
+              <a:rPr lang="en-US" altLang="ko-KR" sz="1400" dirty="0" err="1">
+                <a:solidFill>
+                  <a:srgbClr val="EEFFFF"/>
+                </a:solidFill>
+                <a:latin typeface="Fira Code" panose="020B0809050000020004" pitchFamily="49" charset="0"/>
+              </a:rPr>
+              <a:t>TokenReference</a:t>
+            </a:r>
+            <a:endParaRPr lang="en-US" altLang="ko-KR" sz="1400" dirty="0">
+              <a:solidFill>
+                <a:srgbClr val="EEFFFF"/>
+              </a:solidFill>
+              <a:latin typeface="Fira Code" panose="020B0809050000020004" pitchFamily="49" charset="0"/>
+            </a:endParaRPr>
+          </a:p>
+          <a:p>
+            <a:pPr marL="0" indent="0">
+              <a:buNone/>
+            </a:pPr>
+            <a:r>
+              <a:rPr lang="en-US" altLang="ko-KR" sz="1400" dirty="0">
+                <a:solidFill>
+                  <a:srgbClr val="EEFFFF"/>
+                </a:solidFill>
+                <a:latin typeface="Fira Code" panose="020B0809050000020004" pitchFamily="49" charset="0"/>
+              </a:rPr>
+              <a:t>  kind</a:t>
+            </a:r>
+            <a:r>
+              <a:rPr lang="en-US" altLang="ko-KR" sz="1400" dirty="0">
+                <a:solidFill>
+                  <a:srgbClr val="89DDFF"/>
+                </a:solidFill>
+                <a:latin typeface="Fira Code" panose="020B0809050000020004" pitchFamily="49" charset="0"/>
+              </a:rPr>
+              <a:t>:</a:t>
+            </a:r>
+            <a:r>
+              <a:rPr lang="en-US" altLang="ko-KR" sz="1400" dirty="0">
+                <a:solidFill>
+                  <a:srgbClr val="EEFFFF"/>
+                </a:solidFill>
+                <a:latin typeface="Fira Code" panose="020B0809050000020004" pitchFamily="49" charset="0"/>
+              </a:rPr>
+              <a:t> </a:t>
+            </a:r>
+            <a:r>
+              <a:rPr lang="en-US" altLang="ko-KR" sz="1400" dirty="0" err="1">
+                <a:solidFill>
+                  <a:srgbClr val="B2CCD6"/>
+                </a:solidFill>
+                <a:latin typeface="Fira Code" panose="020B0809050000020004" pitchFamily="49" charset="0"/>
+              </a:rPr>
+              <a:t>str</a:t>
+            </a:r>
+            <a:endParaRPr lang="en-US" altLang="ko-KR" sz="1400" dirty="0">
+              <a:solidFill>
+                <a:srgbClr val="EEFFFF"/>
+              </a:solidFill>
+              <a:latin typeface="Fira Code" panose="020B0809050000020004" pitchFamily="49" charset="0"/>
+            </a:endParaRPr>
+          </a:p>
+          <a:p>
+            <a:pPr marL="0" indent="0">
+              <a:buNone/>
+            </a:pPr>
+            <a:endParaRPr lang="en-US" altLang="ko-KR" sz="1400" dirty="0" smtClean="0">
+              <a:solidFill>
+                <a:srgbClr val="EEFFFF"/>
+              </a:solidFill>
+              <a:latin typeface="Fira Code" panose="020B0809050000020004" pitchFamily="49" charset="0"/>
+            </a:endParaRPr>
+          </a:p>
+          <a:p>
+            <a:pPr marL="0" indent="0">
+              <a:buNone/>
+            </a:pPr>
+            <a:r>
+              <a:rPr lang="en-US" altLang="ko-KR" sz="1400" dirty="0" smtClean="0">
+                <a:solidFill>
+                  <a:srgbClr val="C792EA"/>
+                </a:solidFill>
+                <a:latin typeface="Fira Code" panose="020B0809050000020004" pitchFamily="49" charset="0"/>
+              </a:rPr>
+              <a:t>class</a:t>
+            </a:r>
+            <a:r>
+              <a:rPr lang="en-US" altLang="ko-KR" sz="1400" dirty="0" smtClean="0">
+                <a:solidFill>
+                  <a:srgbClr val="EEFFFF"/>
+                </a:solidFill>
+                <a:latin typeface="Fira Code" panose="020B0809050000020004" pitchFamily="49" charset="0"/>
+              </a:rPr>
+              <a:t> </a:t>
+            </a:r>
+            <a:r>
+              <a:rPr lang="en-US" altLang="ko-KR" sz="1400" dirty="0" smtClean="0">
+                <a:solidFill>
+                  <a:srgbClr val="FFCB6B"/>
+                </a:solidFill>
+                <a:latin typeface="Fira Code" panose="020B0809050000020004" pitchFamily="49" charset="0"/>
+              </a:rPr>
+              <a:t>Group</a:t>
+            </a:r>
+            <a:r>
+              <a:rPr lang="en-US" altLang="ko-KR" sz="1400" dirty="0" smtClean="0">
+                <a:solidFill>
+                  <a:srgbClr val="89DDFF"/>
+                </a:solidFill>
+                <a:latin typeface="Fira Code" panose="020B0809050000020004" pitchFamily="49" charset="0"/>
+              </a:rPr>
+              <a:t>(</a:t>
+            </a:r>
+            <a:r>
+              <a:rPr lang="en-US" altLang="ko-KR" sz="1400" dirty="0" smtClean="0">
+                <a:solidFill>
+                  <a:srgbClr val="C3E88D"/>
+                </a:solidFill>
+                <a:latin typeface="Fira Code" panose="020B0809050000020004" pitchFamily="49" charset="0"/>
+              </a:rPr>
+              <a:t>Node</a:t>
+            </a:r>
+            <a:r>
+              <a:rPr lang="en-US" altLang="ko-KR" sz="1400" dirty="0" smtClean="0">
+                <a:solidFill>
+                  <a:srgbClr val="89DDFF"/>
+                </a:solidFill>
+                <a:latin typeface="Fira Code" panose="020B0809050000020004" pitchFamily="49" charset="0"/>
+              </a:rPr>
+              <a:t>)</a:t>
+            </a:r>
+          </a:p>
+          <a:p>
+            <a:pPr marL="0" indent="0">
+              <a:buNone/>
+            </a:pPr>
+            <a:endParaRPr lang="en-US" altLang="ko-KR" sz="1400" dirty="0" smtClean="0">
+              <a:solidFill>
+                <a:srgbClr val="89DDFF"/>
+              </a:solidFill>
+              <a:latin typeface="Fira Code" panose="020B0809050000020004" pitchFamily="49" charset="0"/>
+            </a:endParaRPr>
+          </a:p>
+          <a:p>
+            <a:pPr marL="0" indent="0">
+              <a:buNone/>
+            </a:pPr>
+            <a:r>
+              <a:rPr lang="en-US" altLang="ko-KR" sz="1400" dirty="0" smtClean="0">
+                <a:solidFill>
+                  <a:srgbClr val="C792EA"/>
+                </a:solidFill>
+                <a:latin typeface="Fira Code" panose="020B0809050000020004" pitchFamily="49" charset="0"/>
+              </a:rPr>
+              <a:t>class</a:t>
+            </a:r>
+            <a:r>
+              <a:rPr lang="en-US" altLang="ko-KR" sz="1400" dirty="0" smtClean="0">
+                <a:solidFill>
+                  <a:srgbClr val="EEFFFF"/>
+                </a:solidFill>
+                <a:latin typeface="Fira Code" panose="020B0809050000020004" pitchFamily="49" charset="0"/>
+              </a:rPr>
+              <a:t> </a:t>
+            </a:r>
+            <a:r>
+              <a:rPr lang="en-US" altLang="ko-KR" sz="1400" dirty="0" err="1" smtClean="0">
+                <a:solidFill>
+                  <a:srgbClr val="FFCB6B"/>
+                </a:solidFill>
+                <a:latin typeface="Fira Code" panose="020B0809050000020004" pitchFamily="49" charset="0"/>
+              </a:rPr>
+              <a:t>BinaryOperator</a:t>
+            </a:r>
+            <a:r>
+              <a:rPr lang="en-US" altLang="ko-KR" sz="1400" dirty="0" smtClean="0">
+                <a:solidFill>
+                  <a:srgbClr val="89DDFF"/>
+                </a:solidFill>
+                <a:latin typeface="Fira Code" panose="020B0809050000020004" pitchFamily="49" charset="0"/>
+              </a:rPr>
+              <a:t>(</a:t>
+            </a:r>
+            <a:r>
+              <a:rPr lang="en-US" altLang="ko-KR" sz="1400" dirty="0" smtClean="0">
+                <a:solidFill>
+                  <a:srgbClr val="C3E88D"/>
+                </a:solidFill>
+                <a:latin typeface="Fira Code" panose="020B0809050000020004" pitchFamily="49" charset="0"/>
+              </a:rPr>
+              <a:t>Node</a:t>
+            </a:r>
+            <a:r>
+              <a:rPr lang="en-US" altLang="ko-KR" sz="1400" dirty="0" smtClean="0">
+                <a:solidFill>
+                  <a:srgbClr val="89DDFF"/>
+                </a:solidFill>
+                <a:latin typeface="Fira Code" panose="020B0809050000020004" pitchFamily="49" charset="0"/>
+              </a:rPr>
+              <a:t>):</a:t>
+            </a:r>
+            <a:endParaRPr lang="en-US" altLang="ko-KR" sz="1400" dirty="0">
+              <a:solidFill>
+                <a:srgbClr val="EEFFFF"/>
+              </a:solidFill>
+              <a:latin typeface="Fira Code" panose="020B0809050000020004" pitchFamily="49" charset="0"/>
+            </a:endParaRPr>
+          </a:p>
+          <a:p>
+            <a:pPr marL="0" indent="0">
+              <a:buNone/>
+            </a:pPr>
+            <a:r>
+              <a:rPr lang="en-US" altLang="ko-KR" sz="1400" dirty="0">
+                <a:solidFill>
+                  <a:srgbClr val="EEFFFF"/>
+                </a:solidFill>
+                <a:latin typeface="Fira Code" panose="020B0809050000020004" pitchFamily="49" charset="0"/>
+              </a:rPr>
+              <a:t>  left</a:t>
+            </a:r>
+            <a:r>
+              <a:rPr lang="en-US" altLang="ko-KR" sz="1400" dirty="0">
+                <a:solidFill>
+                  <a:srgbClr val="89DDFF"/>
+                </a:solidFill>
+                <a:latin typeface="Fira Code" panose="020B0809050000020004" pitchFamily="49" charset="0"/>
+              </a:rPr>
+              <a:t>:</a:t>
+            </a:r>
+            <a:r>
+              <a:rPr lang="en-US" altLang="ko-KR" sz="1400" dirty="0">
+                <a:solidFill>
+                  <a:srgbClr val="EEFFFF"/>
+                </a:solidFill>
+                <a:latin typeface="Fira Code" panose="020B0809050000020004" pitchFamily="49" charset="0"/>
+              </a:rPr>
+              <a:t> Node</a:t>
+            </a:r>
+          </a:p>
+          <a:p>
+            <a:pPr marL="0" indent="0">
+              <a:buNone/>
+            </a:pPr>
+            <a:r>
+              <a:rPr lang="en-US" altLang="ko-KR" sz="1400" dirty="0">
+                <a:solidFill>
+                  <a:srgbClr val="EEFFFF"/>
+                </a:solidFill>
+                <a:latin typeface="Fira Code" panose="020B0809050000020004" pitchFamily="49" charset="0"/>
+              </a:rPr>
+              <a:t>  right</a:t>
+            </a:r>
+            <a:r>
+              <a:rPr lang="en-US" altLang="ko-KR" sz="1400" dirty="0">
+                <a:solidFill>
+                  <a:srgbClr val="89DDFF"/>
+                </a:solidFill>
+                <a:latin typeface="Fira Code" panose="020B0809050000020004" pitchFamily="49" charset="0"/>
+              </a:rPr>
+              <a:t>:</a:t>
+            </a:r>
+            <a:r>
+              <a:rPr lang="en-US" altLang="ko-KR" sz="1400" dirty="0">
+                <a:solidFill>
+                  <a:srgbClr val="EEFFFF"/>
+                </a:solidFill>
+                <a:latin typeface="Fira Code" panose="020B0809050000020004" pitchFamily="49" charset="0"/>
+              </a:rPr>
+              <a:t> Node</a:t>
+            </a:r>
+          </a:p>
+          <a:p>
+            <a:pPr marL="0" indent="0">
+              <a:buNone/>
+            </a:pPr>
+            <a:r>
+              <a:rPr lang="en-US" altLang="ko-KR" sz="1400" dirty="0">
+                <a:solidFill>
+                  <a:srgbClr val="EEFFFF"/>
+                </a:solidFill>
+                <a:latin typeface="Fira Code" panose="020B0809050000020004" pitchFamily="49" charset="0"/>
+              </a:rPr>
+              <a:t>  operator</a:t>
+            </a:r>
+            <a:r>
+              <a:rPr lang="en-US" altLang="ko-KR" sz="1400" dirty="0">
+                <a:solidFill>
+                  <a:srgbClr val="89DDFF"/>
+                </a:solidFill>
+                <a:latin typeface="Fira Code" panose="020B0809050000020004" pitchFamily="49" charset="0"/>
+              </a:rPr>
+              <a:t>:</a:t>
+            </a:r>
+            <a:r>
+              <a:rPr lang="en-US" altLang="ko-KR" sz="1400" dirty="0">
+                <a:solidFill>
+                  <a:srgbClr val="EEFFFF"/>
+                </a:solidFill>
+                <a:latin typeface="Fira Code" panose="020B0809050000020004" pitchFamily="49" charset="0"/>
+              </a:rPr>
+              <a:t> </a:t>
+            </a:r>
+            <a:r>
+              <a:rPr lang="en-US" altLang="ko-KR" sz="1400" dirty="0" err="1">
+                <a:solidFill>
+                  <a:srgbClr val="B2CCD6"/>
+                </a:solidFill>
+                <a:latin typeface="Fira Code" panose="020B0809050000020004" pitchFamily="49" charset="0"/>
+              </a:rPr>
+              <a:t>str</a:t>
+            </a:r>
+            <a:endParaRPr lang="en-US" altLang="ko-KR" sz="1400" dirty="0">
+              <a:solidFill>
+                <a:srgbClr val="EEFFFF"/>
+              </a:solidFill>
+              <a:latin typeface="Fira Code" panose="020B0809050000020004" pitchFamily="49" charset="0"/>
+            </a:endParaRPr>
+          </a:p>
+          <a:p>
+            <a:pPr marL="0" indent="0">
+              <a:buNone/>
+            </a:pPr>
+            <a:endParaRPr lang="en-US" altLang="ko-KR" sz="1400" dirty="0" smtClean="0">
+              <a:solidFill>
+                <a:srgbClr val="EEFFFF"/>
+              </a:solidFill>
+              <a:latin typeface="Fira Code" panose="020B0809050000020004" pitchFamily="49" charset="0"/>
+            </a:endParaRPr>
+          </a:p>
+          <a:p>
+            <a:pPr marL="0" indent="0">
+              <a:buNone/>
+            </a:pPr>
+            <a:r>
+              <a:rPr lang="en-US" altLang="ko-KR" sz="1400" dirty="0" smtClean="0">
+                <a:solidFill>
+                  <a:srgbClr val="C792EA"/>
+                </a:solidFill>
+                <a:latin typeface="Fira Code" panose="020B0809050000020004" pitchFamily="49" charset="0"/>
+              </a:rPr>
+              <a:t>class</a:t>
+            </a:r>
+            <a:r>
+              <a:rPr lang="en-US" altLang="ko-KR" sz="1400" dirty="0" smtClean="0">
+                <a:solidFill>
+                  <a:srgbClr val="EEFFFF"/>
+                </a:solidFill>
+                <a:latin typeface="Fira Code" panose="020B0809050000020004" pitchFamily="49" charset="0"/>
+              </a:rPr>
+              <a:t> </a:t>
+            </a:r>
+            <a:r>
+              <a:rPr lang="en-US" altLang="ko-KR" sz="1400" dirty="0" err="1" smtClean="0">
+                <a:solidFill>
+                  <a:srgbClr val="FFCB6B"/>
+                </a:solidFill>
+                <a:latin typeface="Fira Code" panose="020B0809050000020004" pitchFamily="49" charset="0"/>
+              </a:rPr>
+              <a:t>UnaryOperator</a:t>
+            </a:r>
+            <a:r>
+              <a:rPr lang="en-US" altLang="ko-KR" sz="1400" dirty="0" smtClean="0">
+                <a:solidFill>
+                  <a:srgbClr val="89DDFF"/>
+                </a:solidFill>
+                <a:latin typeface="Fira Code" panose="020B0809050000020004" pitchFamily="49" charset="0"/>
+              </a:rPr>
+              <a:t>(</a:t>
+            </a:r>
+            <a:r>
+              <a:rPr lang="en-US" altLang="ko-KR" sz="1400" dirty="0" smtClean="0">
+                <a:solidFill>
+                  <a:srgbClr val="C3E88D"/>
+                </a:solidFill>
+                <a:latin typeface="Fira Code" panose="020B0809050000020004" pitchFamily="49" charset="0"/>
+              </a:rPr>
+              <a:t>Node</a:t>
+            </a:r>
+            <a:r>
+              <a:rPr lang="en-US" altLang="ko-KR" sz="1400" dirty="0" smtClean="0">
+                <a:solidFill>
+                  <a:srgbClr val="89DDFF"/>
+                </a:solidFill>
+                <a:latin typeface="Fira Code" panose="020B0809050000020004" pitchFamily="49" charset="0"/>
+              </a:rPr>
+              <a:t>):</a:t>
+            </a:r>
+            <a:endParaRPr lang="en-US" altLang="ko-KR" sz="1400" dirty="0">
+              <a:solidFill>
+                <a:srgbClr val="EEFFFF"/>
+              </a:solidFill>
+              <a:latin typeface="Fira Code" panose="020B0809050000020004" pitchFamily="49" charset="0"/>
+            </a:endParaRPr>
+          </a:p>
+          <a:p>
+            <a:pPr marL="0" indent="0">
+              <a:buNone/>
+            </a:pPr>
+            <a:r>
+              <a:rPr lang="en-US" altLang="ko-KR" sz="1400" dirty="0">
+                <a:solidFill>
+                  <a:srgbClr val="EEFFFF"/>
+                </a:solidFill>
+                <a:latin typeface="Fira Code" panose="020B0809050000020004" pitchFamily="49" charset="0"/>
+              </a:rPr>
+              <a:t>  value</a:t>
+            </a:r>
+            <a:r>
+              <a:rPr lang="en-US" altLang="ko-KR" sz="1400" dirty="0">
+                <a:solidFill>
+                  <a:srgbClr val="89DDFF"/>
+                </a:solidFill>
+                <a:latin typeface="Fira Code" panose="020B0809050000020004" pitchFamily="49" charset="0"/>
+              </a:rPr>
+              <a:t>:</a:t>
+            </a:r>
+            <a:r>
+              <a:rPr lang="en-US" altLang="ko-KR" sz="1400" dirty="0">
+                <a:solidFill>
+                  <a:srgbClr val="EEFFFF"/>
+                </a:solidFill>
+                <a:latin typeface="Fira Code" panose="020B0809050000020004" pitchFamily="49" charset="0"/>
+              </a:rPr>
+              <a:t> Node</a:t>
+            </a:r>
+          </a:p>
+          <a:p>
+            <a:pPr marL="0" indent="0">
+              <a:buNone/>
+            </a:pPr>
+            <a:r>
+              <a:rPr lang="en-US" altLang="ko-KR" sz="1400" dirty="0">
+                <a:solidFill>
+                  <a:srgbClr val="EEFFFF"/>
+                </a:solidFill>
+                <a:latin typeface="Fira Code" panose="020B0809050000020004" pitchFamily="49" charset="0"/>
+              </a:rPr>
+              <a:t>  operator</a:t>
+            </a:r>
+            <a:r>
+              <a:rPr lang="en-US" altLang="ko-KR" sz="1400" dirty="0">
+                <a:solidFill>
+                  <a:srgbClr val="89DDFF"/>
+                </a:solidFill>
+                <a:latin typeface="Fira Code" panose="020B0809050000020004" pitchFamily="49" charset="0"/>
+              </a:rPr>
+              <a:t>:</a:t>
+            </a:r>
+            <a:r>
+              <a:rPr lang="en-US" altLang="ko-KR" sz="1400" dirty="0">
+                <a:solidFill>
+                  <a:srgbClr val="EEFFFF"/>
+                </a:solidFill>
+                <a:latin typeface="Fira Code" panose="020B0809050000020004" pitchFamily="49" charset="0"/>
+              </a:rPr>
+              <a:t> </a:t>
+            </a:r>
+            <a:r>
+              <a:rPr lang="en-US" altLang="ko-KR" sz="1400" dirty="0" err="1">
+                <a:solidFill>
+                  <a:srgbClr val="B2CCD6"/>
+                </a:solidFill>
+                <a:latin typeface="Fira Code" panose="020B0809050000020004" pitchFamily="49" charset="0"/>
+              </a:rPr>
+              <a:t>str</a:t>
+            </a:r>
+            <a:endParaRPr lang="en-US" altLang="ko-KR" sz="1400" dirty="0">
+              <a:solidFill>
+                <a:srgbClr val="EEFFFF"/>
+              </a:solidFill>
+              <a:latin typeface="Fira Code" panose="020B0809050000020004" pitchFamily="49" charset="0"/>
+            </a:endParaRPr>
+          </a:p>
+          <a:p>
+            <a:pPr marL="0" indent="0">
+              <a:buNone/>
+            </a:pPr>
+            <a:endParaRPr lang="en-US" altLang="ko-KR" sz="1400" b="0" dirty="0">
+              <a:solidFill>
+                <a:srgbClr val="EEFFFF"/>
+              </a:solidFill>
+              <a:effectLst/>
+              <a:latin typeface="Fira Code" panose="020B0809050000020004" pitchFamily="49" charset="0"/>
+            </a:endParaRPr>
+          </a:p>
+        </p:txBody>
+      </p:sp>
+      <p:sp>
+        <p:nvSpPr>
+          <p:cNvPr id="2" name="제목 1"/>
+          <p:cNvSpPr>
+            <a:spLocks noGrp="1"/>
+          </p:cNvSpPr>
+          <p:nvPr>
+            <p:ph type="title"/>
+          </p:nvPr>
+        </p:nvSpPr>
+        <p:spPr/>
+        <p:txBody>
+          <a:bodyPr/>
+          <a:lstStyle/>
+          <a:p>
+            <a:r>
+              <a:rPr lang="ko-KR" altLang="en-US" dirty="0" smtClean="0">
+                <a:solidFill>
+                  <a:schemeClr val="bg1"/>
+                </a:solidFill>
+              </a:rPr>
+              <a:t>코드</a:t>
+            </a:r>
+            <a:endParaRPr lang="ko-KR" altLang="en-US" dirty="0">
+              <a:solidFill>
+                <a:schemeClr val="bg1"/>
+              </a:solidFill>
+            </a:endParaRPr>
+          </a:p>
+        </p:txBody>
+      </p:sp>
+    </p:spTree>
+    <p:extLst>
+      <p:ext uri="{BB962C8B-B14F-4D97-AF65-F5344CB8AC3E}">
+        <p14:creationId xmlns:p14="http://schemas.microsoft.com/office/powerpoint/2010/main" val="3019276226"/>
+      </p:ext>
+    </p:extLst>
+  </p:cSld>
+  <p:clrMapOvr>
+    <a:masterClrMapping/>
+  </p:clrMapOvr>
+</p:sld>
+</file>
+
+<file path=ppt/slides/slide5.xml><?xml version="1.0" encoding="utf-8"?>
+<p:sld xmlns:a="http://schemas.openxmlformats.org/drawingml/2006/main" xmlns:r="http://schemas.openxmlformats.org/officeDocument/2006/relationships" xmlns:p="http://schemas.openxmlformats.org/presentationml/2006/main">
+  <p:cSld>
+    <p:bg>
+      <p:bgPr>
+        <a:solidFill>
+          <a:srgbClr val="042C3A"/>
+        </a:solidFill>
+        <a:effectLst/>
+      </p:bgPr>
+    </p:bg>
+    <p:spTree>
+      <p:nvGrpSpPr>
+        <p:cNvPr id="1" name=""/>
+        <p:cNvGrpSpPr/>
+        <p:nvPr/>
+      </p:nvGrpSpPr>
+      <p:grpSpPr>
+        <a:xfrm>
+          <a:off x="0" y="0"/>
+          <a:ext cx="0" cy="0"/>
+          <a:chOff x="0" y="0"/>
+          <a:chExt cx="0" cy="0"/>
+        </a:xfrm>
+      </p:grpSpPr>
+      <p:sp>
+        <p:nvSpPr>
+          <p:cNvPr id="3" name="내용 개체 틀 2"/>
+          <p:cNvSpPr>
+            <a:spLocks noGrp="1"/>
+          </p:cNvSpPr>
+          <p:nvPr>
+            <p:ph idx="1"/>
+          </p:nvPr>
+        </p:nvSpPr>
+        <p:spPr>
+          <a:xfrm>
+            <a:off x="838200" y="1825625"/>
+            <a:ext cx="10515600" cy="5090564"/>
+          </a:xfrm>
+        </p:spPr>
+        <p:txBody>
+          <a:bodyPr>
+            <a:normAutofit/>
+          </a:bodyPr>
+          <a:lstStyle/>
+          <a:p>
+            <a:pPr marL="0" indent="0">
+              <a:buNone/>
+            </a:pPr>
+            <a:r>
+              <a:rPr lang="en-US" altLang="ko-KR" sz="1400" dirty="0" smtClean="0">
+                <a:solidFill>
+                  <a:srgbClr val="C792EA"/>
+                </a:solidFill>
+                <a:latin typeface="Fira Code" panose="020B0809050000020004" pitchFamily="49" charset="0"/>
+              </a:rPr>
+              <a:t>class</a:t>
+            </a:r>
+            <a:r>
+              <a:rPr lang="en-US" altLang="ko-KR" sz="1400" dirty="0" smtClean="0">
+                <a:solidFill>
+                  <a:srgbClr val="EEFFFF"/>
+                </a:solidFill>
+                <a:latin typeface="Fira Code" panose="020B0809050000020004" pitchFamily="49" charset="0"/>
+              </a:rPr>
+              <a:t> </a:t>
+            </a:r>
+            <a:r>
+              <a:rPr lang="en-US" altLang="ko-KR" sz="1400" dirty="0">
+                <a:solidFill>
+                  <a:srgbClr val="FFCB6B"/>
+                </a:solidFill>
+                <a:latin typeface="Fira Code" panose="020B0809050000020004" pitchFamily="49" charset="0"/>
+              </a:rPr>
+              <a:t>Number</a:t>
+            </a:r>
+            <a:r>
+              <a:rPr lang="en-US" altLang="ko-KR" sz="1400" dirty="0">
+                <a:solidFill>
+                  <a:srgbClr val="89DDFF"/>
+                </a:solidFill>
+                <a:latin typeface="Fira Code" panose="020B0809050000020004" pitchFamily="49" charset="0"/>
+              </a:rPr>
+              <a:t>(</a:t>
+            </a:r>
+            <a:r>
+              <a:rPr lang="en-US" altLang="ko-KR" sz="1400" dirty="0">
+                <a:solidFill>
+                  <a:srgbClr val="C3E88D"/>
+                </a:solidFill>
+                <a:latin typeface="Fira Code" panose="020B0809050000020004" pitchFamily="49" charset="0"/>
+              </a:rPr>
+              <a:t>Node</a:t>
+            </a:r>
+            <a:r>
+              <a:rPr lang="en-US" altLang="ko-KR" sz="1400" dirty="0" smtClean="0">
+                <a:solidFill>
+                  <a:srgbClr val="89DDFF"/>
+                </a:solidFill>
+                <a:latin typeface="Fira Code" panose="020B0809050000020004" pitchFamily="49" charset="0"/>
+              </a:rPr>
+              <a:t>)</a:t>
+            </a:r>
+          </a:p>
+          <a:p>
+            <a:pPr marL="0" indent="0">
+              <a:buNone/>
+            </a:pPr>
+            <a:endParaRPr lang="en-US" altLang="ko-KR" sz="1400" dirty="0">
+              <a:solidFill>
+                <a:srgbClr val="EEFFFF"/>
+              </a:solidFill>
+              <a:latin typeface="Fira Code" panose="020B0809050000020004" pitchFamily="49" charset="0"/>
+            </a:endParaRPr>
+          </a:p>
+          <a:p>
+            <a:pPr marL="0" indent="0">
+              <a:buNone/>
+            </a:pPr>
+            <a:r>
+              <a:rPr lang="en-US" altLang="ko-KR" sz="1400" dirty="0">
+                <a:solidFill>
+                  <a:srgbClr val="C792EA"/>
+                </a:solidFill>
+                <a:latin typeface="Fira Code" panose="020B0809050000020004" pitchFamily="49" charset="0"/>
+              </a:rPr>
+              <a:t>class</a:t>
+            </a:r>
+            <a:r>
+              <a:rPr lang="en-US" altLang="ko-KR" sz="1400" dirty="0">
+                <a:solidFill>
+                  <a:srgbClr val="EEFFFF"/>
+                </a:solidFill>
+                <a:latin typeface="Fira Code" panose="020B0809050000020004" pitchFamily="49" charset="0"/>
+              </a:rPr>
+              <a:t> </a:t>
+            </a:r>
+            <a:r>
+              <a:rPr lang="en-US" altLang="ko-KR" sz="1400" dirty="0">
+                <a:solidFill>
+                  <a:srgbClr val="FFCB6B"/>
+                </a:solidFill>
+                <a:latin typeface="Fira Code" panose="020B0809050000020004" pitchFamily="49" charset="0"/>
+              </a:rPr>
+              <a:t>Symbol</a:t>
+            </a:r>
+            <a:r>
+              <a:rPr lang="en-US" altLang="ko-KR" sz="1400" dirty="0">
+                <a:solidFill>
+                  <a:srgbClr val="89DDFF"/>
+                </a:solidFill>
+                <a:latin typeface="Fira Code" panose="020B0809050000020004" pitchFamily="49" charset="0"/>
+              </a:rPr>
+              <a:t>(</a:t>
+            </a:r>
+            <a:r>
+              <a:rPr lang="en-US" altLang="ko-KR" sz="1400" dirty="0">
+                <a:solidFill>
+                  <a:srgbClr val="C3E88D"/>
+                </a:solidFill>
+                <a:latin typeface="Fira Code" panose="020B0809050000020004" pitchFamily="49" charset="0"/>
+              </a:rPr>
+              <a:t>Node</a:t>
+            </a:r>
+            <a:r>
+              <a:rPr lang="en-US" altLang="ko-KR" sz="1400" dirty="0" smtClean="0">
+                <a:solidFill>
+                  <a:srgbClr val="89DDFF"/>
+                </a:solidFill>
+                <a:latin typeface="Fira Code" panose="020B0809050000020004" pitchFamily="49" charset="0"/>
+              </a:rPr>
+              <a:t>)</a:t>
+            </a:r>
+          </a:p>
+          <a:p>
+            <a:pPr marL="0" indent="0">
+              <a:buNone/>
+            </a:pPr>
+            <a:endParaRPr lang="en-US" altLang="ko-KR" sz="1400" dirty="0">
+              <a:solidFill>
+                <a:srgbClr val="EEFFFF"/>
+              </a:solidFill>
+              <a:latin typeface="Fira Code" panose="020B0809050000020004" pitchFamily="49" charset="0"/>
+            </a:endParaRPr>
+          </a:p>
+          <a:p>
+            <a:pPr marL="0" indent="0">
+              <a:buNone/>
+            </a:pPr>
+            <a:r>
+              <a:rPr lang="en-US" altLang="ko-KR" sz="1400" dirty="0" smtClean="0">
+                <a:solidFill>
+                  <a:srgbClr val="C792EA"/>
+                </a:solidFill>
+                <a:latin typeface="Fira Code" panose="020B0809050000020004" pitchFamily="49" charset="0"/>
+              </a:rPr>
+              <a:t>class</a:t>
+            </a:r>
+            <a:r>
+              <a:rPr lang="en-US" altLang="ko-KR" sz="1400" dirty="0" smtClean="0">
+                <a:solidFill>
+                  <a:srgbClr val="EEFFFF"/>
+                </a:solidFill>
+                <a:latin typeface="Fira Code" panose="020B0809050000020004" pitchFamily="49" charset="0"/>
+              </a:rPr>
+              <a:t> </a:t>
+            </a:r>
+            <a:r>
+              <a:rPr lang="en-US" altLang="ko-KR" sz="1400" dirty="0" err="1" smtClean="0">
+                <a:solidFill>
+                  <a:srgbClr val="FFCB6B"/>
+                </a:solidFill>
+                <a:latin typeface="Fira Code" panose="020B0809050000020004" pitchFamily="49" charset="0"/>
+              </a:rPr>
+              <a:t>FunctionValue</a:t>
+            </a:r>
+            <a:r>
+              <a:rPr lang="en-US" altLang="ko-KR" sz="1400" dirty="0" smtClean="0">
+                <a:solidFill>
+                  <a:srgbClr val="89DDFF"/>
+                </a:solidFill>
+                <a:latin typeface="Fira Code" panose="020B0809050000020004" pitchFamily="49" charset="0"/>
+              </a:rPr>
+              <a:t>(</a:t>
+            </a:r>
+            <a:r>
+              <a:rPr lang="en-US" altLang="ko-KR" sz="1400" dirty="0" smtClean="0">
+                <a:solidFill>
+                  <a:srgbClr val="C3E88D"/>
+                </a:solidFill>
+                <a:latin typeface="Fira Code" panose="020B0809050000020004" pitchFamily="49" charset="0"/>
+              </a:rPr>
+              <a:t>Node</a:t>
+            </a:r>
+            <a:r>
+              <a:rPr lang="en-US" altLang="ko-KR" sz="1400" dirty="0" smtClean="0">
+                <a:solidFill>
+                  <a:srgbClr val="89DDFF"/>
+                </a:solidFill>
+                <a:latin typeface="Fira Code" panose="020B0809050000020004" pitchFamily="49" charset="0"/>
+              </a:rPr>
+              <a:t>):</a:t>
+            </a:r>
+            <a:endParaRPr lang="ko-KR" altLang="en-US" sz="1400" dirty="0">
+              <a:solidFill>
+                <a:srgbClr val="EEFFFF"/>
+              </a:solidFill>
+              <a:latin typeface="Fira Code" panose="020B0809050000020004" pitchFamily="49" charset="0"/>
+            </a:endParaRPr>
+          </a:p>
+          <a:p>
+            <a:pPr marL="0" indent="0">
+              <a:buNone/>
+            </a:pPr>
+            <a:r>
+              <a:rPr lang="ko-KR" altLang="en-US" sz="1400" dirty="0">
+                <a:solidFill>
+                  <a:srgbClr val="EEFFFF"/>
+                </a:solidFill>
+                <a:latin typeface="Fira Code" panose="020B0809050000020004" pitchFamily="49" charset="0"/>
+              </a:rPr>
+              <a:t>  </a:t>
+            </a:r>
+            <a:r>
+              <a:rPr lang="en-US" altLang="ko-KR" sz="1400" dirty="0">
+                <a:solidFill>
+                  <a:srgbClr val="EEFFFF"/>
+                </a:solidFill>
+                <a:latin typeface="Fira Code" panose="020B0809050000020004" pitchFamily="49" charset="0"/>
+              </a:rPr>
+              <a:t>name</a:t>
+            </a:r>
+            <a:r>
+              <a:rPr lang="en-US" altLang="ko-KR" sz="1400" dirty="0">
+                <a:solidFill>
+                  <a:srgbClr val="89DDFF"/>
+                </a:solidFill>
+                <a:latin typeface="Fira Code" panose="020B0809050000020004" pitchFamily="49" charset="0"/>
+              </a:rPr>
+              <a:t>:</a:t>
+            </a:r>
+            <a:r>
+              <a:rPr lang="ko-KR" altLang="en-US" sz="1400" dirty="0">
+                <a:solidFill>
+                  <a:srgbClr val="EEFFFF"/>
+                </a:solidFill>
+                <a:latin typeface="Fira Code" panose="020B0809050000020004" pitchFamily="49" charset="0"/>
+              </a:rPr>
+              <a:t> </a:t>
+            </a:r>
+            <a:r>
+              <a:rPr lang="en-US" altLang="ko-KR" sz="1400" dirty="0" err="1">
+                <a:solidFill>
+                  <a:srgbClr val="B2CCD6"/>
+                </a:solidFill>
+                <a:latin typeface="Fira Code" panose="020B0809050000020004" pitchFamily="49" charset="0"/>
+              </a:rPr>
+              <a:t>str</a:t>
+            </a:r>
+            <a:r>
+              <a:rPr lang="ko-KR" altLang="en-US" sz="1400" dirty="0">
+                <a:solidFill>
+                  <a:srgbClr val="EEFFFF"/>
+                </a:solidFill>
+                <a:latin typeface="Fira Code" panose="020B0809050000020004" pitchFamily="49" charset="0"/>
+              </a:rPr>
+              <a:t> </a:t>
+            </a:r>
+            <a:r>
+              <a:rPr lang="en-US" altLang="ko-KR" sz="1400" i="1" dirty="0">
+                <a:solidFill>
+                  <a:srgbClr val="546E7A"/>
+                </a:solidFill>
+                <a:latin typeface="Fira Code" panose="020B0809050000020004" pitchFamily="49" charset="0"/>
+              </a:rPr>
+              <a:t># </a:t>
+            </a:r>
+            <a:r>
+              <a:rPr lang="ko-KR" altLang="en-US" sz="1400" i="1" dirty="0">
+                <a:solidFill>
+                  <a:srgbClr val="546E7A"/>
+                </a:solidFill>
+                <a:latin typeface="Fira Code" panose="020B0809050000020004" pitchFamily="49" charset="0"/>
+              </a:rPr>
+              <a:t>함수 </a:t>
+            </a:r>
+            <a:r>
+              <a:rPr lang="ko-KR" altLang="en-US" sz="1400" i="1" dirty="0" smtClean="0">
+                <a:solidFill>
+                  <a:srgbClr val="546E7A"/>
+                </a:solidFill>
+                <a:latin typeface="Fira Code" panose="020B0809050000020004" pitchFamily="49" charset="0"/>
+              </a:rPr>
+              <a:t>이름</a:t>
+            </a:r>
+            <a:endParaRPr lang="ko-KR" altLang="en-US" sz="1400" dirty="0" smtClean="0">
+              <a:solidFill>
+                <a:srgbClr val="EEFFFF"/>
+              </a:solidFill>
+              <a:latin typeface="Fira Code" panose="020B0809050000020004" pitchFamily="49" charset="0"/>
+            </a:endParaRPr>
+          </a:p>
+          <a:p>
+            <a:pPr marL="0" indent="0">
+              <a:buNone/>
+            </a:pPr>
+            <a:r>
+              <a:rPr lang="ko-KR" altLang="en-US" sz="1400" dirty="0" smtClean="0">
+                <a:solidFill>
+                  <a:srgbClr val="EEFFFF"/>
+                </a:solidFill>
+                <a:latin typeface="Fira Code" panose="020B0809050000020004" pitchFamily="49" charset="0"/>
+              </a:rPr>
+              <a:t>  </a:t>
+            </a:r>
+            <a:r>
+              <a:rPr lang="en-US" altLang="ko-KR" sz="1400" dirty="0" err="1" smtClean="0">
+                <a:solidFill>
+                  <a:srgbClr val="EEFFFF"/>
+                </a:solidFill>
+                <a:latin typeface="Fira Code" panose="020B0809050000020004" pitchFamily="49" charset="0"/>
+              </a:rPr>
+              <a:t>args</a:t>
+            </a:r>
+            <a:r>
+              <a:rPr lang="en-US" altLang="ko-KR" sz="1400" dirty="0" smtClean="0">
+                <a:solidFill>
+                  <a:srgbClr val="89DDFF"/>
+                </a:solidFill>
+                <a:latin typeface="Fira Code" panose="020B0809050000020004" pitchFamily="49" charset="0"/>
+              </a:rPr>
+              <a:t>:</a:t>
+            </a:r>
+            <a:r>
+              <a:rPr lang="ko-KR" altLang="en-US" sz="1400" dirty="0" smtClean="0">
+                <a:solidFill>
+                  <a:srgbClr val="EEFFFF"/>
+                </a:solidFill>
+                <a:latin typeface="Fira Code" panose="020B0809050000020004" pitchFamily="49" charset="0"/>
+              </a:rPr>
+              <a:t> </a:t>
+            </a:r>
+            <a:r>
+              <a:rPr lang="en-US" altLang="ko-KR" sz="1400" dirty="0" smtClean="0">
+                <a:solidFill>
+                  <a:srgbClr val="EEFFFF"/>
+                </a:solidFill>
+                <a:latin typeface="Fira Code" panose="020B0809050000020004" pitchFamily="49" charset="0"/>
+              </a:rPr>
+              <a:t>List</a:t>
+            </a:r>
+            <a:r>
+              <a:rPr lang="en-US" altLang="ko-KR" sz="1400" dirty="0" smtClean="0">
+                <a:solidFill>
+                  <a:srgbClr val="89DDFF"/>
+                </a:solidFill>
+                <a:latin typeface="Fira Code" panose="020B0809050000020004" pitchFamily="49" charset="0"/>
+              </a:rPr>
+              <a:t>[</a:t>
+            </a:r>
+            <a:r>
+              <a:rPr lang="en-US" altLang="ko-KR" sz="1400" dirty="0" smtClean="0">
+                <a:solidFill>
+                  <a:srgbClr val="EEFFFF"/>
+                </a:solidFill>
+                <a:latin typeface="Fira Code" panose="020B0809050000020004" pitchFamily="49" charset="0"/>
+              </a:rPr>
+              <a:t>Node</a:t>
+            </a:r>
+            <a:r>
+              <a:rPr lang="en-US" altLang="ko-KR" sz="1400" dirty="0" smtClean="0">
+                <a:solidFill>
+                  <a:srgbClr val="89DDFF"/>
+                </a:solidFill>
+                <a:latin typeface="Fira Code" panose="020B0809050000020004" pitchFamily="49" charset="0"/>
+              </a:rPr>
+              <a:t>]</a:t>
+            </a:r>
+            <a:r>
+              <a:rPr lang="ko-KR" altLang="en-US" sz="1400" dirty="0" smtClean="0">
+                <a:solidFill>
+                  <a:srgbClr val="EEFFFF"/>
+                </a:solidFill>
+                <a:latin typeface="Fira Code" panose="020B0809050000020004" pitchFamily="49" charset="0"/>
+              </a:rPr>
+              <a:t> </a:t>
+            </a:r>
+            <a:r>
+              <a:rPr lang="en-US" altLang="ko-KR" sz="1400" i="1" dirty="0" smtClean="0">
+                <a:solidFill>
+                  <a:srgbClr val="546E7A"/>
+                </a:solidFill>
+                <a:latin typeface="Fira Code" panose="020B0809050000020004" pitchFamily="49" charset="0"/>
+              </a:rPr>
+              <a:t># </a:t>
+            </a:r>
+            <a:r>
+              <a:rPr lang="ko-KR" altLang="en-US" sz="1400" i="1" dirty="0" smtClean="0">
+                <a:solidFill>
+                  <a:srgbClr val="546E7A"/>
+                </a:solidFill>
+                <a:latin typeface="Fira Code" panose="020B0809050000020004" pitchFamily="49" charset="0"/>
+              </a:rPr>
+              <a:t>인수들</a:t>
+            </a:r>
+            <a:r>
+              <a:rPr lang="en-US" altLang="ko-KR" sz="1400" i="1" dirty="0" smtClean="0">
+                <a:solidFill>
+                  <a:srgbClr val="546E7A"/>
+                </a:solidFill>
+                <a:latin typeface="Fira Code" panose="020B0809050000020004" pitchFamily="49" charset="0"/>
+              </a:rPr>
+              <a:t>. </a:t>
+            </a:r>
+            <a:r>
+              <a:rPr lang="ko-KR" altLang="en-US" sz="1400" i="1" dirty="0" smtClean="0">
+                <a:solidFill>
+                  <a:srgbClr val="546E7A"/>
+                </a:solidFill>
+                <a:latin typeface="Fira Code" panose="020B0809050000020004" pitchFamily="49" charset="0"/>
+              </a:rPr>
+              <a:t>리스트로 둬서 다변수함수도 구현할 수 있음</a:t>
+            </a:r>
+            <a:endParaRPr lang="ko-KR" altLang="en-US" sz="1400" dirty="0" smtClean="0">
+              <a:solidFill>
+                <a:srgbClr val="EEFFFF"/>
+              </a:solidFill>
+              <a:latin typeface="Fira Code" panose="020B0809050000020004" pitchFamily="49" charset="0"/>
+            </a:endParaRPr>
+          </a:p>
+          <a:p>
+            <a:pPr marL="0" indent="0">
+              <a:buNone/>
+            </a:pPr>
+            <a:endParaRPr lang="en-US" altLang="ko-KR" sz="1400" dirty="0" smtClean="0">
+              <a:solidFill>
+                <a:srgbClr val="EEFFFF"/>
+              </a:solidFill>
+              <a:latin typeface="Fira Code" panose="020B0809050000020004" pitchFamily="49" charset="0"/>
+            </a:endParaRPr>
+          </a:p>
+          <a:p>
+            <a:pPr marL="0" indent="0">
+              <a:buNone/>
+            </a:pPr>
+            <a:r>
+              <a:rPr lang="en-US" altLang="ko-KR" sz="1400" dirty="0" smtClean="0">
+                <a:solidFill>
+                  <a:srgbClr val="C792EA"/>
+                </a:solidFill>
+                <a:latin typeface="Fira Code" panose="020B0809050000020004" pitchFamily="49" charset="0"/>
+              </a:rPr>
+              <a:t>class</a:t>
+            </a:r>
+            <a:r>
+              <a:rPr lang="en-US" altLang="ko-KR" sz="1400" dirty="0" smtClean="0">
+                <a:solidFill>
+                  <a:srgbClr val="EEFFFF"/>
+                </a:solidFill>
+                <a:latin typeface="Fira Code" panose="020B0809050000020004" pitchFamily="49" charset="0"/>
+              </a:rPr>
+              <a:t> </a:t>
+            </a:r>
+            <a:r>
+              <a:rPr lang="en-US" altLang="ko-KR" sz="1400" dirty="0" smtClean="0">
+                <a:solidFill>
+                  <a:srgbClr val="FFCB6B"/>
+                </a:solidFill>
+                <a:latin typeface="Fira Code" panose="020B0809050000020004" pitchFamily="49" charset="0"/>
+              </a:rPr>
+              <a:t>Definition</a:t>
+            </a:r>
+            <a:r>
+              <a:rPr lang="en-US" altLang="ko-KR" sz="1400" dirty="0" smtClean="0">
+                <a:solidFill>
+                  <a:srgbClr val="89DDFF"/>
+                </a:solidFill>
+                <a:latin typeface="Fira Code" panose="020B0809050000020004" pitchFamily="49" charset="0"/>
+              </a:rPr>
+              <a:t>(</a:t>
+            </a:r>
+            <a:r>
+              <a:rPr lang="en-US" altLang="ko-KR" sz="1400" dirty="0" smtClean="0">
+                <a:solidFill>
+                  <a:srgbClr val="C3E88D"/>
+                </a:solidFill>
+                <a:latin typeface="Fira Code" panose="020B0809050000020004" pitchFamily="49" charset="0"/>
+              </a:rPr>
+              <a:t>Node</a:t>
+            </a:r>
+            <a:r>
+              <a:rPr lang="en-US" altLang="ko-KR" sz="1400" dirty="0" smtClean="0">
+                <a:solidFill>
+                  <a:srgbClr val="89DDFF"/>
+                </a:solidFill>
+                <a:latin typeface="Fira Code" panose="020B0809050000020004" pitchFamily="49" charset="0"/>
+              </a:rPr>
+              <a:t>):</a:t>
+            </a:r>
+            <a:endParaRPr lang="en-US" altLang="ko-KR" sz="1400" dirty="0">
+              <a:solidFill>
+                <a:srgbClr val="EEFFFF"/>
+              </a:solidFill>
+              <a:latin typeface="Fira Code" panose="020B0809050000020004" pitchFamily="49" charset="0"/>
+            </a:endParaRPr>
+          </a:p>
+          <a:p>
+            <a:pPr marL="0" indent="0">
+              <a:buNone/>
+            </a:pPr>
+            <a:r>
+              <a:rPr lang="en-US" altLang="ko-KR" sz="1400" dirty="0">
+                <a:solidFill>
+                  <a:srgbClr val="EEFFFF"/>
+                </a:solidFill>
+                <a:latin typeface="Fira Code" panose="020B0809050000020004" pitchFamily="49" charset="0"/>
+              </a:rPr>
+              <a:t>  name</a:t>
+            </a:r>
+            <a:r>
+              <a:rPr lang="en-US" altLang="ko-KR" sz="1400" dirty="0">
+                <a:solidFill>
+                  <a:srgbClr val="89DDFF"/>
+                </a:solidFill>
+                <a:latin typeface="Fira Code" panose="020B0809050000020004" pitchFamily="49" charset="0"/>
+              </a:rPr>
+              <a:t>:</a:t>
+            </a:r>
+            <a:r>
+              <a:rPr lang="en-US" altLang="ko-KR" sz="1400" dirty="0">
+                <a:solidFill>
+                  <a:srgbClr val="EEFFFF"/>
+                </a:solidFill>
+                <a:latin typeface="Fira Code" panose="020B0809050000020004" pitchFamily="49" charset="0"/>
+              </a:rPr>
+              <a:t> </a:t>
+            </a:r>
+            <a:r>
+              <a:rPr lang="en-US" altLang="ko-KR" sz="1400" dirty="0" err="1">
+                <a:solidFill>
+                  <a:srgbClr val="B2CCD6"/>
+                </a:solidFill>
+                <a:latin typeface="Fira Code" panose="020B0809050000020004" pitchFamily="49" charset="0"/>
+              </a:rPr>
+              <a:t>str</a:t>
+            </a:r>
+            <a:endParaRPr lang="en-US" altLang="ko-KR" sz="1400" dirty="0">
+              <a:solidFill>
+                <a:srgbClr val="EEFFFF"/>
+              </a:solidFill>
+              <a:latin typeface="Fira Code" panose="020B0809050000020004" pitchFamily="49" charset="0"/>
+            </a:endParaRPr>
+          </a:p>
+          <a:p>
+            <a:pPr marL="0" indent="0">
+              <a:buNone/>
+            </a:pPr>
+            <a:r>
+              <a:rPr lang="en-US" altLang="ko-KR" sz="1400" dirty="0">
+                <a:solidFill>
+                  <a:srgbClr val="EEFFFF"/>
+                </a:solidFill>
+                <a:latin typeface="Fira Code" panose="020B0809050000020004" pitchFamily="49" charset="0"/>
+              </a:rPr>
+              <a:t>  target</a:t>
+            </a:r>
+            <a:r>
+              <a:rPr lang="en-US" altLang="ko-KR" sz="1400" dirty="0">
+                <a:solidFill>
+                  <a:srgbClr val="89DDFF"/>
+                </a:solidFill>
+                <a:latin typeface="Fira Code" panose="020B0809050000020004" pitchFamily="49" charset="0"/>
+              </a:rPr>
+              <a:t>:</a:t>
+            </a:r>
+            <a:r>
+              <a:rPr lang="en-US" altLang="ko-KR" sz="1400" dirty="0">
+                <a:solidFill>
+                  <a:srgbClr val="EEFFFF"/>
+                </a:solidFill>
+                <a:latin typeface="Fira Code" panose="020B0809050000020004" pitchFamily="49" charset="0"/>
+              </a:rPr>
+              <a:t> Node</a:t>
+            </a:r>
+          </a:p>
+          <a:p>
+            <a:pPr marL="0" indent="0">
+              <a:buNone/>
+            </a:pPr>
+            <a:endParaRPr lang="en-US" altLang="ko-KR" sz="1400" dirty="0" smtClean="0">
+              <a:solidFill>
+                <a:srgbClr val="EEFFFF"/>
+              </a:solidFill>
+              <a:latin typeface="Fira Code" panose="020B0809050000020004" pitchFamily="49" charset="0"/>
+            </a:endParaRPr>
+          </a:p>
+          <a:p>
+            <a:pPr marL="0" indent="0">
+              <a:buNone/>
+            </a:pPr>
+            <a:r>
+              <a:rPr lang="en-US" altLang="ko-KR" sz="1400" dirty="0" smtClean="0">
+                <a:solidFill>
+                  <a:srgbClr val="C792EA"/>
+                </a:solidFill>
+                <a:latin typeface="Fira Code" panose="020B0809050000020004" pitchFamily="49" charset="0"/>
+              </a:rPr>
+              <a:t>class</a:t>
+            </a:r>
+            <a:r>
+              <a:rPr lang="en-US" altLang="ko-KR" sz="1400" dirty="0" smtClean="0">
+                <a:solidFill>
+                  <a:srgbClr val="EEFFFF"/>
+                </a:solidFill>
+                <a:latin typeface="Fira Code" panose="020B0809050000020004" pitchFamily="49" charset="0"/>
+              </a:rPr>
+              <a:t> </a:t>
+            </a:r>
+            <a:r>
+              <a:rPr lang="en-US" altLang="ko-KR" sz="1400" dirty="0" err="1" smtClean="0">
+                <a:solidFill>
+                  <a:srgbClr val="FFCB6B"/>
+                </a:solidFill>
+                <a:latin typeface="Fira Code" panose="020B0809050000020004" pitchFamily="49" charset="0"/>
+              </a:rPr>
+              <a:t>Contexted</a:t>
+            </a:r>
+            <a:r>
+              <a:rPr lang="en-US" altLang="ko-KR" sz="1400" dirty="0" smtClean="0">
+                <a:solidFill>
+                  <a:srgbClr val="89DDFF"/>
+                </a:solidFill>
+                <a:latin typeface="Fira Code" panose="020B0809050000020004" pitchFamily="49" charset="0"/>
+              </a:rPr>
+              <a:t>(</a:t>
+            </a:r>
+            <a:r>
+              <a:rPr lang="en-US" altLang="ko-KR" sz="1400" dirty="0" smtClean="0">
+                <a:solidFill>
+                  <a:srgbClr val="C3E88D"/>
+                </a:solidFill>
+                <a:latin typeface="Fira Code" panose="020B0809050000020004" pitchFamily="49" charset="0"/>
+              </a:rPr>
+              <a:t>Node</a:t>
+            </a:r>
+            <a:r>
+              <a:rPr lang="en-US" altLang="ko-KR" sz="1400" dirty="0" smtClean="0">
+                <a:solidFill>
+                  <a:srgbClr val="89DDFF"/>
+                </a:solidFill>
+                <a:latin typeface="Fira Code" panose="020B0809050000020004" pitchFamily="49" charset="0"/>
+              </a:rPr>
+              <a:t>):</a:t>
+            </a:r>
+            <a:endParaRPr lang="en-US" altLang="ko-KR" sz="1400" dirty="0">
+              <a:solidFill>
+                <a:srgbClr val="EEFFFF"/>
+              </a:solidFill>
+              <a:latin typeface="Fira Code" panose="020B0809050000020004" pitchFamily="49" charset="0"/>
+            </a:endParaRPr>
+          </a:p>
+          <a:p>
+            <a:pPr marL="0" indent="0">
+              <a:buNone/>
+            </a:pPr>
+            <a:r>
+              <a:rPr lang="en-US" altLang="ko-KR" sz="1400" dirty="0">
+                <a:solidFill>
+                  <a:srgbClr val="EEFFFF"/>
+                </a:solidFill>
+                <a:latin typeface="Fira Code" panose="020B0809050000020004" pitchFamily="49" charset="0"/>
+              </a:rPr>
+              <a:t>  contexts</a:t>
+            </a:r>
+            <a:r>
+              <a:rPr lang="en-US" altLang="ko-KR" sz="1400" dirty="0">
+                <a:solidFill>
+                  <a:srgbClr val="89DDFF"/>
+                </a:solidFill>
+                <a:latin typeface="Fira Code" panose="020B0809050000020004" pitchFamily="49" charset="0"/>
+              </a:rPr>
+              <a:t>:</a:t>
+            </a:r>
+            <a:r>
+              <a:rPr lang="en-US" altLang="ko-KR" sz="1400" dirty="0">
+                <a:solidFill>
+                  <a:srgbClr val="EEFFFF"/>
+                </a:solidFill>
+                <a:latin typeface="Fira Code" panose="020B0809050000020004" pitchFamily="49" charset="0"/>
+              </a:rPr>
+              <a:t> </a:t>
+            </a:r>
+            <a:r>
+              <a:rPr lang="en-US" altLang="ko-KR" sz="1400" dirty="0" err="1">
+                <a:solidFill>
+                  <a:srgbClr val="B2CCD6"/>
+                </a:solidFill>
+                <a:latin typeface="Fira Code" panose="020B0809050000020004" pitchFamily="49" charset="0"/>
+              </a:rPr>
+              <a:t>dict</a:t>
+            </a:r>
+            <a:endParaRPr lang="en-US" altLang="ko-KR" sz="1400" dirty="0">
+              <a:solidFill>
+                <a:srgbClr val="EEFFFF"/>
+              </a:solidFill>
+              <a:latin typeface="Fira Code" panose="020B0809050000020004" pitchFamily="49" charset="0"/>
+            </a:endParaRPr>
+          </a:p>
+          <a:p>
+            <a:pPr marL="0" indent="0">
+              <a:buNone/>
+            </a:pPr>
+            <a:r>
+              <a:rPr lang="en-US" altLang="ko-KR" sz="1400" dirty="0">
+                <a:solidFill>
+                  <a:srgbClr val="EEFFFF"/>
+                </a:solidFill>
+                <a:latin typeface="Fira Code" panose="020B0809050000020004" pitchFamily="49" charset="0"/>
+              </a:rPr>
+              <a:t>  node</a:t>
+            </a:r>
+            <a:r>
+              <a:rPr lang="en-US" altLang="ko-KR" sz="1400" dirty="0">
+                <a:solidFill>
+                  <a:srgbClr val="89DDFF"/>
+                </a:solidFill>
+                <a:latin typeface="Fira Code" panose="020B0809050000020004" pitchFamily="49" charset="0"/>
+              </a:rPr>
+              <a:t>:</a:t>
+            </a:r>
+            <a:r>
+              <a:rPr lang="en-US" altLang="ko-KR" sz="1400" dirty="0">
+                <a:solidFill>
+                  <a:srgbClr val="EEFFFF"/>
+                </a:solidFill>
+                <a:latin typeface="Fira Code" panose="020B0809050000020004" pitchFamily="49" charset="0"/>
+              </a:rPr>
+              <a:t> Node</a:t>
+            </a:r>
+          </a:p>
+          <a:p>
+            <a:pPr marL="0" indent="0">
+              <a:buNone/>
+            </a:pPr>
+            <a:endParaRPr lang="en-US" altLang="ko-KR" sz="1400" dirty="0">
+              <a:solidFill>
+                <a:srgbClr val="EEFFFF"/>
+              </a:solidFill>
+              <a:latin typeface="Fira Code" panose="020B0809050000020004" pitchFamily="49" charset="0"/>
+            </a:endParaRPr>
+          </a:p>
+        </p:txBody>
+      </p:sp>
+      <p:sp>
+        <p:nvSpPr>
+          <p:cNvPr id="2" name="제목 1"/>
+          <p:cNvSpPr>
+            <a:spLocks noGrp="1"/>
+          </p:cNvSpPr>
+          <p:nvPr>
+            <p:ph type="title"/>
+          </p:nvPr>
+        </p:nvSpPr>
+        <p:spPr/>
+        <p:txBody>
+          <a:bodyPr/>
+          <a:lstStyle/>
+          <a:p>
+            <a:r>
+              <a:rPr lang="ko-KR" altLang="en-US" dirty="0" smtClean="0">
+                <a:solidFill>
+                  <a:schemeClr val="bg1"/>
+                </a:solidFill>
+              </a:rPr>
+              <a:t>코드</a:t>
+            </a:r>
+            <a:endParaRPr lang="ko-KR" altLang="en-US" dirty="0">
+              <a:solidFill>
+                <a:schemeClr val="bg1"/>
+              </a:solidFill>
+            </a:endParaRPr>
+          </a:p>
+        </p:txBody>
+      </p:sp>
+    </p:spTree>
+    <p:extLst>
+      <p:ext uri="{BB962C8B-B14F-4D97-AF65-F5344CB8AC3E}">
+        <p14:creationId xmlns:p14="http://schemas.microsoft.com/office/powerpoint/2010/main" val="1797039567"/>
+      </p:ext>
+    </p:extLst>
+  </p:cSld>
+  <p:clrMapOvr>
+    <a:masterClrMapping/>
+  </p:clrMapOvr>
+</p:sld>
+</file>
+
+<file path=ppt/slides/slide6.xml><?xml version="1.0" encoding="utf-8"?>
+<p:sld xmlns:a="http://schemas.openxmlformats.org/drawingml/2006/main" xmlns:r="http://schemas.openxmlformats.org/officeDocument/2006/relationships" xmlns:p="http://schemas.openxmlformats.org/presentationml/2006/main">
+  <p:cSld>
+    <p:bg>
+      <p:bgPr>
+        <a:solidFill>
+          <a:srgbClr val="042C3A"/>
+        </a:solidFill>
+        <a:effectLst/>
+      </p:bgPr>
+    </p:bg>
+    <p:spTree>
+      <p:nvGrpSpPr>
+        <p:cNvPr id="1" name=""/>
+        <p:cNvGrpSpPr/>
+        <p:nvPr/>
+      </p:nvGrpSpPr>
+      <p:grpSpPr>
+        <a:xfrm>
+          <a:off x="0" y="0"/>
+          <a:ext cx="0" cy="0"/>
+          <a:chOff x="0" y="0"/>
+          <a:chExt cx="0" cy="0"/>
+        </a:xfrm>
+      </p:grpSpPr>
+      <p:sp>
+        <p:nvSpPr>
+          <p:cNvPr id="3" name="내용 개체 틀 2"/>
+          <p:cNvSpPr>
+            <a:spLocks noGrp="1"/>
+          </p:cNvSpPr>
+          <p:nvPr>
+            <p:ph idx="1"/>
+          </p:nvPr>
+        </p:nvSpPr>
+        <p:spPr>
+          <a:xfrm>
+            <a:off x="838200" y="1825624"/>
+            <a:ext cx="10515600" cy="4807931"/>
+          </a:xfrm>
+        </p:spPr>
+        <p:txBody>
+          <a:bodyPr>
+            <a:normAutofit fontScale="70000" lnSpcReduction="20000"/>
+          </a:bodyPr>
+          <a:lstStyle/>
+          <a:p>
+            <a:pPr marL="0" indent="0">
+              <a:buNone/>
+            </a:pPr>
+            <a:r>
+              <a:rPr lang="en-US" altLang="ko-KR" sz="1400" dirty="0" err="1">
+                <a:solidFill>
+                  <a:srgbClr val="C792EA"/>
+                </a:solidFill>
+                <a:latin typeface="Fira Code" panose="020B0809050000020004" pitchFamily="49" charset="0"/>
+              </a:rPr>
+              <a:t>def</a:t>
+            </a:r>
+            <a:r>
+              <a:rPr lang="en-US" altLang="ko-KR" sz="1400" dirty="0">
+                <a:solidFill>
+                  <a:srgbClr val="EEFFFF"/>
+                </a:solidFill>
+                <a:latin typeface="Fira Code" panose="020B0809050000020004" pitchFamily="49" charset="0"/>
+              </a:rPr>
+              <a:t> </a:t>
+            </a:r>
+            <a:r>
+              <a:rPr lang="en-US" altLang="ko-KR" sz="1400" dirty="0">
+                <a:solidFill>
+                  <a:srgbClr val="82AAFF"/>
+                </a:solidFill>
+                <a:latin typeface="Fira Code" panose="020B0809050000020004" pitchFamily="49" charset="0"/>
+              </a:rPr>
+              <a:t>interpret</a:t>
+            </a:r>
+            <a:r>
+              <a:rPr lang="en-US" altLang="ko-KR" sz="1400" dirty="0">
+                <a:solidFill>
+                  <a:srgbClr val="89DDFF"/>
+                </a:solidFill>
+                <a:latin typeface="Fira Code" panose="020B0809050000020004" pitchFamily="49" charset="0"/>
+              </a:rPr>
+              <a:t>(</a:t>
+            </a:r>
+            <a:r>
+              <a:rPr lang="en-US" altLang="ko-KR" sz="1400" dirty="0">
+                <a:solidFill>
+                  <a:srgbClr val="FC788E"/>
+                </a:solidFill>
+                <a:latin typeface="Fira Code" panose="020B0809050000020004" pitchFamily="49" charset="0"/>
+              </a:rPr>
+              <a:t>node</a:t>
+            </a:r>
+            <a:r>
+              <a:rPr lang="en-US" altLang="ko-KR" sz="1400" dirty="0">
+                <a:solidFill>
+                  <a:srgbClr val="89DDFF"/>
+                </a:solidFill>
+                <a:latin typeface="Fira Code" panose="020B0809050000020004" pitchFamily="49" charset="0"/>
+              </a:rPr>
+              <a:t>:</a:t>
+            </a:r>
+            <a:r>
+              <a:rPr lang="en-US" altLang="ko-KR" sz="1400" dirty="0">
+                <a:solidFill>
+                  <a:srgbClr val="EEFFFF"/>
+                </a:solidFill>
+                <a:latin typeface="Fira Code" panose="020B0809050000020004" pitchFamily="49" charset="0"/>
+              </a:rPr>
+              <a:t> Node</a:t>
+            </a:r>
+            <a:r>
+              <a:rPr lang="en-US" altLang="ko-KR" sz="1400" dirty="0">
+                <a:solidFill>
+                  <a:srgbClr val="89DDFF"/>
+                </a:solidFill>
+                <a:latin typeface="Fira Code" panose="020B0809050000020004" pitchFamily="49" charset="0"/>
+              </a:rPr>
+              <a:t>,</a:t>
+            </a:r>
+            <a:r>
+              <a:rPr lang="en-US" altLang="ko-KR" sz="1400" dirty="0">
+                <a:solidFill>
+                  <a:srgbClr val="EEFFFF"/>
+                </a:solidFill>
+                <a:latin typeface="Fira Code" panose="020B0809050000020004" pitchFamily="49" charset="0"/>
+              </a:rPr>
+              <a:t> </a:t>
+            </a:r>
+            <a:r>
+              <a:rPr lang="en-US" altLang="ko-KR" sz="1400" dirty="0">
+                <a:solidFill>
+                  <a:srgbClr val="FC788E"/>
+                </a:solidFill>
+                <a:latin typeface="Fira Code" panose="020B0809050000020004" pitchFamily="49" charset="0"/>
+              </a:rPr>
+              <a:t>context</a:t>
+            </a:r>
+            <a:r>
+              <a:rPr lang="en-US" altLang="ko-KR" sz="1400" dirty="0">
+                <a:solidFill>
+                  <a:srgbClr val="89DDFF"/>
+                </a:solidFill>
+                <a:latin typeface="Fira Code" panose="020B0809050000020004" pitchFamily="49" charset="0"/>
+              </a:rPr>
+              <a:t>:</a:t>
+            </a:r>
+            <a:r>
+              <a:rPr lang="en-US" altLang="ko-KR" sz="1400" dirty="0">
+                <a:solidFill>
+                  <a:srgbClr val="EEFFFF"/>
+                </a:solidFill>
+                <a:latin typeface="Fira Code" panose="020B0809050000020004" pitchFamily="49" charset="0"/>
+              </a:rPr>
+              <a:t> </a:t>
+            </a:r>
+            <a:r>
+              <a:rPr lang="en-US" altLang="ko-KR" sz="1400" dirty="0" err="1">
+                <a:solidFill>
+                  <a:srgbClr val="B2CCD6"/>
+                </a:solidFill>
+                <a:latin typeface="Fira Code" panose="020B0809050000020004" pitchFamily="49" charset="0"/>
+              </a:rPr>
+              <a:t>dict</a:t>
+            </a:r>
+            <a:r>
+              <a:rPr lang="en-US" altLang="ko-KR" sz="1400" dirty="0">
+                <a:solidFill>
+                  <a:srgbClr val="89DDFF"/>
+                </a:solidFill>
+                <a:latin typeface="Fira Code" panose="020B0809050000020004" pitchFamily="49" charset="0"/>
+              </a:rPr>
+              <a:t>):</a:t>
+            </a:r>
+            <a:endParaRPr lang="en-US" altLang="ko-KR" sz="1400" dirty="0">
+              <a:solidFill>
+                <a:srgbClr val="EEFFFF"/>
+              </a:solidFill>
+              <a:latin typeface="Fira Code" panose="020B0809050000020004" pitchFamily="49" charset="0"/>
+            </a:endParaRPr>
+          </a:p>
+          <a:p>
+            <a:pPr marL="0" indent="0">
+              <a:buNone/>
+            </a:pPr>
+            <a:r>
+              <a:rPr lang="en-US" altLang="ko-KR" sz="1400" dirty="0">
+                <a:solidFill>
+                  <a:srgbClr val="EEFFFF"/>
+                </a:solidFill>
+                <a:latin typeface="Fira Code" panose="020B0809050000020004" pitchFamily="49" charset="0"/>
+              </a:rPr>
+              <a:t>  </a:t>
+            </a:r>
+            <a:r>
+              <a:rPr lang="en-US" altLang="ko-KR" sz="1400" dirty="0">
+                <a:solidFill>
+                  <a:srgbClr val="89DDFF"/>
+                </a:solidFill>
+                <a:latin typeface="Fira Code" panose="020B0809050000020004" pitchFamily="49" charset="0"/>
+              </a:rPr>
+              <a:t>if</a:t>
+            </a:r>
+            <a:r>
+              <a:rPr lang="en-US" altLang="ko-KR" sz="1400" dirty="0">
+                <a:solidFill>
+                  <a:srgbClr val="EEFFFF"/>
+                </a:solidFill>
+                <a:latin typeface="Fira Code" panose="020B0809050000020004" pitchFamily="49" charset="0"/>
+              </a:rPr>
+              <a:t> </a:t>
+            </a:r>
+            <a:r>
+              <a:rPr lang="en-US" altLang="ko-KR" sz="1400" dirty="0" err="1">
+                <a:solidFill>
+                  <a:srgbClr val="82AAFF"/>
+                </a:solidFill>
+                <a:latin typeface="Fira Code" panose="020B0809050000020004" pitchFamily="49" charset="0"/>
+              </a:rPr>
+              <a:t>isinstance</a:t>
+            </a:r>
+            <a:r>
+              <a:rPr lang="en-US" altLang="ko-KR" sz="1400" dirty="0">
+                <a:solidFill>
+                  <a:srgbClr val="89DDFF"/>
+                </a:solidFill>
+                <a:latin typeface="Fira Code" panose="020B0809050000020004" pitchFamily="49" charset="0"/>
+              </a:rPr>
+              <a:t>(</a:t>
+            </a:r>
+            <a:r>
+              <a:rPr lang="en-US" altLang="ko-KR" sz="1400" dirty="0">
+                <a:solidFill>
+                  <a:srgbClr val="EEFFFF"/>
+                </a:solidFill>
+                <a:latin typeface="Fira Code" panose="020B0809050000020004" pitchFamily="49" charset="0"/>
+              </a:rPr>
+              <a:t>node</a:t>
+            </a:r>
+            <a:r>
+              <a:rPr lang="en-US" altLang="ko-KR" sz="1400" dirty="0">
+                <a:solidFill>
+                  <a:srgbClr val="89DDFF"/>
+                </a:solidFill>
+                <a:latin typeface="Fira Code" panose="020B0809050000020004" pitchFamily="49" charset="0"/>
+              </a:rPr>
+              <a:t>,</a:t>
+            </a:r>
+            <a:r>
+              <a:rPr lang="en-US" altLang="ko-KR" sz="1400" dirty="0">
+                <a:solidFill>
+                  <a:srgbClr val="EEFFFF"/>
+                </a:solidFill>
+                <a:latin typeface="Fira Code" panose="020B0809050000020004" pitchFamily="49" charset="0"/>
+              </a:rPr>
+              <a:t> Number</a:t>
+            </a:r>
+            <a:r>
+              <a:rPr lang="en-US" altLang="ko-KR" sz="1400" dirty="0">
+                <a:solidFill>
+                  <a:srgbClr val="89DDFF"/>
+                </a:solidFill>
+                <a:latin typeface="Fira Code" panose="020B0809050000020004" pitchFamily="49" charset="0"/>
+              </a:rPr>
+              <a:t>):</a:t>
+            </a:r>
+            <a:endParaRPr lang="en-US" altLang="ko-KR" sz="1400" dirty="0">
+              <a:solidFill>
+                <a:srgbClr val="EEFFFF"/>
+              </a:solidFill>
+              <a:latin typeface="Fira Code" panose="020B0809050000020004" pitchFamily="49" charset="0"/>
+            </a:endParaRPr>
+          </a:p>
+          <a:p>
+            <a:pPr marL="0" indent="0">
+              <a:buNone/>
+            </a:pPr>
+            <a:r>
+              <a:rPr lang="en-US" altLang="ko-KR" sz="1400" dirty="0">
+                <a:solidFill>
+                  <a:srgbClr val="EEFFFF"/>
+                </a:solidFill>
+                <a:latin typeface="Fira Code" panose="020B0809050000020004" pitchFamily="49" charset="0"/>
+              </a:rPr>
+              <a:t>    </a:t>
+            </a:r>
+            <a:r>
+              <a:rPr lang="en-US" altLang="ko-KR" sz="1400" dirty="0">
+                <a:solidFill>
+                  <a:srgbClr val="89DDFF"/>
+                </a:solidFill>
+                <a:latin typeface="Fira Code" panose="020B0809050000020004" pitchFamily="49" charset="0"/>
+              </a:rPr>
+              <a:t>return</a:t>
+            </a:r>
+            <a:r>
+              <a:rPr lang="en-US" altLang="ko-KR" sz="1400" dirty="0">
+                <a:solidFill>
+                  <a:srgbClr val="EEFFFF"/>
+                </a:solidFill>
+                <a:latin typeface="Fira Code" panose="020B0809050000020004" pitchFamily="49" charset="0"/>
+              </a:rPr>
+              <a:t> </a:t>
+            </a:r>
+            <a:r>
+              <a:rPr lang="en-US" altLang="ko-KR" sz="1400" dirty="0" err="1">
+                <a:solidFill>
+                  <a:srgbClr val="EEFFFF"/>
+                </a:solidFill>
+                <a:latin typeface="Fira Code" panose="020B0809050000020004" pitchFamily="49" charset="0"/>
+              </a:rPr>
+              <a:t>node</a:t>
+            </a:r>
+            <a:r>
+              <a:rPr lang="en-US" altLang="ko-KR" sz="1400" dirty="0" err="1">
+                <a:solidFill>
+                  <a:srgbClr val="89DDFF"/>
+                </a:solidFill>
+                <a:latin typeface="Fira Code" panose="020B0809050000020004" pitchFamily="49" charset="0"/>
+              </a:rPr>
+              <a:t>.</a:t>
+            </a:r>
+            <a:r>
+              <a:rPr lang="en-US" altLang="ko-KR" sz="1400" dirty="0" err="1">
+                <a:solidFill>
+                  <a:srgbClr val="EEFFFF"/>
+                </a:solidFill>
+                <a:latin typeface="Fira Code" panose="020B0809050000020004" pitchFamily="49" charset="0"/>
+              </a:rPr>
+              <a:t>number</a:t>
+            </a:r>
+            <a:endParaRPr lang="en-US" altLang="ko-KR" sz="1400" dirty="0">
+              <a:solidFill>
+                <a:srgbClr val="EEFFFF"/>
+              </a:solidFill>
+              <a:latin typeface="Fira Code" panose="020B0809050000020004" pitchFamily="49" charset="0"/>
+            </a:endParaRPr>
+          </a:p>
+          <a:p>
+            <a:pPr marL="0" indent="0">
+              <a:buNone/>
+            </a:pPr>
+            <a:r>
+              <a:rPr lang="en-US" altLang="ko-KR" sz="1400" dirty="0">
+                <a:solidFill>
+                  <a:srgbClr val="EEFFFF"/>
+                </a:solidFill>
+                <a:latin typeface="Fira Code" panose="020B0809050000020004" pitchFamily="49" charset="0"/>
+              </a:rPr>
+              <a:t/>
+            </a:r>
+            <a:br>
+              <a:rPr lang="en-US" altLang="ko-KR" sz="1400" dirty="0">
+                <a:solidFill>
+                  <a:srgbClr val="EEFFFF"/>
+                </a:solidFill>
+                <a:latin typeface="Fira Code" panose="020B0809050000020004" pitchFamily="49" charset="0"/>
+              </a:rPr>
+            </a:br>
+            <a:r>
+              <a:rPr lang="en-US" altLang="ko-KR" sz="1400" dirty="0">
+                <a:solidFill>
+                  <a:srgbClr val="EEFFFF"/>
+                </a:solidFill>
+                <a:latin typeface="Fira Code" panose="020B0809050000020004" pitchFamily="49" charset="0"/>
+              </a:rPr>
+              <a:t>  </a:t>
+            </a:r>
+            <a:r>
+              <a:rPr lang="en-US" altLang="ko-KR" sz="1400" dirty="0" err="1">
+                <a:solidFill>
+                  <a:srgbClr val="89DDFF"/>
+                </a:solidFill>
+                <a:latin typeface="Fira Code" panose="020B0809050000020004" pitchFamily="49" charset="0"/>
+              </a:rPr>
+              <a:t>elif</a:t>
+            </a:r>
+            <a:r>
+              <a:rPr lang="en-US" altLang="ko-KR" sz="1400" dirty="0">
+                <a:solidFill>
+                  <a:srgbClr val="EEFFFF"/>
+                </a:solidFill>
+                <a:latin typeface="Fira Code" panose="020B0809050000020004" pitchFamily="49" charset="0"/>
+              </a:rPr>
+              <a:t> </a:t>
+            </a:r>
+            <a:r>
+              <a:rPr lang="en-US" altLang="ko-KR" sz="1400" dirty="0" err="1">
+                <a:solidFill>
+                  <a:srgbClr val="82AAFF"/>
+                </a:solidFill>
+                <a:latin typeface="Fira Code" panose="020B0809050000020004" pitchFamily="49" charset="0"/>
+              </a:rPr>
+              <a:t>isinstance</a:t>
+            </a:r>
+            <a:r>
+              <a:rPr lang="en-US" altLang="ko-KR" sz="1400" dirty="0">
+                <a:solidFill>
+                  <a:srgbClr val="89DDFF"/>
+                </a:solidFill>
+                <a:latin typeface="Fira Code" panose="020B0809050000020004" pitchFamily="49" charset="0"/>
+              </a:rPr>
+              <a:t>(</a:t>
+            </a:r>
+            <a:r>
+              <a:rPr lang="en-US" altLang="ko-KR" sz="1400" dirty="0">
+                <a:solidFill>
+                  <a:srgbClr val="EEFFFF"/>
+                </a:solidFill>
+                <a:latin typeface="Fira Code" panose="020B0809050000020004" pitchFamily="49" charset="0"/>
+              </a:rPr>
+              <a:t>node</a:t>
+            </a:r>
+            <a:r>
+              <a:rPr lang="en-US" altLang="ko-KR" sz="1400" dirty="0">
+                <a:solidFill>
+                  <a:srgbClr val="89DDFF"/>
+                </a:solidFill>
+                <a:latin typeface="Fira Code" panose="020B0809050000020004" pitchFamily="49" charset="0"/>
+              </a:rPr>
+              <a:t>,</a:t>
+            </a:r>
+            <a:r>
+              <a:rPr lang="en-US" altLang="ko-KR" sz="1400" dirty="0">
+                <a:solidFill>
+                  <a:srgbClr val="EEFFFF"/>
+                </a:solidFill>
+                <a:latin typeface="Fira Code" panose="020B0809050000020004" pitchFamily="49" charset="0"/>
+              </a:rPr>
+              <a:t> </a:t>
+            </a:r>
+            <a:r>
+              <a:rPr lang="en-US" altLang="ko-KR" sz="1400" dirty="0" err="1">
+                <a:solidFill>
+                  <a:srgbClr val="EEFFFF"/>
+                </a:solidFill>
+                <a:latin typeface="Fira Code" panose="020B0809050000020004" pitchFamily="49" charset="0"/>
+              </a:rPr>
+              <a:t>BinaryOperator</a:t>
+            </a:r>
+            <a:r>
+              <a:rPr lang="en-US" altLang="ko-KR" sz="1400" dirty="0">
+                <a:solidFill>
+                  <a:srgbClr val="89DDFF"/>
+                </a:solidFill>
+                <a:latin typeface="Fira Code" panose="020B0809050000020004" pitchFamily="49" charset="0"/>
+              </a:rPr>
+              <a:t>):</a:t>
+            </a:r>
+            <a:endParaRPr lang="en-US" altLang="ko-KR" sz="1400" dirty="0">
+              <a:solidFill>
+                <a:srgbClr val="EEFFFF"/>
+              </a:solidFill>
+              <a:latin typeface="Fira Code" panose="020B0809050000020004" pitchFamily="49" charset="0"/>
+            </a:endParaRPr>
+          </a:p>
+          <a:p>
+            <a:pPr marL="0" indent="0">
+              <a:buNone/>
+            </a:pPr>
+            <a:r>
+              <a:rPr lang="en-US" altLang="ko-KR" sz="1400" dirty="0">
+                <a:solidFill>
+                  <a:srgbClr val="EEFFFF"/>
+                </a:solidFill>
+                <a:latin typeface="Fira Code" panose="020B0809050000020004" pitchFamily="49" charset="0"/>
+              </a:rPr>
+              <a:t>    left </a:t>
+            </a:r>
+            <a:r>
+              <a:rPr lang="en-US" altLang="ko-KR" sz="1400" dirty="0">
+                <a:solidFill>
+                  <a:srgbClr val="C792EA"/>
+                </a:solidFill>
+                <a:latin typeface="Fira Code" panose="020B0809050000020004" pitchFamily="49" charset="0"/>
+              </a:rPr>
+              <a:t>=</a:t>
+            </a:r>
+            <a:r>
+              <a:rPr lang="en-US" altLang="ko-KR" sz="1400" dirty="0">
+                <a:solidFill>
+                  <a:srgbClr val="EEFFFF"/>
+                </a:solidFill>
+                <a:latin typeface="Fira Code" panose="020B0809050000020004" pitchFamily="49" charset="0"/>
+              </a:rPr>
+              <a:t> interpret</a:t>
+            </a:r>
+            <a:r>
+              <a:rPr lang="en-US" altLang="ko-KR" sz="1400" dirty="0">
+                <a:solidFill>
+                  <a:srgbClr val="89DDFF"/>
+                </a:solidFill>
+                <a:latin typeface="Fira Code" panose="020B0809050000020004" pitchFamily="49" charset="0"/>
+              </a:rPr>
+              <a:t>(</a:t>
+            </a:r>
+            <a:r>
+              <a:rPr lang="en-US" altLang="ko-KR" sz="1400" dirty="0" err="1">
+                <a:solidFill>
+                  <a:srgbClr val="EEFFFF"/>
+                </a:solidFill>
+                <a:latin typeface="Fira Code" panose="020B0809050000020004" pitchFamily="49" charset="0"/>
+              </a:rPr>
+              <a:t>node</a:t>
+            </a:r>
+            <a:r>
+              <a:rPr lang="en-US" altLang="ko-KR" sz="1400" dirty="0" err="1">
+                <a:solidFill>
+                  <a:srgbClr val="89DDFF"/>
+                </a:solidFill>
+                <a:latin typeface="Fira Code" panose="020B0809050000020004" pitchFamily="49" charset="0"/>
+              </a:rPr>
+              <a:t>.</a:t>
+            </a:r>
+            <a:r>
+              <a:rPr lang="en-US" altLang="ko-KR" sz="1400" dirty="0" err="1">
+                <a:solidFill>
+                  <a:srgbClr val="EEFFFF"/>
+                </a:solidFill>
+                <a:latin typeface="Fira Code" panose="020B0809050000020004" pitchFamily="49" charset="0"/>
+              </a:rPr>
+              <a:t>left</a:t>
+            </a:r>
+            <a:r>
+              <a:rPr lang="en-US" altLang="ko-KR" sz="1400" dirty="0">
+                <a:solidFill>
+                  <a:srgbClr val="89DDFF"/>
+                </a:solidFill>
+                <a:latin typeface="Fira Code" panose="020B0809050000020004" pitchFamily="49" charset="0"/>
+              </a:rPr>
+              <a:t>,</a:t>
+            </a:r>
+            <a:r>
+              <a:rPr lang="en-US" altLang="ko-KR" sz="1400" dirty="0">
+                <a:solidFill>
+                  <a:srgbClr val="EEFFFF"/>
+                </a:solidFill>
+                <a:latin typeface="Fira Code" panose="020B0809050000020004" pitchFamily="49" charset="0"/>
+              </a:rPr>
+              <a:t> context</a:t>
+            </a:r>
+            <a:r>
+              <a:rPr lang="en-US" altLang="ko-KR" sz="1400" dirty="0">
+                <a:solidFill>
+                  <a:srgbClr val="89DDFF"/>
+                </a:solidFill>
+                <a:latin typeface="Fira Code" panose="020B0809050000020004" pitchFamily="49" charset="0"/>
+              </a:rPr>
+              <a:t>)</a:t>
+            </a:r>
+            <a:endParaRPr lang="en-US" altLang="ko-KR" sz="1400" dirty="0">
+              <a:solidFill>
+                <a:srgbClr val="EEFFFF"/>
+              </a:solidFill>
+              <a:latin typeface="Fira Code" panose="020B0809050000020004" pitchFamily="49" charset="0"/>
+            </a:endParaRPr>
+          </a:p>
+          <a:p>
+            <a:pPr marL="0" indent="0">
+              <a:buNone/>
+            </a:pPr>
+            <a:r>
+              <a:rPr lang="en-US" altLang="ko-KR" sz="1400" dirty="0">
+                <a:solidFill>
+                  <a:srgbClr val="EEFFFF"/>
+                </a:solidFill>
+                <a:latin typeface="Fira Code" panose="020B0809050000020004" pitchFamily="49" charset="0"/>
+              </a:rPr>
+              <a:t>    right </a:t>
+            </a:r>
+            <a:r>
+              <a:rPr lang="en-US" altLang="ko-KR" sz="1400" dirty="0">
+                <a:solidFill>
+                  <a:srgbClr val="C792EA"/>
+                </a:solidFill>
+                <a:latin typeface="Fira Code" panose="020B0809050000020004" pitchFamily="49" charset="0"/>
+              </a:rPr>
+              <a:t>=</a:t>
+            </a:r>
+            <a:r>
+              <a:rPr lang="en-US" altLang="ko-KR" sz="1400" dirty="0">
+                <a:solidFill>
+                  <a:srgbClr val="EEFFFF"/>
+                </a:solidFill>
+                <a:latin typeface="Fira Code" panose="020B0809050000020004" pitchFamily="49" charset="0"/>
+              </a:rPr>
+              <a:t> interpret</a:t>
+            </a:r>
+            <a:r>
+              <a:rPr lang="en-US" altLang="ko-KR" sz="1400" dirty="0">
+                <a:solidFill>
+                  <a:srgbClr val="89DDFF"/>
+                </a:solidFill>
+                <a:latin typeface="Fira Code" panose="020B0809050000020004" pitchFamily="49" charset="0"/>
+              </a:rPr>
+              <a:t>(</a:t>
+            </a:r>
+            <a:r>
+              <a:rPr lang="en-US" altLang="ko-KR" sz="1400" dirty="0" err="1">
+                <a:solidFill>
+                  <a:srgbClr val="EEFFFF"/>
+                </a:solidFill>
+                <a:latin typeface="Fira Code" panose="020B0809050000020004" pitchFamily="49" charset="0"/>
+              </a:rPr>
+              <a:t>node</a:t>
+            </a:r>
+            <a:r>
+              <a:rPr lang="en-US" altLang="ko-KR" sz="1400" dirty="0" err="1">
+                <a:solidFill>
+                  <a:srgbClr val="89DDFF"/>
+                </a:solidFill>
+                <a:latin typeface="Fira Code" panose="020B0809050000020004" pitchFamily="49" charset="0"/>
+              </a:rPr>
+              <a:t>.</a:t>
+            </a:r>
+            <a:r>
+              <a:rPr lang="en-US" altLang="ko-KR" sz="1400" dirty="0" err="1">
+                <a:solidFill>
+                  <a:srgbClr val="EEFFFF"/>
+                </a:solidFill>
+                <a:latin typeface="Fira Code" panose="020B0809050000020004" pitchFamily="49" charset="0"/>
+              </a:rPr>
+              <a:t>right</a:t>
+            </a:r>
+            <a:r>
+              <a:rPr lang="en-US" altLang="ko-KR" sz="1400" dirty="0">
+                <a:solidFill>
+                  <a:srgbClr val="89DDFF"/>
+                </a:solidFill>
+                <a:latin typeface="Fira Code" panose="020B0809050000020004" pitchFamily="49" charset="0"/>
+              </a:rPr>
+              <a:t>,</a:t>
+            </a:r>
+            <a:r>
+              <a:rPr lang="en-US" altLang="ko-KR" sz="1400" dirty="0">
+                <a:solidFill>
+                  <a:srgbClr val="EEFFFF"/>
+                </a:solidFill>
+                <a:latin typeface="Fira Code" panose="020B0809050000020004" pitchFamily="49" charset="0"/>
+              </a:rPr>
+              <a:t> context</a:t>
+            </a:r>
+            <a:r>
+              <a:rPr lang="en-US" altLang="ko-KR" sz="1400" dirty="0">
+                <a:solidFill>
+                  <a:srgbClr val="89DDFF"/>
+                </a:solidFill>
+                <a:latin typeface="Fira Code" panose="020B0809050000020004" pitchFamily="49" charset="0"/>
+              </a:rPr>
+              <a:t>)</a:t>
+            </a:r>
+            <a:endParaRPr lang="en-US" altLang="ko-KR" sz="1400" dirty="0">
+              <a:solidFill>
+                <a:srgbClr val="EEFFFF"/>
+              </a:solidFill>
+              <a:latin typeface="Fira Code" panose="020B0809050000020004" pitchFamily="49" charset="0"/>
+            </a:endParaRPr>
+          </a:p>
+          <a:p>
+            <a:pPr marL="0" indent="0">
+              <a:buNone/>
+            </a:pPr>
+            <a:r>
+              <a:rPr lang="en-US" altLang="ko-KR" sz="1400" dirty="0">
+                <a:solidFill>
+                  <a:srgbClr val="EEFFFF"/>
+                </a:solidFill>
+                <a:latin typeface="Fira Code" panose="020B0809050000020004" pitchFamily="49" charset="0"/>
+              </a:rPr>
+              <a:t>    operator </a:t>
+            </a:r>
+            <a:r>
+              <a:rPr lang="en-US" altLang="ko-KR" sz="1400" dirty="0">
+                <a:solidFill>
+                  <a:srgbClr val="C792EA"/>
+                </a:solidFill>
+                <a:latin typeface="Fira Code" panose="020B0809050000020004" pitchFamily="49" charset="0"/>
+              </a:rPr>
+              <a:t>=</a:t>
+            </a:r>
+            <a:r>
+              <a:rPr lang="en-US" altLang="ko-KR" sz="1400" dirty="0">
+                <a:solidFill>
+                  <a:srgbClr val="EEFFFF"/>
+                </a:solidFill>
+                <a:latin typeface="Fira Code" panose="020B0809050000020004" pitchFamily="49" charset="0"/>
+              </a:rPr>
+              <a:t> </a:t>
+            </a:r>
+            <a:r>
+              <a:rPr lang="en-US" altLang="ko-KR" sz="1400" dirty="0" err="1">
+                <a:solidFill>
+                  <a:srgbClr val="EEFFFF"/>
+                </a:solidFill>
+                <a:latin typeface="Fira Code" panose="020B0809050000020004" pitchFamily="49" charset="0"/>
+              </a:rPr>
+              <a:t>node</a:t>
+            </a:r>
+            <a:r>
+              <a:rPr lang="en-US" altLang="ko-KR" sz="1400" dirty="0" err="1">
+                <a:solidFill>
+                  <a:srgbClr val="89DDFF"/>
+                </a:solidFill>
+                <a:latin typeface="Fira Code" panose="020B0809050000020004" pitchFamily="49" charset="0"/>
+              </a:rPr>
+              <a:t>.</a:t>
+            </a:r>
+            <a:r>
+              <a:rPr lang="en-US" altLang="ko-KR" sz="1400" dirty="0" err="1">
+                <a:solidFill>
+                  <a:srgbClr val="EEFFFF"/>
+                </a:solidFill>
+                <a:latin typeface="Fira Code" panose="020B0809050000020004" pitchFamily="49" charset="0"/>
+              </a:rPr>
+              <a:t>operator</a:t>
+            </a:r>
+            <a:endParaRPr lang="en-US" altLang="ko-KR" sz="1400" dirty="0">
+              <a:solidFill>
+                <a:srgbClr val="EEFFFF"/>
+              </a:solidFill>
+              <a:latin typeface="Fira Code" panose="020B0809050000020004" pitchFamily="49" charset="0"/>
+            </a:endParaRPr>
+          </a:p>
+          <a:p>
+            <a:pPr marL="0" indent="0">
+              <a:buNone/>
+            </a:pPr>
+            <a:r>
+              <a:rPr lang="en-US" altLang="ko-KR" sz="1400" dirty="0">
+                <a:solidFill>
+                  <a:srgbClr val="EEFFFF"/>
+                </a:solidFill>
+                <a:latin typeface="Fira Code" panose="020B0809050000020004" pitchFamily="49" charset="0"/>
+              </a:rPr>
+              <a:t/>
+            </a:r>
+            <a:br>
+              <a:rPr lang="en-US" altLang="ko-KR" sz="1400" dirty="0">
+                <a:solidFill>
+                  <a:srgbClr val="EEFFFF"/>
+                </a:solidFill>
+                <a:latin typeface="Fira Code" panose="020B0809050000020004" pitchFamily="49" charset="0"/>
+              </a:rPr>
+            </a:br>
+            <a:r>
+              <a:rPr lang="en-US" altLang="ko-KR" sz="1400" dirty="0">
+                <a:solidFill>
+                  <a:srgbClr val="EEFFFF"/>
+                </a:solidFill>
+                <a:latin typeface="Fira Code" panose="020B0809050000020004" pitchFamily="49" charset="0"/>
+              </a:rPr>
+              <a:t>    </a:t>
+            </a:r>
+            <a:r>
+              <a:rPr lang="en-US" altLang="ko-KR" sz="1400" dirty="0">
+                <a:solidFill>
+                  <a:srgbClr val="89DDFF"/>
+                </a:solidFill>
+                <a:latin typeface="Fira Code" panose="020B0809050000020004" pitchFamily="49" charset="0"/>
+              </a:rPr>
+              <a:t>if</a:t>
+            </a:r>
+            <a:r>
+              <a:rPr lang="en-US" altLang="ko-KR" sz="1400" dirty="0">
+                <a:solidFill>
+                  <a:srgbClr val="EEFFFF"/>
+                </a:solidFill>
+                <a:latin typeface="Fira Code" panose="020B0809050000020004" pitchFamily="49" charset="0"/>
+              </a:rPr>
+              <a:t> operator </a:t>
+            </a:r>
+            <a:r>
+              <a:rPr lang="en-US" altLang="ko-KR" sz="1400" dirty="0">
+                <a:solidFill>
+                  <a:srgbClr val="C792EA"/>
+                </a:solidFill>
+                <a:latin typeface="Fira Code" panose="020B0809050000020004" pitchFamily="49" charset="0"/>
+              </a:rPr>
+              <a:t>==</a:t>
+            </a:r>
+            <a:r>
+              <a:rPr lang="en-US" altLang="ko-KR" sz="1400" dirty="0">
+                <a:solidFill>
+                  <a:srgbClr val="EEFFFF"/>
+                </a:solidFill>
+                <a:latin typeface="Fira Code" panose="020B0809050000020004" pitchFamily="49" charset="0"/>
+              </a:rPr>
+              <a:t> </a:t>
+            </a:r>
+            <a:r>
+              <a:rPr lang="en-US" altLang="ko-KR" sz="1400" dirty="0">
+                <a:solidFill>
+                  <a:srgbClr val="89DDFF"/>
+                </a:solidFill>
+                <a:latin typeface="Fira Code" panose="020B0809050000020004" pitchFamily="49" charset="0"/>
+              </a:rPr>
+              <a:t>'</a:t>
+            </a:r>
+            <a:r>
+              <a:rPr lang="en-US" altLang="ko-KR" sz="1400" dirty="0">
+                <a:solidFill>
+                  <a:srgbClr val="C3E88D"/>
+                </a:solidFill>
+                <a:latin typeface="Fira Code" panose="020B0809050000020004" pitchFamily="49" charset="0"/>
+              </a:rPr>
+              <a:t>+</a:t>
+            </a:r>
+            <a:r>
+              <a:rPr lang="en-US" altLang="ko-KR" sz="1400" dirty="0">
+                <a:solidFill>
+                  <a:srgbClr val="89DDFF"/>
+                </a:solidFill>
+                <a:latin typeface="Fira Code" panose="020B0809050000020004" pitchFamily="49" charset="0"/>
+              </a:rPr>
+              <a:t>':</a:t>
+            </a:r>
+            <a:endParaRPr lang="en-US" altLang="ko-KR" sz="1400" dirty="0">
+              <a:solidFill>
+                <a:srgbClr val="EEFFFF"/>
+              </a:solidFill>
+              <a:latin typeface="Fira Code" panose="020B0809050000020004" pitchFamily="49" charset="0"/>
+            </a:endParaRPr>
+          </a:p>
+          <a:p>
+            <a:pPr marL="0" indent="0">
+              <a:buNone/>
+            </a:pPr>
+            <a:r>
+              <a:rPr lang="en-US" altLang="ko-KR" sz="1400" dirty="0">
+                <a:solidFill>
+                  <a:srgbClr val="EEFFFF"/>
+                </a:solidFill>
+                <a:latin typeface="Fira Code" panose="020B0809050000020004" pitchFamily="49" charset="0"/>
+              </a:rPr>
+              <a:t>      </a:t>
+            </a:r>
+            <a:r>
+              <a:rPr lang="en-US" altLang="ko-KR" sz="1400" dirty="0">
+                <a:solidFill>
+                  <a:srgbClr val="89DDFF"/>
+                </a:solidFill>
+                <a:latin typeface="Fira Code" panose="020B0809050000020004" pitchFamily="49" charset="0"/>
+              </a:rPr>
+              <a:t>return</a:t>
+            </a:r>
+            <a:r>
+              <a:rPr lang="en-US" altLang="ko-KR" sz="1400" dirty="0">
+                <a:solidFill>
+                  <a:srgbClr val="EEFFFF"/>
+                </a:solidFill>
+                <a:latin typeface="Fira Code" panose="020B0809050000020004" pitchFamily="49" charset="0"/>
+              </a:rPr>
+              <a:t> left </a:t>
+            </a:r>
+            <a:r>
+              <a:rPr lang="en-US" altLang="ko-KR" sz="1400" dirty="0">
+                <a:solidFill>
+                  <a:srgbClr val="C792EA"/>
+                </a:solidFill>
+                <a:latin typeface="Fira Code" panose="020B0809050000020004" pitchFamily="49" charset="0"/>
+              </a:rPr>
+              <a:t>+</a:t>
+            </a:r>
+            <a:r>
+              <a:rPr lang="en-US" altLang="ko-KR" sz="1400" dirty="0">
+                <a:solidFill>
+                  <a:srgbClr val="EEFFFF"/>
+                </a:solidFill>
+                <a:latin typeface="Fira Code" panose="020B0809050000020004" pitchFamily="49" charset="0"/>
+              </a:rPr>
+              <a:t> right</a:t>
+            </a:r>
+          </a:p>
+          <a:p>
+            <a:pPr marL="0" indent="0">
+              <a:buNone/>
+            </a:pPr>
+            <a:r>
+              <a:rPr lang="en-US" altLang="ko-KR" sz="1400" dirty="0">
+                <a:solidFill>
+                  <a:srgbClr val="EEFFFF"/>
+                </a:solidFill>
+                <a:latin typeface="Fira Code" panose="020B0809050000020004" pitchFamily="49" charset="0"/>
+              </a:rPr>
+              <a:t>    </a:t>
+            </a:r>
+            <a:r>
+              <a:rPr lang="en-US" altLang="ko-KR" sz="1400" dirty="0" err="1">
+                <a:solidFill>
+                  <a:srgbClr val="89DDFF"/>
+                </a:solidFill>
+                <a:latin typeface="Fira Code" panose="020B0809050000020004" pitchFamily="49" charset="0"/>
+              </a:rPr>
+              <a:t>elif</a:t>
+            </a:r>
+            <a:r>
+              <a:rPr lang="en-US" altLang="ko-KR" sz="1400" dirty="0">
+                <a:solidFill>
+                  <a:srgbClr val="EEFFFF"/>
+                </a:solidFill>
+                <a:latin typeface="Fira Code" panose="020B0809050000020004" pitchFamily="49" charset="0"/>
+              </a:rPr>
+              <a:t> operator </a:t>
+            </a:r>
+            <a:r>
+              <a:rPr lang="en-US" altLang="ko-KR" sz="1400" dirty="0">
+                <a:solidFill>
+                  <a:srgbClr val="C792EA"/>
+                </a:solidFill>
+                <a:latin typeface="Fira Code" panose="020B0809050000020004" pitchFamily="49" charset="0"/>
+              </a:rPr>
+              <a:t>==</a:t>
+            </a:r>
+            <a:r>
+              <a:rPr lang="en-US" altLang="ko-KR" sz="1400" dirty="0">
+                <a:solidFill>
+                  <a:srgbClr val="EEFFFF"/>
+                </a:solidFill>
+                <a:latin typeface="Fira Code" panose="020B0809050000020004" pitchFamily="49" charset="0"/>
+              </a:rPr>
+              <a:t> </a:t>
+            </a:r>
+            <a:r>
+              <a:rPr lang="en-US" altLang="ko-KR" sz="1400" dirty="0">
+                <a:solidFill>
+                  <a:srgbClr val="89DDFF"/>
+                </a:solidFill>
+                <a:latin typeface="Fira Code" panose="020B0809050000020004" pitchFamily="49" charset="0"/>
+              </a:rPr>
+              <a:t>'</a:t>
+            </a:r>
+            <a:r>
+              <a:rPr lang="en-US" altLang="ko-KR" sz="1400" dirty="0">
+                <a:solidFill>
+                  <a:srgbClr val="C3E88D"/>
+                </a:solidFill>
+                <a:latin typeface="Fira Code" panose="020B0809050000020004" pitchFamily="49" charset="0"/>
+              </a:rPr>
+              <a:t>-</a:t>
+            </a:r>
+            <a:r>
+              <a:rPr lang="en-US" altLang="ko-KR" sz="1400" dirty="0">
+                <a:solidFill>
+                  <a:srgbClr val="89DDFF"/>
+                </a:solidFill>
+                <a:latin typeface="Fira Code" panose="020B0809050000020004" pitchFamily="49" charset="0"/>
+              </a:rPr>
+              <a:t>':</a:t>
+            </a:r>
+            <a:endParaRPr lang="en-US" altLang="ko-KR" sz="1400" dirty="0">
+              <a:solidFill>
+                <a:srgbClr val="EEFFFF"/>
+              </a:solidFill>
+              <a:latin typeface="Fira Code" panose="020B0809050000020004" pitchFamily="49" charset="0"/>
+            </a:endParaRPr>
+          </a:p>
+          <a:p>
+            <a:pPr marL="0" indent="0">
+              <a:buNone/>
+            </a:pPr>
+            <a:r>
+              <a:rPr lang="en-US" altLang="ko-KR" sz="1400" dirty="0">
+                <a:solidFill>
+                  <a:srgbClr val="EEFFFF"/>
+                </a:solidFill>
+                <a:latin typeface="Fira Code" panose="020B0809050000020004" pitchFamily="49" charset="0"/>
+              </a:rPr>
+              <a:t>      </a:t>
+            </a:r>
+            <a:r>
+              <a:rPr lang="en-US" altLang="ko-KR" sz="1400" dirty="0">
+                <a:solidFill>
+                  <a:srgbClr val="89DDFF"/>
+                </a:solidFill>
+                <a:latin typeface="Fira Code" panose="020B0809050000020004" pitchFamily="49" charset="0"/>
+              </a:rPr>
+              <a:t>return</a:t>
+            </a:r>
+            <a:r>
+              <a:rPr lang="en-US" altLang="ko-KR" sz="1400" dirty="0">
+                <a:solidFill>
+                  <a:srgbClr val="EEFFFF"/>
+                </a:solidFill>
+                <a:latin typeface="Fira Code" panose="020B0809050000020004" pitchFamily="49" charset="0"/>
+              </a:rPr>
+              <a:t> left </a:t>
+            </a:r>
+            <a:r>
+              <a:rPr lang="en-US" altLang="ko-KR" sz="1400" dirty="0">
+                <a:solidFill>
+                  <a:srgbClr val="C792EA"/>
+                </a:solidFill>
+                <a:latin typeface="Fira Code" panose="020B0809050000020004" pitchFamily="49" charset="0"/>
+              </a:rPr>
+              <a:t>-</a:t>
+            </a:r>
+            <a:r>
+              <a:rPr lang="en-US" altLang="ko-KR" sz="1400" dirty="0">
+                <a:solidFill>
+                  <a:srgbClr val="EEFFFF"/>
+                </a:solidFill>
+                <a:latin typeface="Fira Code" panose="020B0809050000020004" pitchFamily="49" charset="0"/>
+              </a:rPr>
+              <a:t> right</a:t>
+            </a:r>
+          </a:p>
+          <a:p>
+            <a:pPr marL="0" indent="0">
+              <a:buNone/>
+            </a:pPr>
+            <a:r>
+              <a:rPr lang="en-US" altLang="ko-KR" sz="1400" dirty="0">
+                <a:solidFill>
+                  <a:srgbClr val="EEFFFF"/>
+                </a:solidFill>
+                <a:latin typeface="Fira Code" panose="020B0809050000020004" pitchFamily="49" charset="0"/>
+              </a:rPr>
+              <a:t>    </a:t>
+            </a:r>
+            <a:r>
+              <a:rPr lang="en-US" altLang="ko-KR" sz="1400" dirty="0" err="1">
+                <a:solidFill>
+                  <a:srgbClr val="89DDFF"/>
+                </a:solidFill>
+                <a:latin typeface="Fira Code" panose="020B0809050000020004" pitchFamily="49" charset="0"/>
+              </a:rPr>
+              <a:t>elif</a:t>
+            </a:r>
+            <a:r>
+              <a:rPr lang="en-US" altLang="ko-KR" sz="1400" dirty="0">
+                <a:solidFill>
+                  <a:srgbClr val="EEFFFF"/>
+                </a:solidFill>
+                <a:latin typeface="Fira Code" panose="020B0809050000020004" pitchFamily="49" charset="0"/>
+              </a:rPr>
+              <a:t> operator </a:t>
+            </a:r>
+            <a:r>
+              <a:rPr lang="en-US" altLang="ko-KR" sz="1400" dirty="0">
+                <a:solidFill>
+                  <a:srgbClr val="C792EA"/>
+                </a:solidFill>
+                <a:latin typeface="Fira Code" panose="020B0809050000020004" pitchFamily="49" charset="0"/>
+              </a:rPr>
+              <a:t>==</a:t>
+            </a:r>
+            <a:r>
+              <a:rPr lang="en-US" altLang="ko-KR" sz="1400" dirty="0">
+                <a:solidFill>
+                  <a:srgbClr val="EEFFFF"/>
+                </a:solidFill>
+                <a:latin typeface="Fira Code" panose="020B0809050000020004" pitchFamily="49" charset="0"/>
+              </a:rPr>
+              <a:t> </a:t>
+            </a:r>
+            <a:r>
+              <a:rPr lang="en-US" altLang="ko-KR" sz="1400" dirty="0">
+                <a:solidFill>
+                  <a:srgbClr val="89DDFF"/>
+                </a:solidFill>
+                <a:latin typeface="Fira Code" panose="020B0809050000020004" pitchFamily="49" charset="0"/>
+              </a:rPr>
+              <a:t>'</a:t>
+            </a:r>
+            <a:r>
+              <a:rPr lang="en-US" altLang="ko-KR" sz="1400" dirty="0">
+                <a:solidFill>
+                  <a:srgbClr val="C3E88D"/>
+                </a:solidFill>
+                <a:latin typeface="Fira Code" panose="020B0809050000020004" pitchFamily="49" charset="0"/>
+              </a:rPr>
+              <a:t>*</a:t>
+            </a:r>
+            <a:r>
+              <a:rPr lang="en-US" altLang="ko-KR" sz="1400" dirty="0">
+                <a:solidFill>
+                  <a:srgbClr val="89DDFF"/>
+                </a:solidFill>
+                <a:latin typeface="Fira Code" panose="020B0809050000020004" pitchFamily="49" charset="0"/>
+              </a:rPr>
+              <a:t>':</a:t>
+            </a:r>
+            <a:endParaRPr lang="en-US" altLang="ko-KR" sz="1400" dirty="0">
+              <a:solidFill>
+                <a:srgbClr val="EEFFFF"/>
+              </a:solidFill>
+              <a:latin typeface="Fira Code" panose="020B0809050000020004" pitchFamily="49" charset="0"/>
+            </a:endParaRPr>
+          </a:p>
+          <a:p>
+            <a:pPr marL="0" indent="0">
+              <a:buNone/>
+            </a:pPr>
+            <a:r>
+              <a:rPr lang="en-US" altLang="ko-KR" sz="1400" dirty="0">
+                <a:solidFill>
+                  <a:srgbClr val="EEFFFF"/>
+                </a:solidFill>
+                <a:latin typeface="Fira Code" panose="020B0809050000020004" pitchFamily="49" charset="0"/>
+              </a:rPr>
+              <a:t>      </a:t>
+            </a:r>
+            <a:r>
+              <a:rPr lang="en-US" altLang="ko-KR" sz="1400" dirty="0">
+                <a:solidFill>
+                  <a:srgbClr val="89DDFF"/>
+                </a:solidFill>
+                <a:latin typeface="Fira Code" panose="020B0809050000020004" pitchFamily="49" charset="0"/>
+              </a:rPr>
+              <a:t>return</a:t>
+            </a:r>
+            <a:r>
+              <a:rPr lang="en-US" altLang="ko-KR" sz="1400" dirty="0">
+                <a:solidFill>
+                  <a:srgbClr val="EEFFFF"/>
+                </a:solidFill>
+                <a:latin typeface="Fira Code" panose="020B0809050000020004" pitchFamily="49" charset="0"/>
+              </a:rPr>
+              <a:t> left </a:t>
+            </a:r>
+            <a:r>
+              <a:rPr lang="en-US" altLang="ko-KR" sz="1400" dirty="0">
+                <a:solidFill>
+                  <a:srgbClr val="C792EA"/>
+                </a:solidFill>
+                <a:latin typeface="Fira Code" panose="020B0809050000020004" pitchFamily="49" charset="0"/>
+              </a:rPr>
+              <a:t>*</a:t>
+            </a:r>
+            <a:r>
+              <a:rPr lang="en-US" altLang="ko-KR" sz="1400" dirty="0">
+                <a:solidFill>
+                  <a:srgbClr val="EEFFFF"/>
+                </a:solidFill>
+                <a:latin typeface="Fira Code" panose="020B0809050000020004" pitchFamily="49" charset="0"/>
+              </a:rPr>
+              <a:t> right</a:t>
+            </a:r>
+          </a:p>
+          <a:p>
+            <a:pPr marL="0" indent="0">
+              <a:buNone/>
+            </a:pPr>
+            <a:r>
+              <a:rPr lang="en-US" altLang="ko-KR" sz="1400" dirty="0">
+                <a:solidFill>
+                  <a:srgbClr val="EEFFFF"/>
+                </a:solidFill>
+                <a:latin typeface="Fira Code" panose="020B0809050000020004" pitchFamily="49" charset="0"/>
+              </a:rPr>
+              <a:t>    </a:t>
+            </a:r>
+            <a:r>
+              <a:rPr lang="en-US" altLang="ko-KR" sz="1400" dirty="0" err="1">
+                <a:solidFill>
+                  <a:srgbClr val="89DDFF"/>
+                </a:solidFill>
+                <a:latin typeface="Fira Code" panose="020B0809050000020004" pitchFamily="49" charset="0"/>
+              </a:rPr>
+              <a:t>elif</a:t>
+            </a:r>
+            <a:r>
+              <a:rPr lang="en-US" altLang="ko-KR" sz="1400" dirty="0">
+                <a:solidFill>
+                  <a:srgbClr val="EEFFFF"/>
+                </a:solidFill>
+                <a:latin typeface="Fira Code" panose="020B0809050000020004" pitchFamily="49" charset="0"/>
+              </a:rPr>
+              <a:t> operator </a:t>
+            </a:r>
+            <a:r>
+              <a:rPr lang="en-US" altLang="ko-KR" sz="1400" dirty="0">
+                <a:solidFill>
+                  <a:srgbClr val="C792EA"/>
+                </a:solidFill>
+                <a:latin typeface="Fira Code" panose="020B0809050000020004" pitchFamily="49" charset="0"/>
+              </a:rPr>
+              <a:t>==</a:t>
+            </a:r>
+            <a:r>
+              <a:rPr lang="en-US" altLang="ko-KR" sz="1400" dirty="0">
+                <a:solidFill>
+                  <a:srgbClr val="EEFFFF"/>
+                </a:solidFill>
+                <a:latin typeface="Fira Code" panose="020B0809050000020004" pitchFamily="49" charset="0"/>
+              </a:rPr>
+              <a:t> </a:t>
+            </a:r>
+            <a:r>
+              <a:rPr lang="en-US" altLang="ko-KR" sz="1400" dirty="0">
+                <a:solidFill>
+                  <a:srgbClr val="89DDFF"/>
+                </a:solidFill>
+                <a:latin typeface="Fira Code" panose="020B0809050000020004" pitchFamily="49" charset="0"/>
+              </a:rPr>
+              <a:t>'</a:t>
+            </a:r>
+            <a:r>
+              <a:rPr lang="en-US" altLang="ko-KR" sz="1400" dirty="0">
+                <a:solidFill>
+                  <a:srgbClr val="C3E88D"/>
+                </a:solidFill>
+                <a:latin typeface="Fira Code" panose="020B0809050000020004" pitchFamily="49" charset="0"/>
+              </a:rPr>
+              <a:t>/</a:t>
+            </a:r>
+            <a:r>
+              <a:rPr lang="en-US" altLang="ko-KR" sz="1400" dirty="0">
+                <a:solidFill>
+                  <a:srgbClr val="89DDFF"/>
+                </a:solidFill>
+                <a:latin typeface="Fira Code" panose="020B0809050000020004" pitchFamily="49" charset="0"/>
+              </a:rPr>
+              <a:t>':</a:t>
+            </a:r>
+            <a:endParaRPr lang="en-US" altLang="ko-KR" sz="1400" dirty="0">
+              <a:solidFill>
+                <a:srgbClr val="EEFFFF"/>
+              </a:solidFill>
+              <a:latin typeface="Fira Code" panose="020B0809050000020004" pitchFamily="49" charset="0"/>
+            </a:endParaRPr>
+          </a:p>
+          <a:p>
+            <a:pPr marL="0" indent="0">
+              <a:buNone/>
+            </a:pPr>
+            <a:r>
+              <a:rPr lang="en-US" altLang="ko-KR" sz="1400" dirty="0">
+                <a:solidFill>
+                  <a:srgbClr val="EEFFFF"/>
+                </a:solidFill>
+                <a:latin typeface="Fira Code" panose="020B0809050000020004" pitchFamily="49" charset="0"/>
+              </a:rPr>
+              <a:t>      </a:t>
+            </a:r>
+            <a:r>
+              <a:rPr lang="en-US" altLang="ko-KR" sz="1400" dirty="0">
+                <a:solidFill>
+                  <a:srgbClr val="89DDFF"/>
+                </a:solidFill>
+                <a:latin typeface="Fira Code" panose="020B0809050000020004" pitchFamily="49" charset="0"/>
+              </a:rPr>
+              <a:t>return</a:t>
+            </a:r>
+            <a:r>
+              <a:rPr lang="en-US" altLang="ko-KR" sz="1400" dirty="0">
+                <a:solidFill>
+                  <a:srgbClr val="EEFFFF"/>
+                </a:solidFill>
+                <a:latin typeface="Fira Code" panose="020B0809050000020004" pitchFamily="49" charset="0"/>
+              </a:rPr>
+              <a:t> left </a:t>
+            </a:r>
+            <a:r>
+              <a:rPr lang="en-US" altLang="ko-KR" sz="1400" dirty="0">
+                <a:solidFill>
+                  <a:srgbClr val="C792EA"/>
+                </a:solidFill>
+                <a:latin typeface="Fira Code" panose="020B0809050000020004" pitchFamily="49" charset="0"/>
+              </a:rPr>
+              <a:t>/</a:t>
+            </a:r>
+            <a:r>
+              <a:rPr lang="en-US" altLang="ko-KR" sz="1400" dirty="0">
+                <a:solidFill>
+                  <a:srgbClr val="EEFFFF"/>
+                </a:solidFill>
+                <a:latin typeface="Fira Code" panose="020B0809050000020004" pitchFamily="49" charset="0"/>
+              </a:rPr>
+              <a:t> right</a:t>
+            </a:r>
+          </a:p>
+          <a:p>
+            <a:pPr marL="0" indent="0">
+              <a:buNone/>
+            </a:pPr>
+            <a:r>
+              <a:rPr lang="en-US" altLang="ko-KR" sz="1400" dirty="0">
+                <a:solidFill>
+                  <a:srgbClr val="EEFFFF"/>
+                </a:solidFill>
+                <a:latin typeface="Fira Code" panose="020B0809050000020004" pitchFamily="49" charset="0"/>
+              </a:rPr>
+              <a:t>    </a:t>
+            </a:r>
+            <a:r>
+              <a:rPr lang="en-US" altLang="ko-KR" sz="1400" dirty="0" err="1">
+                <a:solidFill>
+                  <a:srgbClr val="89DDFF"/>
+                </a:solidFill>
+                <a:latin typeface="Fira Code" panose="020B0809050000020004" pitchFamily="49" charset="0"/>
+              </a:rPr>
+              <a:t>elif</a:t>
+            </a:r>
+            <a:r>
+              <a:rPr lang="en-US" altLang="ko-KR" sz="1400" dirty="0">
+                <a:solidFill>
+                  <a:srgbClr val="EEFFFF"/>
+                </a:solidFill>
+                <a:latin typeface="Fira Code" panose="020B0809050000020004" pitchFamily="49" charset="0"/>
+              </a:rPr>
+              <a:t> operator </a:t>
+            </a:r>
+            <a:r>
+              <a:rPr lang="en-US" altLang="ko-KR" sz="1400" dirty="0">
+                <a:solidFill>
+                  <a:srgbClr val="C792EA"/>
+                </a:solidFill>
+                <a:latin typeface="Fira Code" panose="020B0809050000020004" pitchFamily="49" charset="0"/>
+              </a:rPr>
+              <a:t>==</a:t>
+            </a:r>
+            <a:r>
+              <a:rPr lang="en-US" altLang="ko-KR" sz="1400" dirty="0">
+                <a:solidFill>
+                  <a:srgbClr val="EEFFFF"/>
+                </a:solidFill>
+                <a:latin typeface="Fira Code" panose="020B0809050000020004" pitchFamily="49" charset="0"/>
+              </a:rPr>
+              <a:t> </a:t>
+            </a:r>
+            <a:r>
+              <a:rPr lang="en-US" altLang="ko-KR" sz="1400" dirty="0">
+                <a:solidFill>
+                  <a:srgbClr val="89DDFF"/>
+                </a:solidFill>
+                <a:latin typeface="Fira Code" panose="020B0809050000020004" pitchFamily="49" charset="0"/>
+              </a:rPr>
+              <a:t>'</a:t>
+            </a:r>
+            <a:r>
+              <a:rPr lang="en-US" altLang="ko-KR" sz="1400" dirty="0">
+                <a:solidFill>
+                  <a:srgbClr val="C3E88D"/>
+                </a:solidFill>
+                <a:latin typeface="Fira Code" panose="020B0809050000020004" pitchFamily="49" charset="0"/>
+              </a:rPr>
+              <a:t>%</a:t>
+            </a:r>
+            <a:r>
+              <a:rPr lang="en-US" altLang="ko-KR" sz="1400" dirty="0">
+                <a:solidFill>
+                  <a:srgbClr val="89DDFF"/>
+                </a:solidFill>
+                <a:latin typeface="Fira Code" panose="020B0809050000020004" pitchFamily="49" charset="0"/>
+              </a:rPr>
+              <a:t>':</a:t>
+            </a:r>
+            <a:endParaRPr lang="en-US" altLang="ko-KR" sz="1400" dirty="0">
+              <a:solidFill>
+                <a:srgbClr val="EEFFFF"/>
+              </a:solidFill>
+              <a:latin typeface="Fira Code" panose="020B0809050000020004" pitchFamily="49" charset="0"/>
+            </a:endParaRPr>
+          </a:p>
+          <a:p>
+            <a:pPr marL="0" indent="0">
+              <a:buNone/>
+            </a:pPr>
+            <a:r>
+              <a:rPr lang="en-US" altLang="ko-KR" sz="1400" dirty="0">
+                <a:solidFill>
+                  <a:srgbClr val="EEFFFF"/>
+                </a:solidFill>
+                <a:latin typeface="Fira Code" panose="020B0809050000020004" pitchFamily="49" charset="0"/>
+              </a:rPr>
+              <a:t>      </a:t>
+            </a:r>
+            <a:r>
+              <a:rPr lang="en-US" altLang="ko-KR" sz="1400" dirty="0">
+                <a:solidFill>
+                  <a:srgbClr val="89DDFF"/>
+                </a:solidFill>
+                <a:latin typeface="Fira Code" panose="020B0809050000020004" pitchFamily="49" charset="0"/>
+              </a:rPr>
+              <a:t>return</a:t>
+            </a:r>
+            <a:r>
+              <a:rPr lang="en-US" altLang="ko-KR" sz="1400" dirty="0">
+                <a:solidFill>
+                  <a:srgbClr val="EEFFFF"/>
+                </a:solidFill>
+                <a:latin typeface="Fira Code" panose="020B0809050000020004" pitchFamily="49" charset="0"/>
+              </a:rPr>
+              <a:t> left </a:t>
+            </a:r>
+            <a:r>
+              <a:rPr lang="en-US" altLang="ko-KR" sz="1400" dirty="0">
+                <a:solidFill>
+                  <a:srgbClr val="C792EA"/>
+                </a:solidFill>
+                <a:latin typeface="Fira Code" panose="020B0809050000020004" pitchFamily="49" charset="0"/>
+              </a:rPr>
+              <a:t>%</a:t>
+            </a:r>
+            <a:r>
+              <a:rPr lang="en-US" altLang="ko-KR" sz="1400" dirty="0">
+                <a:solidFill>
+                  <a:srgbClr val="EEFFFF"/>
+                </a:solidFill>
+                <a:latin typeface="Fira Code" panose="020B0809050000020004" pitchFamily="49" charset="0"/>
+              </a:rPr>
+              <a:t> right</a:t>
+            </a:r>
+          </a:p>
+          <a:p>
+            <a:pPr marL="0" indent="0">
+              <a:buNone/>
+            </a:pPr>
+            <a:r>
+              <a:rPr lang="en-US" altLang="ko-KR" sz="1400" dirty="0">
+                <a:solidFill>
+                  <a:srgbClr val="EEFFFF"/>
+                </a:solidFill>
+                <a:latin typeface="Fira Code" panose="020B0809050000020004" pitchFamily="49" charset="0"/>
+              </a:rPr>
+              <a:t>    </a:t>
+            </a:r>
+            <a:r>
+              <a:rPr lang="en-US" altLang="ko-KR" sz="1400" dirty="0" err="1">
+                <a:solidFill>
+                  <a:srgbClr val="89DDFF"/>
+                </a:solidFill>
+                <a:latin typeface="Fira Code" panose="020B0809050000020004" pitchFamily="49" charset="0"/>
+              </a:rPr>
+              <a:t>elif</a:t>
+            </a:r>
+            <a:r>
+              <a:rPr lang="en-US" altLang="ko-KR" sz="1400" dirty="0">
+                <a:solidFill>
+                  <a:srgbClr val="EEFFFF"/>
+                </a:solidFill>
+                <a:latin typeface="Fira Code" panose="020B0809050000020004" pitchFamily="49" charset="0"/>
+              </a:rPr>
+              <a:t> operator </a:t>
+            </a:r>
+            <a:r>
+              <a:rPr lang="en-US" altLang="ko-KR" sz="1400" dirty="0">
+                <a:solidFill>
+                  <a:srgbClr val="C792EA"/>
+                </a:solidFill>
+                <a:latin typeface="Fira Code" panose="020B0809050000020004" pitchFamily="49" charset="0"/>
+              </a:rPr>
+              <a:t>==</a:t>
+            </a:r>
+            <a:r>
+              <a:rPr lang="en-US" altLang="ko-KR" sz="1400" dirty="0">
+                <a:solidFill>
+                  <a:srgbClr val="EEFFFF"/>
+                </a:solidFill>
+                <a:latin typeface="Fira Code" panose="020B0809050000020004" pitchFamily="49" charset="0"/>
+              </a:rPr>
+              <a:t> </a:t>
+            </a:r>
+            <a:r>
+              <a:rPr lang="en-US" altLang="ko-KR" sz="1400" dirty="0">
+                <a:solidFill>
+                  <a:srgbClr val="89DDFF"/>
+                </a:solidFill>
+                <a:latin typeface="Fira Code" panose="020B0809050000020004" pitchFamily="49" charset="0"/>
+              </a:rPr>
+              <a:t>'</a:t>
+            </a:r>
+            <a:r>
+              <a:rPr lang="en-US" altLang="ko-KR" sz="1400" dirty="0">
+                <a:solidFill>
+                  <a:srgbClr val="C3E88D"/>
+                </a:solidFill>
+                <a:latin typeface="Fira Code" panose="020B0809050000020004" pitchFamily="49" charset="0"/>
+              </a:rPr>
+              <a:t>^</a:t>
+            </a:r>
+            <a:r>
+              <a:rPr lang="en-US" altLang="ko-KR" sz="1400" dirty="0">
+                <a:solidFill>
+                  <a:srgbClr val="89DDFF"/>
+                </a:solidFill>
+                <a:latin typeface="Fira Code" panose="020B0809050000020004" pitchFamily="49" charset="0"/>
+              </a:rPr>
+              <a:t>':</a:t>
+            </a:r>
+            <a:endParaRPr lang="en-US" altLang="ko-KR" sz="1400" dirty="0">
+              <a:solidFill>
+                <a:srgbClr val="EEFFFF"/>
+              </a:solidFill>
+              <a:latin typeface="Fira Code" panose="020B0809050000020004" pitchFamily="49" charset="0"/>
+            </a:endParaRPr>
+          </a:p>
+          <a:p>
+            <a:pPr marL="0" indent="0">
+              <a:buNone/>
+            </a:pPr>
+            <a:r>
+              <a:rPr lang="en-US" altLang="ko-KR" sz="1400" dirty="0">
+                <a:solidFill>
+                  <a:srgbClr val="EEFFFF"/>
+                </a:solidFill>
+                <a:latin typeface="Fira Code" panose="020B0809050000020004" pitchFamily="49" charset="0"/>
+              </a:rPr>
+              <a:t>      </a:t>
+            </a:r>
+            <a:r>
+              <a:rPr lang="en-US" altLang="ko-KR" sz="1400" dirty="0">
+                <a:solidFill>
+                  <a:srgbClr val="89DDFF"/>
+                </a:solidFill>
+                <a:latin typeface="Fira Code" panose="020B0809050000020004" pitchFamily="49" charset="0"/>
+              </a:rPr>
+              <a:t>return</a:t>
+            </a:r>
+            <a:r>
+              <a:rPr lang="en-US" altLang="ko-KR" sz="1400" dirty="0">
+                <a:solidFill>
+                  <a:srgbClr val="EEFFFF"/>
+                </a:solidFill>
+                <a:latin typeface="Fira Code" panose="020B0809050000020004" pitchFamily="49" charset="0"/>
+              </a:rPr>
+              <a:t> left </a:t>
+            </a:r>
+            <a:r>
+              <a:rPr lang="en-US" altLang="ko-KR" sz="1400" dirty="0">
+                <a:solidFill>
+                  <a:srgbClr val="C792EA"/>
+                </a:solidFill>
+                <a:latin typeface="Fira Code" panose="020B0809050000020004" pitchFamily="49" charset="0"/>
+              </a:rPr>
+              <a:t>**</a:t>
+            </a:r>
+            <a:r>
+              <a:rPr lang="en-US" altLang="ko-KR" sz="1400" dirty="0">
+                <a:solidFill>
+                  <a:srgbClr val="EEFFFF"/>
+                </a:solidFill>
+                <a:latin typeface="Fira Code" panose="020B0809050000020004" pitchFamily="49" charset="0"/>
+              </a:rPr>
+              <a:t> right</a:t>
+            </a:r>
+            <a:endParaRPr lang="en-US" altLang="ko-KR" sz="1400" b="0" dirty="0">
+              <a:solidFill>
+                <a:srgbClr val="EEFFFF"/>
+              </a:solidFill>
+              <a:effectLst/>
+              <a:latin typeface="Fira Code" panose="020B0809050000020004" pitchFamily="49" charset="0"/>
+            </a:endParaRPr>
+          </a:p>
+        </p:txBody>
+      </p:sp>
+      <p:sp>
+        <p:nvSpPr>
+          <p:cNvPr id="2" name="제목 1"/>
+          <p:cNvSpPr>
+            <a:spLocks noGrp="1"/>
+          </p:cNvSpPr>
+          <p:nvPr>
+            <p:ph type="title"/>
+          </p:nvPr>
+        </p:nvSpPr>
+        <p:spPr/>
+        <p:txBody>
+          <a:bodyPr/>
+          <a:lstStyle/>
+          <a:p>
+            <a:r>
+              <a:rPr lang="ko-KR" altLang="en-US" dirty="0" smtClean="0">
+                <a:solidFill>
+                  <a:schemeClr val="bg1"/>
+                </a:solidFill>
+              </a:rPr>
+              <a:t>코드</a:t>
+            </a:r>
+            <a:endParaRPr lang="ko-KR" altLang="en-US" dirty="0">
+              <a:solidFill>
+                <a:schemeClr val="bg1"/>
+              </a:solidFill>
+            </a:endParaRPr>
+          </a:p>
+        </p:txBody>
+      </p:sp>
+    </p:spTree>
+    <p:extLst>
+      <p:ext uri="{BB962C8B-B14F-4D97-AF65-F5344CB8AC3E}">
+        <p14:creationId xmlns:p14="http://schemas.microsoft.com/office/powerpoint/2010/main" val="1461973173"/>
+      </p:ext>
+    </p:extLst>
+  </p:cSld>
+  <p:clrMapOvr>
+    <a:masterClrMapping/>
+  </p:clrMapOvr>
+</p:sld>
+</file>
+
+<file path=ppt/slides/slide7.xml><?xml version="1.0" encoding="utf-8"?>
+<p:sld xmlns:a="http://schemas.openxmlformats.org/drawingml/2006/main" xmlns:r="http://schemas.openxmlformats.org/officeDocument/2006/relationships" xmlns:p="http://schemas.openxmlformats.org/presentationml/2006/main">
+  <p:cSld>
+    <p:bg>
+      <p:bgPr>
+        <a:solidFill>
+          <a:srgbClr val="042C3A"/>
+        </a:solidFill>
+        <a:effectLst/>
+      </p:bgPr>
+    </p:bg>
     <p:spTree>
       <p:nvGrpSpPr>
         <p:cNvPr id="1" name=""/>
@@ -3224,16 +8311,24 @@
           <a:lstStyle/>
           <a:p>
             <a:r>
-              <a:rPr lang="ko-KR" altLang="en-US" dirty="0" smtClean="0"/>
-              <a:t>고급 수식 계산기</a:t>
-            </a:r>
-            <a:endParaRPr lang="ko-KR" altLang="en-US" dirty="0"/>
+              <a:rPr lang="ko-KR" altLang="en-US" dirty="0" smtClean="0">
+                <a:solidFill>
+                  <a:schemeClr val="bg1"/>
+                </a:solidFill>
+              </a:rPr>
+              <a:t>코드</a:t>
+            </a:r>
+            <a:endParaRPr lang="ko-KR" altLang="en-US" dirty="0">
+              <a:solidFill>
+                <a:schemeClr val="bg1"/>
+              </a:solidFill>
+            </a:endParaRPr>
           </a:p>
         </p:txBody>
       </p:sp>
       <p:sp>
         <p:nvSpPr>
-          <p:cNvPr id="4" name="내용 개체 틀 3"/>
+          <p:cNvPr id="3" name="내용 개체 틀 2"/>
           <p:cNvSpPr>
             <a:spLocks noGrp="1"/>
           </p:cNvSpPr>
@@ -3249,47 +8344,3038 @@
           <a:lstStyle/>
           <a:p>
             <a:pPr marL="0" indent="0">
-              <a:lnSpc>
-                <a:spcPct val="120000"/>
-              </a:lnSpc>
               <a:buNone/>
             </a:pPr>
             <a:r>
-              <a:rPr lang="ko-KR" altLang="en-US" dirty="0" smtClean="0"/>
-              <a:t>삼각함수</a:t>
-            </a:r>
-            <a:r>
-              <a:rPr lang="en-US" altLang="ko-KR" dirty="0" smtClean="0"/>
-              <a:t>, </a:t>
-            </a:r>
-            <a:r>
-              <a:rPr lang="ko-KR" altLang="en-US" dirty="0" err="1" smtClean="0"/>
-              <a:t>로그함수</a:t>
-            </a:r>
-            <a:r>
-              <a:rPr lang="ko-KR" altLang="en-US" dirty="0" smtClean="0"/>
-              <a:t> 등을 이용할 수 있음</a:t>
-            </a:r>
-            <a:r>
-              <a:rPr lang="en-US" altLang="ko-KR" dirty="0" smtClean="0"/>
-              <a:t>.</a:t>
-            </a:r>
+              <a:rPr lang="en-US" altLang="ko-KR" sz="1600" dirty="0" err="1">
+                <a:solidFill>
+                  <a:srgbClr val="C792EA"/>
+                </a:solidFill>
+                <a:latin typeface="Fira Code" panose="020B0809050000020004" pitchFamily="49" charset="0"/>
+              </a:rPr>
+              <a:t>def</a:t>
+            </a:r>
+            <a:r>
+              <a:rPr lang="en-US" altLang="ko-KR" sz="1600" dirty="0">
+                <a:solidFill>
+                  <a:srgbClr val="EEFFFF"/>
+                </a:solidFill>
+                <a:latin typeface="Fira Code" panose="020B0809050000020004" pitchFamily="49" charset="0"/>
+              </a:rPr>
+              <a:t> </a:t>
+            </a:r>
+            <a:r>
+              <a:rPr lang="en-US" altLang="ko-KR" sz="1600" dirty="0" err="1">
+                <a:solidFill>
+                  <a:srgbClr val="82AAFF"/>
+                </a:solidFill>
+                <a:latin typeface="Fira Code" panose="020B0809050000020004" pitchFamily="49" charset="0"/>
+              </a:rPr>
+              <a:t>parseToAst</a:t>
+            </a:r>
+            <a:r>
+              <a:rPr lang="en-US" altLang="ko-KR" sz="1600" dirty="0">
+                <a:solidFill>
+                  <a:srgbClr val="89DDFF"/>
+                </a:solidFill>
+                <a:latin typeface="Fira Code" panose="020B0809050000020004" pitchFamily="49" charset="0"/>
+              </a:rPr>
+              <a:t>(</a:t>
+            </a:r>
+            <a:r>
+              <a:rPr lang="en-US" altLang="ko-KR" sz="1600" dirty="0">
+                <a:solidFill>
+                  <a:srgbClr val="FC788E"/>
+                </a:solidFill>
+                <a:latin typeface="Fira Code" panose="020B0809050000020004" pitchFamily="49" charset="0"/>
+              </a:rPr>
+              <a:t>tokens</a:t>
+            </a:r>
+            <a:r>
+              <a:rPr lang="en-US" altLang="ko-KR" sz="1600" dirty="0">
+                <a:solidFill>
+                  <a:srgbClr val="89DDFF"/>
+                </a:solidFill>
+                <a:latin typeface="Fira Code" panose="020B0809050000020004" pitchFamily="49" charset="0"/>
+              </a:rPr>
+              <a:t>:</a:t>
+            </a:r>
+            <a:r>
+              <a:rPr lang="en-US" altLang="ko-KR" sz="1600" dirty="0">
+                <a:solidFill>
+                  <a:srgbClr val="EEFFFF"/>
+                </a:solidFill>
+                <a:latin typeface="Fira Code" panose="020B0809050000020004" pitchFamily="49" charset="0"/>
+              </a:rPr>
+              <a:t> List</a:t>
+            </a:r>
+            <a:r>
+              <a:rPr lang="en-US" altLang="ko-KR" sz="1600" dirty="0">
+                <a:solidFill>
+                  <a:srgbClr val="89DDFF"/>
+                </a:solidFill>
+                <a:latin typeface="Fira Code" panose="020B0809050000020004" pitchFamily="49" charset="0"/>
+              </a:rPr>
+              <a:t>[</a:t>
+            </a:r>
+            <a:r>
+              <a:rPr lang="en-US" altLang="ko-KR" sz="1600" dirty="0">
+                <a:solidFill>
+                  <a:srgbClr val="EEFFFF"/>
+                </a:solidFill>
+                <a:latin typeface="Fira Code" panose="020B0809050000020004" pitchFamily="49" charset="0"/>
+              </a:rPr>
+              <a:t>Token</a:t>
+            </a:r>
+            <a:r>
+              <a:rPr lang="en-US" altLang="ko-KR" sz="1600" dirty="0">
+                <a:solidFill>
+                  <a:srgbClr val="89DDFF"/>
+                </a:solidFill>
+                <a:latin typeface="Fira Code" panose="020B0809050000020004" pitchFamily="49" charset="0"/>
+              </a:rPr>
+              <a:t>],</a:t>
+            </a:r>
+            <a:r>
+              <a:rPr lang="en-US" altLang="ko-KR" sz="1600" dirty="0">
+                <a:solidFill>
+                  <a:srgbClr val="EEFFFF"/>
+                </a:solidFill>
+                <a:latin typeface="Fira Code" panose="020B0809050000020004" pitchFamily="49" charset="0"/>
+              </a:rPr>
+              <a:t> </a:t>
+            </a:r>
+            <a:r>
+              <a:rPr lang="en-US" altLang="ko-KR" sz="1600" dirty="0">
+                <a:solidFill>
+                  <a:srgbClr val="FC788E"/>
+                </a:solidFill>
+                <a:latin typeface="Fira Code" panose="020B0809050000020004" pitchFamily="49" charset="0"/>
+              </a:rPr>
+              <a:t>nodes</a:t>
+            </a:r>
+            <a:r>
+              <a:rPr lang="en-US" altLang="ko-KR" sz="1600" dirty="0">
+                <a:solidFill>
+                  <a:srgbClr val="89DDFF"/>
+                </a:solidFill>
+                <a:latin typeface="Fira Code" panose="020B0809050000020004" pitchFamily="49" charset="0"/>
+              </a:rPr>
+              <a:t>,</a:t>
+            </a:r>
+            <a:r>
+              <a:rPr lang="en-US" altLang="ko-KR" sz="1600" dirty="0">
+                <a:solidFill>
+                  <a:srgbClr val="EEFFFF"/>
+                </a:solidFill>
+                <a:latin typeface="Fira Code" panose="020B0809050000020004" pitchFamily="49" charset="0"/>
+              </a:rPr>
+              <a:t> </a:t>
+            </a:r>
+            <a:r>
+              <a:rPr lang="en-US" altLang="ko-KR" sz="1600" dirty="0">
+                <a:solidFill>
+                  <a:srgbClr val="FC788E"/>
+                </a:solidFill>
+                <a:latin typeface="Fira Code" panose="020B0809050000020004" pitchFamily="49" charset="0"/>
+              </a:rPr>
+              <a:t>start</a:t>
+            </a:r>
+            <a:r>
+              <a:rPr lang="en-US" altLang="ko-KR" sz="1600" dirty="0">
+                <a:solidFill>
+                  <a:srgbClr val="89DDFF"/>
+                </a:solidFill>
+                <a:latin typeface="Fira Code" panose="020B0809050000020004" pitchFamily="49" charset="0"/>
+              </a:rPr>
+              <a:t>:</a:t>
+            </a:r>
+            <a:r>
+              <a:rPr lang="en-US" altLang="ko-KR" sz="1600" dirty="0">
+                <a:solidFill>
+                  <a:srgbClr val="EEFFFF"/>
+                </a:solidFill>
+                <a:latin typeface="Fira Code" panose="020B0809050000020004" pitchFamily="49" charset="0"/>
+              </a:rPr>
+              <a:t> </a:t>
+            </a:r>
+            <a:r>
+              <a:rPr lang="en-US" altLang="ko-KR" sz="1600" dirty="0" err="1">
+                <a:solidFill>
+                  <a:srgbClr val="B2CCD6"/>
+                </a:solidFill>
+                <a:latin typeface="Fira Code" panose="020B0809050000020004" pitchFamily="49" charset="0"/>
+              </a:rPr>
+              <a:t>int</a:t>
+            </a:r>
+            <a:r>
+              <a:rPr lang="en-US" altLang="ko-KR" sz="1600" dirty="0">
+                <a:solidFill>
+                  <a:srgbClr val="89DDFF"/>
+                </a:solidFill>
+                <a:latin typeface="Fira Code" panose="020B0809050000020004" pitchFamily="49" charset="0"/>
+              </a:rPr>
+              <a:t>,</a:t>
+            </a:r>
+            <a:r>
+              <a:rPr lang="en-US" altLang="ko-KR" sz="1600" dirty="0">
+                <a:solidFill>
+                  <a:srgbClr val="EEFFFF"/>
+                </a:solidFill>
+                <a:latin typeface="Fira Code" panose="020B0809050000020004" pitchFamily="49" charset="0"/>
+              </a:rPr>
+              <a:t> </a:t>
+            </a:r>
+            <a:r>
+              <a:rPr lang="en-US" altLang="ko-KR" sz="1600" dirty="0">
+                <a:solidFill>
+                  <a:srgbClr val="FC788E"/>
+                </a:solidFill>
+                <a:latin typeface="Fira Code" panose="020B0809050000020004" pitchFamily="49" charset="0"/>
+              </a:rPr>
+              <a:t>end</a:t>
+            </a:r>
+            <a:r>
+              <a:rPr lang="en-US" altLang="ko-KR" sz="1600" dirty="0">
+                <a:solidFill>
+                  <a:srgbClr val="89DDFF"/>
+                </a:solidFill>
+                <a:latin typeface="Fira Code" panose="020B0809050000020004" pitchFamily="49" charset="0"/>
+              </a:rPr>
+              <a:t>:</a:t>
+            </a:r>
+            <a:r>
+              <a:rPr lang="en-US" altLang="ko-KR" sz="1600" dirty="0">
+                <a:solidFill>
+                  <a:srgbClr val="EEFFFF"/>
+                </a:solidFill>
+                <a:latin typeface="Fira Code" panose="020B0809050000020004" pitchFamily="49" charset="0"/>
+              </a:rPr>
+              <a:t> </a:t>
+            </a:r>
+            <a:r>
+              <a:rPr lang="en-US" altLang="ko-KR" sz="1600" dirty="0" err="1">
+                <a:solidFill>
+                  <a:srgbClr val="B2CCD6"/>
+                </a:solidFill>
+                <a:latin typeface="Fira Code" panose="020B0809050000020004" pitchFamily="49" charset="0"/>
+              </a:rPr>
+              <a:t>int</a:t>
+            </a:r>
+            <a:r>
+              <a:rPr lang="en-US" altLang="ko-KR" sz="1600" dirty="0">
+                <a:solidFill>
+                  <a:srgbClr val="89DDFF"/>
+                </a:solidFill>
+                <a:latin typeface="Fira Code" panose="020B0809050000020004" pitchFamily="49" charset="0"/>
+              </a:rPr>
+              <a:t>)</a:t>
+            </a:r>
+            <a:r>
+              <a:rPr lang="en-US" altLang="ko-KR" sz="1600" dirty="0">
+                <a:solidFill>
+                  <a:srgbClr val="EEFFFF"/>
+                </a:solidFill>
+                <a:latin typeface="Fira Code" panose="020B0809050000020004" pitchFamily="49" charset="0"/>
+              </a:rPr>
+              <a:t> </a:t>
+            </a:r>
+            <a:r>
+              <a:rPr lang="en-US" altLang="ko-KR" sz="1600" dirty="0">
+                <a:solidFill>
+                  <a:srgbClr val="89DDFF"/>
+                </a:solidFill>
+                <a:latin typeface="Fira Code" panose="020B0809050000020004" pitchFamily="49" charset="0"/>
+              </a:rPr>
+              <a:t>-&gt;</a:t>
+            </a:r>
+            <a:r>
+              <a:rPr lang="en-US" altLang="ko-KR" sz="1600" dirty="0">
+                <a:solidFill>
+                  <a:srgbClr val="EEFFFF"/>
+                </a:solidFill>
+                <a:latin typeface="Fira Code" panose="020B0809050000020004" pitchFamily="49" charset="0"/>
+              </a:rPr>
+              <a:t> Node</a:t>
+            </a:r>
+            <a:r>
+              <a:rPr lang="en-US" altLang="ko-KR" sz="1600" dirty="0">
+                <a:solidFill>
+                  <a:srgbClr val="89DDFF"/>
+                </a:solidFill>
+                <a:latin typeface="Fira Code" panose="020B0809050000020004" pitchFamily="49" charset="0"/>
+              </a:rPr>
+              <a:t>:</a:t>
+            </a:r>
+            <a:endParaRPr lang="en-US" altLang="ko-KR" sz="1600" dirty="0">
+              <a:solidFill>
+                <a:srgbClr val="EEFFFF"/>
+              </a:solidFill>
+              <a:latin typeface="Fira Code" panose="020B0809050000020004" pitchFamily="49" charset="0"/>
+            </a:endParaRPr>
           </a:p>
           <a:p>
             <a:pPr marL="0" indent="0">
-              <a:lnSpc>
-                <a:spcPct val="120000"/>
-              </a:lnSpc>
               <a:buNone/>
             </a:pPr>
-            <a:endParaRPr lang="ko-KR" altLang="en-US" dirty="0"/>
+            <a:r>
+              <a:rPr lang="en-US" altLang="ko-KR" sz="1600" dirty="0">
+                <a:solidFill>
+                  <a:srgbClr val="EEFFFF"/>
+                </a:solidFill>
+                <a:latin typeface="Fira Code" panose="020B0809050000020004" pitchFamily="49" charset="0"/>
+              </a:rPr>
+              <a:t>  </a:t>
+            </a:r>
+            <a:r>
+              <a:rPr lang="en-US" altLang="ko-KR" sz="1600" dirty="0">
+                <a:solidFill>
+                  <a:srgbClr val="89DDFF"/>
+                </a:solidFill>
+                <a:latin typeface="Fira Code" panose="020B0809050000020004" pitchFamily="49" charset="0"/>
+              </a:rPr>
+              <a:t>if</a:t>
+            </a:r>
+            <a:r>
+              <a:rPr lang="en-US" altLang="ko-KR" sz="1600" dirty="0">
+                <a:solidFill>
+                  <a:srgbClr val="EEFFFF"/>
+                </a:solidFill>
+                <a:latin typeface="Fira Code" panose="020B0809050000020004" pitchFamily="49" charset="0"/>
+              </a:rPr>
+              <a:t> start </a:t>
+            </a:r>
+            <a:r>
+              <a:rPr lang="en-US" altLang="ko-KR" sz="1600" dirty="0">
+                <a:solidFill>
+                  <a:srgbClr val="C792EA"/>
+                </a:solidFill>
+                <a:latin typeface="Fira Code" panose="020B0809050000020004" pitchFamily="49" charset="0"/>
+              </a:rPr>
+              <a:t>==</a:t>
+            </a:r>
+            <a:r>
+              <a:rPr lang="en-US" altLang="ko-KR" sz="1600" dirty="0">
+                <a:solidFill>
+                  <a:srgbClr val="EEFFFF"/>
+                </a:solidFill>
+                <a:latin typeface="Fira Code" panose="020B0809050000020004" pitchFamily="49" charset="0"/>
+              </a:rPr>
+              <a:t> end</a:t>
+            </a:r>
+            <a:r>
+              <a:rPr lang="en-US" altLang="ko-KR" sz="1600" dirty="0">
+                <a:solidFill>
+                  <a:srgbClr val="89DDFF"/>
+                </a:solidFill>
+                <a:latin typeface="Fira Code" panose="020B0809050000020004" pitchFamily="49" charset="0"/>
+              </a:rPr>
+              <a:t>:</a:t>
+            </a:r>
+            <a:endParaRPr lang="en-US" altLang="ko-KR" sz="1600" dirty="0">
+              <a:solidFill>
+                <a:srgbClr val="EEFFFF"/>
+              </a:solidFill>
+              <a:latin typeface="Fira Code" panose="020B0809050000020004" pitchFamily="49" charset="0"/>
+            </a:endParaRPr>
+          </a:p>
+          <a:p>
+            <a:pPr marL="0" indent="0">
+              <a:buNone/>
+            </a:pPr>
+            <a:r>
+              <a:rPr lang="en-US" altLang="ko-KR" sz="1600" dirty="0">
+                <a:solidFill>
+                  <a:srgbClr val="EEFFFF"/>
+                </a:solidFill>
+                <a:latin typeface="Fira Code" panose="020B0809050000020004" pitchFamily="49" charset="0"/>
+              </a:rPr>
+              <a:t>    </a:t>
+            </a:r>
+            <a:r>
+              <a:rPr lang="en-US" altLang="ko-KR" sz="1600" dirty="0">
+                <a:solidFill>
+                  <a:srgbClr val="89DDFF"/>
+                </a:solidFill>
+                <a:latin typeface="Fira Code" panose="020B0809050000020004" pitchFamily="49" charset="0"/>
+              </a:rPr>
+              <a:t>raise</a:t>
+            </a:r>
+            <a:r>
+              <a:rPr lang="en-US" altLang="ko-KR" sz="1600" dirty="0">
+                <a:solidFill>
+                  <a:srgbClr val="EEFFFF"/>
+                </a:solidFill>
+                <a:latin typeface="Fira Code" panose="020B0809050000020004" pitchFamily="49" charset="0"/>
+              </a:rPr>
+              <a:t> </a:t>
+            </a:r>
+            <a:r>
+              <a:rPr lang="en-US" altLang="ko-KR" sz="1600" dirty="0">
+                <a:solidFill>
+                  <a:srgbClr val="B2CCD6"/>
+                </a:solidFill>
+                <a:latin typeface="Fira Code" panose="020B0809050000020004" pitchFamily="49" charset="0"/>
+              </a:rPr>
+              <a:t>Exception</a:t>
+            </a:r>
+            <a:r>
+              <a:rPr lang="en-US" altLang="ko-KR" sz="1600" dirty="0">
+                <a:solidFill>
+                  <a:srgbClr val="89DDFF"/>
+                </a:solidFill>
+                <a:latin typeface="Fira Code" panose="020B0809050000020004" pitchFamily="49" charset="0"/>
+              </a:rPr>
+              <a:t>(</a:t>
+            </a:r>
+            <a:r>
+              <a:rPr lang="en-US" altLang="ko-KR" sz="1600" dirty="0" err="1">
+                <a:solidFill>
+                  <a:srgbClr val="C792EA"/>
+                </a:solidFill>
+                <a:latin typeface="Fira Code" panose="020B0809050000020004" pitchFamily="49" charset="0"/>
+              </a:rPr>
+              <a:t>f</a:t>
+            </a:r>
+            <a:r>
+              <a:rPr lang="en-US" altLang="ko-KR" sz="1600" dirty="0" err="1">
+                <a:solidFill>
+                  <a:srgbClr val="C3E88D"/>
+                </a:solidFill>
+                <a:latin typeface="Fira Code" panose="020B0809050000020004" pitchFamily="49" charset="0"/>
+              </a:rPr>
+              <a:t>'Unknown</a:t>
+            </a:r>
+            <a:r>
+              <a:rPr lang="en-US" altLang="ko-KR" sz="1600" dirty="0">
+                <a:solidFill>
+                  <a:srgbClr val="C3E88D"/>
+                </a:solidFill>
+                <a:latin typeface="Fira Code" panose="020B0809050000020004" pitchFamily="49" charset="0"/>
+              </a:rPr>
+              <a:t> index: </a:t>
+            </a:r>
+            <a:r>
+              <a:rPr lang="en-US" altLang="ko-KR" sz="1600" dirty="0">
+                <a:solidFill>
+                  <a:srgbClr val="F78C6C"/>
+                </a:solidFill>
+                <a:latin typeface="Fira Code" panose="020B0809050000020004" pitchFamily="49" charset="0"/>
+              </a:rPr>
+              <a:t>{</a:t>
+            </a:r>
+            <a:r>
+              <a:rPr lang="en-US" altLang="ko-KR" sz="1600" dirty="0">
+                <a:solidFill>
+                  <a:srgbClr val="EEFFFF"/>
+                </a:solidFill>
+                <a:latin typeface="Fira Code" panose="020B0809050000020004" pitchFamily="49" charset="0"/>
+              </a:rPr>
+              <a:t>start</a:t>
+            </a:r>
+            <a:r>
+              <a:rPr lang="en-US" altLang="ko-KR" sz="1600" dirty="0">
+                <a:solidFill>
+                  <a:srgbClr val="F78C6C"/>
+                </a:solidFill>
+                <a:latin typeface="Fira Code" panose="020B0809050000020004" pitchFamily="49" charset="0"/>
+              </a:rPr>
+              <a:t>}</a:t>
+            </a:r>
+            <a:r>
+              <a:rPr lang="en-US" altLang="ko-KR" sz="1600" dirty="0">
+                <a:solidFill>
+                  <a:srgbClr val="C3E88D"/>
+                </a:solidFill>
+                <a:latin typeface="Fira Code" panose="020B0809050000020004" pitchFamily="49" charset="0"/>
+              </a:rPr>
+              <a:t> to </a:t>
+            </a:r>
+            <a:r>
+              <a:rPr lang="en-US" altLang="ko-KR" sz="1600" dirty="0">
+                <a:solidFill>
+                  <a:srgbClr val="F78C6C"/>
+                </a:solidFill>
+                <a:latin typeface="Fira Code" panose="020B0809050000020004" pitchFamily="49" charset="0"/>
+              </a:rPr>
+              <a:t>{</a:t>
+            </a:r>
+            <a:r>
+              <a:rPr lang="en-US" altLang="ko-KR" sz="1600" dirty="0">
+                <a:solidFill>
+                  <a:srgbClr val="EEFFFF"/>
+                </a:solidFill>
+                <a:latin typeface="Fira Code" panose="020B0809050000020004" pitchFamily="49" charset="0"/>
+              </a:rPr>
+              <a:t>end</a:t>
+            </a:r>
+            <a:r>
+              <a:rPr lang="en-US" altLang="ko-KR" sz="1600" dirty="0">
+                <a:solidFill>
+                  <a:srgbClr val="F78C6C"/>
+                </a:solidFill>
+                <a:latin typeface="Fira Code" panose="020B0809050000020004" pitchFamily="49" charset="0"/>
+              </a:rPr>
+              <a:t>}</a:t>
+            </a:r>
+            <a:r>
+              <a:rPr lang="en-US" altLang="ko-KR" sz="1600" dirty="0">
+                <a:solidFill>
+                  <a:srgbClr val="C3E88D"/>
+                </a:solidFill>
+                <a:latin typeface="Fira Code" panose="020B0809050000020004" pitchFamily="49" charset="0"/>
+              </a:rPr>
+              <a:t>'</a:t>
+            </a:r>
+            <a:r>
+              <a:rPr lang="en-US" altLang="ko-KR" sz="1600" dirty="0">
+                <a:solidFill>
+                  <a:srgbClr val="89DDFF"/>
+                </a:solidFill>
+                <a:latin typeface="Fira Code" panose="020B0809050000020004" pitchFamily="49" charset="0"/>
+              </a:rPr>
+              <a:t>)</a:t>
+            </a:r>
+            <a:endParaRPr lang="en-US" altLang="ko-KR" sz="1600" dirty="0">
+              <a:solidFill>
+                <a:srgbClr val="EEFFFF"/>
+              </a:solidFill>
+              <a:latin typeface="Fira Code" panose="020B0809050000020004" pitchFamily="49" charset="0"/>
+            </a:endParaRPr>
+          </a:p>
+          <a:p>
+            <a:pPr marL="0" indent="0">
+              <a:buNone/>
+            </a:pPr>
+            <a:r>
+              <a:rPr lang="en-US" altLang="ko-KR" sz="1600" dirty="0">
+                <a:solidFill>
+                  <a:srgbClr val="EEFFFF"/>
+                </a:solidFill>
+                <a:latin typeface="Fira Code" panose="020B0809050000020004" pitchFamily="49" charset="0"/>
+              </a:rPr>
+              <a:t/>
+            </a:r>
+            <a:br>
+              <a:rPr lang="en-US" altLang="ko-KR" sz="1600" dirty="0">
+                <a:solidFill>
+                  <a:srgbClr val="EEFFFF"/>
+                </a:solidFill>
+                <a:latin typeface="Fira Code" panose="020B0809050000020004" pitchFamily="49" charset="0"/>
+              </a:rPr>
+            </a:br>
+            <a:r>
+              <a:rPr lang="en-US" altLang="ko-KR" sz="1600" dirty="0">
+                <a:solidFill>
+                  <a:srgbClr val="EEFFFF"/>
+                </a:solidFill>
+                <a:latin typeface="Fira Code" panose="020B0809050000020004" pitchFamily="49" charset="0"/>
+              </a:rPr>
+              <a:t>  </a:t>
+            </a:r>
+            <a:r>
+              <a:rPr lang="en-US" altLang="ko-KR" sz="1600" i="1" dirty="0">
+                <a:solidFill>
+                  <a:srgbClr val="546E7A"/>
+                </a:solidFill>
+                <a:latin typeface="Fira Code" panose="020B0809050000020004" pitchFamily="49" charset="0"/>
+              </a:rPr>
+              <a:t># </a:t>
+            </a:r>
+            <a:r>
+              <a:rPr lang="ko-KR" altLang="en-US" sz="1600" i="1" dirty="0">
+                <a:solidFill>
+                  <a:srgbClr val="546E7A"/>
+                </a:solidFill>
+                <a:latin typeface="Fira Code" panose="020B0809050000020004" pitchFamily="49" charset="0"/>
+              </a:rPr>
+              <a:t>범위 내에서 첫번째 </a:t>
+            </a:r>
+            <a:r>
+              <a:rPr lang="ko-KR" altLang="en-US" sz="1600" i="1" dirty="0" smtClean="0">
+                <a:solidFill>
+                  <a:srgbClr val="546E7A"/>
+                </a:solidFill>
+                <a:latin typeface="Fira Code" panose="020B0809050000020004" pitchFamily="49" charset="0"/>
+              </a:rPr>
+              <a:t>토큰</a:t>
+            </a:r>
+            <a:endParaRPr lang="ko-KR" altLang="en-US" sz="1600" dirty="0">
+              <a:solidFill>
+                <a:srgbClr val="EEFFFF"/>
+              </a:solidFill>
+              <a:latin typeface="Fira Code" panose="020B0809050000020004" pitchFamily="49" charset="0"/>
+            </a:endParaRPr>
+          </a:p>
+          <a:p>
+            <a:pPr marL="0" indent="0">
+              <a:buNone/>
+            </a:pPr>
+            <a:r>
+              <a:rPr lang="ko-KR" altLang="en-US" sz="1600" dirty="0">
+                <a:solidFill>
+                  <a:srgbClr val="EEFFFF"/>
+                </a:solidFill>
+                <a:latin typeface="Fira Code" panose="020B0809050000020004" pitchFamily="49" charset="0"/>
+              </a:rPr>
+              <a:t>  </a:t>
+            </a:r>
+            <a:r>
+              <a:rPr lang="en-US" altLang="ko-KR" sz="1600" dirty="0" err="1">
+                <a:solidFill>
+                  <a:srgbClr val="EEFFFF"/>
+                </a:solidFill>
+                <a:latin typeface="Fira Code" panose="020B0809050000020004" pitchFamily="49" charset="0"/>
+              </a:rPr>
+              <a:t>firstToken</a:t>
+            </a:r>
+            <a:r>
+              <a:rPr lang="en-US" altLang="ko-KR" sz="1600" dirty="0">
+                <a:solidFill>
+                  <a:srgbClr val="EEFFFF"/>
+                </a:solidFill>
+                <a:latin typeface="Fira Code" panose="020B0809050000020004" pitchFamily="49" charset="0"/>
+              </a:rPr>
+              <a:t> </a:t>
+            </a:r>
+            <a:r>
+              <a:rPr lang="en-US" altLang="ko-KR" sz="1600" dirty="0">
+                <a:solidFill>
+                  <a:srgbClr val="C792EA"/>
+                </a:solidFill>
+                <a:latin typeface="Fira Code" panose="020B0809050000020004" pitchFamily="49" charset="0"/>
+              </a:rPr>
+              <a:t>=</a:t>
+            </a:r>
+            <a:r>
+              <a:rPr lang="en-US" altLang="ko-KR" sz="1600" dirty="0">
+                <a:solidFill>
+                  <a:srgbClr val="EEFFFF"/>
+                </a:solidFill>
+                <a:latin typeface="Fira Code" panose="020B0809050000020004" pitchFamily="49" charset="0"/>
+              </a:rPr>
+              <a:t> tokens</a:t>
+            </a:r>
+            <a:r>
+              <a:rPr lang="en-US" altLang="ko-KR" sz="1600" dirty="0">
+                <a:solidFill>
+                  <a:srgbClr val="89DDFF"/>
+                </a:solidFill>
+                <a:latin typeface="Fira Code" panose="020B0809050000020004" pitchFamily="49" charset="0"/>
+              </a:rPr>
+              <a:t>[</a:t>
+            </a:r>
+            <a:r>
+              <a:rPr lang="en-US" altLang="ko-KR" sz="1600" dirty="0">
+                <a:solidFill>
+                  <a:srgbClr val="EEFFFF"/>
+                </a:solidFill>
+                <a:latin typeface="Fira Code" panose="020B0809050000020004" pitchFamily="49" charset="0"/>
+              </a:rPr>
+              <a:t>start</a:t>
+            </a:r>
+            <a:r>
+              <a:rPr lang="en-US" altLang="ko-KR" sz="1600" dirty="0">
+                <a:solidFill>
+                  <a:srgbClr val="89DDFF"/>
+                </a:solidFill>
+                <a:latin typeface="Fira Code" panose="020B0809050000020004" pitchFamily="49" charset="0"/>
+              </a:rPr>
+              <a:t>]</a:t>
+            </a:r>
+            <a:endParaRPr lang="en-US" altLang="ko-KR" sz="1600" dirty="0">
+              <a:solidFill>
+                <a:srgbClr val="EEFFFF"/>
+              </a:solidFill>
+              <a:latin typeface="Fira Code" panose="020B0809050000020004" pitchFamily="49" charset="0"/>
+            </a:endParaRPr>
+          </a:p>
+          <a:p>
+            <a:pPr marL="0" indent="0">
+              <a:buNone/>
+            </a:pPr>
+            <a:endParaRPr lang="ko-KR" altLang="en-US" sz="1600" dirty="0"/>
           </a:p>
         </p:txBody>
       </p:sp>
     </p:spTree>
     <p:extLst>
       <p:ext uri="{BB962C8B-B14F-4D97-AF65-F5344CB8AC3E}">
-        <p14:creationId xmlns:p14="http://schemas.microsoft.com/office/powerpoint/2010/main" val="1490486930"/>
+        <p14:creationId xmlns:p14="http://schemas.microsoft.com/office/powerpoint/2010/main" val="1947378056"/>
+      </p:ext>
+    </p:extLst>
+  </p:cSld>
+  <p:clrMapOvr>
+    <a:masterClrMapping/>
+  </p:clrMapOvr>
+</p:sld>
+</file>
+
+<file path=ppt/slides/slide8.xml><?xml version="1.0" encoding="utf-8"?>
+<p:sld xmlns:a="http://schemas.openxmlformats.org/drawingml/2006/main" xmlns:r="http://schemas.openxmlformats.org/officeDocument/2006/relationships" xmlns:p="http://schemas.openxmlformats.org/presentationml/2006/main">
+  <p:cSld>
+    <p:bg>
+      <p:bgPr>
+        <a:solidFill>
+          <a:srgbClr val="042C3A"/>
+        </a:solidFill>
+        <a:effectLst/>
+      </p:bgPr>
+    </p:bg>
+    <p:spTree>
+      <p:nvGrpSpPr>
+        <p:cNvPr id="1" name=""/>
+        <p:cNvGrpSpPr/>
+        <p:nvPr/>
+      </p:nvGrpSpPr>
+      <p:grpSpPr>
+        <a:xfrm>
+          <a:off x="0" y="0"/>
+          <a:ext cx="0" cy="0"/>
+          <a:chOff x="0" y="0"/>
+          <a:chExt cx="0" cy="0"/>
+        </a:xfrm>
+      </p:grpSpPr>
+      <p:sp>
+        <p:nvSpPr>
+          <p:cNvPr id="3" name="내용 개체 틀 2"/>
+          <p:cNvSpPr>
+            <a:spLocks noGrp="1"/>
+          </p:cNvSpPr>
+          <p:nvPr>
+            <p:ph idx="1"/>
+          </p:nvPr>
+        </p:nvSpPr>
+        <p:spPr/>
+        <p:txBody>
+          <a:bodyPr>
+            <a:normAutofit lnSpcReduction="10000"/>
+          </a:bodyPr>
+          <a:lstStyle/>
+          <a:p>
+            <a:pPr marL="0" indent="0">
+              <a:lnSpc>
+                <a:spcPct val="110000"/>
+              </a:lnSpc>
+              <a:buNone/>
+            </a:pPr>
+            <a:r>
+              <a:rPr lang="en-US" altLang="ko-KR" sz="1400" dirty="0">
+                <a:solidFill>
+                  <a:srgbClr val="EEFFFF"/>
+                </a:solidFill>
+                <a:latin typeface="Fira Code" panose="020B0809050000020004" pitchFamily="49" charset="0"/>
+              </a:rPr>
+              <a:t>  </a:t>
+            </a:r>
+            <a:r>
+              <a:rPr lang="en-US" altLang="ko-KR" sz="1400" dirty="0">
+                <a:solidFill>
+                  <a:srgbClr val="89DDFF"/>
+                </a:solidFill>
+                <a:latin typeface="Fira Code" panose="020B0809050000020004" pitchFamily="49" charset="0"/>
+              </a:rPr>
+              <a:t>if</a:t>
+            </a:r>
+            <a:r>
+              <a:rPr lang="en-US" altLang="ko-KR" sz="1400" dirty="0">
+                <a:solidFill>
+                  <a:srgbClr val="EEFFFF"/>
+                </a:solidFill>
+                <a:latin typeface="Fira Code" panose="020B0809050000020004" pitchFamily="49" charset="0"/>
+              </a:rPr>
+              <a:t> kind </a:t>
+            </a:r>
+            <a:r>
+              <a:rPr lang="en-US" altLang="ko-KR" sz="1400" dirty="0">
+                <a:solidFill>
+                  <a:srgbClr val="C792EA"/>
+                </a:solidFill>
+                <a:latin typeface="Fira Code" panose="020B0809050000020004" pitchFamily="49" charset="0"/>
+              </a:rPr>
+              <a:t>==</a:t>
+            </a:r>
+            <a:r>
+              <a:rPr lang="en-US" altLang="ko-KR" sz="1400" dirty="0">
+                <a:solidFill>
+                  <a:srgbClr val="EEFFFF"/>
+                </a:solidFill>
+                <a:latin typeface="Fira Code" panose="020B0809050000020004" pitchFamily="49" charset="0"/>
+              </a:rPr>
+              <a:t> </a:t>
+            </a:r>
+            <a:r>
+              <a:rPr lang="en-US" altLang="ko-KR" sz="1400" dirty="0">
+                <a:solidFill>
+                  <a:srgbClr val="89DDFF"/>
+                </a:solidFill>
+                <a:latin typeface="Fira Code" panose="020B0809050000020004" pitchFamily="49" charset="0"/>
+              </a:rPr>
+              <a:t>'</a:t>
+            </a:r>
+            <a:r>
+              <a:rPr lang="en-US" altLang="ko-KR" sz="1400" dirty="0">
+                <a:solidFill>
+                  <a:srgbClr val="C3E88D"/>
+                </a:solidFill>
+                <a:latin typeface="Fira Code" panose="020B0809050000020004" pitchFamily="49" charset="0"/>
+              </a:rPr>
+              <a:t>group</a:t>
+            </a:r>
+            <a:r>
+              <a:rPr lang="en-US" altLang="ko-KR" sz="1400" dirty="0">
+                <a:solidFill>
+                  <a:srgbClr val="89DDFF"/>
+                </a:solidFill>
+                <a:latin typeface="Fira Code" panose="020B0809050000020004" pitchFamily="49" charset="0"/>
+              </a:rPr>
+              <a:t>':</a:t>
+            </a:r>
+            <a:r>
+              <a:rPr lang="en-US" altLang="ko-KR" sz="1400" dirty="0">
+                <a:solidFill>
+                  <a:srgbClr val="EEFFFF"/>
+                </a:solidFill>
+                <a:latin typeface="Fira Code" panose="020B0809050000020004" pitchFamily="49" charset="0"/>
+              </a:rPr>
+              <a:t> </a:t>
+            </a:r>
+            <a:r>
+              <a:rPr lang="en-US" altLang="ko-KR" sz="1400" i="1" dirty="0">
+                <a:solidFill>
+                  <a:srgbClr val="546E7A"/>
+                </a:solidFill>
+                <a:latin typeface="Fira Code" panose="020B0809050000020004" pitchFamily="49" charset="0"/>
+              </a:rPr>
+              <a:t># </a:t>
+            </a:r>
+            <a:r>
+              <a:rPr lang="ko-KR" altLang="en-US" sz="1400" i="1" dirty="0">
+                <a:solidFill>
+                  <a:srgbClr val="546E7A"/>
+                </a:solidFill>
+                <a:latin typeface="Fira Code" panose="020B0809050000020004" pitchFamily="49" charset="0"/>
+              </a:rPr>
+              <a:t>괄호 열기</a:t>
+            </a:r>
+            <a:endParaRPr lang="ko-KR" altLang="en-US" sz="1400" dirty="0">
+              <a:solidFill>
+                <a:srgbClr val="EEFFFF"/>
+              </a:solidFill>
+              <a:latin typeface="Fira Code" panose="020B0809050000020004" pitchFamily="49" charset="0"/>
+            </a:endParaRPr>
+          </a:p>
+          <a:p>
+            <a:pPr marL="0" indent="0">
+              <a:lnSpc>
+                <a:spcPct val="110000"/>
+              </a:lnSpc>
+              <a:buNone/>
+            </a:pPr>
+            <a:r>
+              <a:rPr lang="ko-KR" altLang="en-US" sz="1400" dirty="0">
+                <a:solidFill>
+                  <a:srgbClr val="EEFFFF"/>
+                </a:solidFill>
+                <a:latin typeface="Fira Code" panose="020B0809050000020004" pitchFamily="49" charset="0"/>
+              </a:rPr>
+              <a:t>    </a:t>
+            </a:r>
+            <a:r>
+              <a:rPr lang="en-US" altLang="ko-KR" sz="1400" dirty="0">
+                <a:solidFill>
+                  <a:srgbClr val="EEFFFF"/>
+                </a:solidFill>
+                <a:latin typeface="Fira Code" panose="020B0809050000020004" pitchFamily="49" charset="0"/>
+              </a:rPr>
+              <a:t>node </a:t>
+            </a:r>
+            <a:r>
+              <a:rPr lang="en-US" altLang="ko-KR" sz="1400" dirty="0">
+                <a:solidFill>
+                  <a:srgbClr val="C792EA"/>
+                </a:solidFill>
+                <a:latin typeface="Fira Code" panose="020B0809050000020004" pitchFamily="49" charset="0"/>
+              </a:rPr>
+              <a:t>=</a:t>
+            </a:r>
+            <a:r>
+              <a:rPr lang="en-US" altLang="ko-KR" sz="1400" dirty="0">
+                <a:solidFill>
+                  <a:srgbClr val="EEFFFF"/>
+                </a:solidFill>
+                <a:latin typeface="Fira Code" panose="020B0809050000020004" pitchFamily="49" charset="0"/>
+              </a:rPr>
+              <a:t> </a:t>
+            </a:r>
+            <a:r>
+              <a:rPr lang="en-US" altLang="ko-KR" sz="1400" dirty="0" err="1">
+                <a:solidFill>
+                  <a:srgbClr val="EEFFFF"/>
+                </a:solidFill>
+                <a:latin typeface="Fira Code" panose="020B0809050000020004" pitchFamily="49" charset="0"/>
+              </a:rPr>
+              <a:t>parseToAst</a:t>
+            </a:r>
+            <a:r>
+              <a:rPr lang="en-US" altLang="ko-KR" sz="1400" dirty="0">
+                <a:solidFill>
+                  <a:srgbClr val="89DDFF"/>
+                </a:solidFill>
+                <a:latin typeface="Fira Code" panose="020B0809050000020004" pitchFamily="49" charset="0"/>
+              </a:rPr>
+              <a:t>(</a:t>
+            </a:r>
+            <a:r>
+              <a:rPr lang="en-US" altLang="ko-KR" sz="1400" dirty="0">
+                <a:solidFill>
+                  <a:srgbClr val="EEFFFF"/>
+                </a:solidFill>
+                <a:latin typeface="Fira Code" panose="020B0809050000020004" pitchFamily="49" charset="0"/>
+              </a:rPr>
+              <a:t>tokens</a:t>
+            </a:r>
+            <a:r>
+              <a:rPr lang="en-US" altLang="ko-KR" sz="1400" dirty="0">
+                <a:solidFill>
+                  <a:srgbClr val="89DDFF"/>
+                </a:solidFill>
+                <a:latin typeface="Fira Code" panose="020B0809050000020004" pitchFamily="49" charset="0"/>
+              </a:rPr>
+              <a:t>,</a:t>
+            </a:r>
+            <a:r>
+              <a:rPr lang="en-US" altLang="ko-KR" sz="1400" dirty="0">
+                <a:solidFill>
+                  <a:srgbClr val="EEFFFF"/>
+                </a:solidFill>
+                <a:latin typeface="Fira Code" panose="020B0809050000020004" pitchFamily="49" charset="0"/>
+              </a:rPr>
+              <a:t> nodes</a:t>
+            </a:r>
+            <a:r>
+              <a:rPr lang="en-US" altLang="ko-KR" sz="1400" dirty="0">
+                <a:solidFill>
+                  <a:srgbClr val="89DDFF"/>
+                </a:solidFill>
+                <a:latin typeface="Fira Code" panose="020B0809050000020004" pitchFamily="49" charset="0"/>
+              </a:rPr>
+              <a:t>,</a:t>
+            </a:r>
+            <a:r>
+              <a:rPr lang="en-US" altLang="ko-KR" sz="1400" dirty="0">
+                <a:solidFill>
+                  <a:srgbClr val="EEFFFF"/>
+                </a:solidFill>
+                <a:latin typeface="Fira Code" panose="020B0809050000020004" pitchFamily="49" charset="0"/>
+              </a:rPr>
+              <a:t> start </a:t>
+            </a:r>
+            <a:r>
+              <a:rPr lang="en-US" altLang="ko-KR" sz="1400" dirty="0">
+                <a:solidFill>
+                  <a:srgbClr val="C792EA"/>
+                </a:solidFill>
+                <a:latin typeface="Fira Code" panose="020B0809050000020004" pitchFamily="49" charset="0"/>
+              </a:rPr>
+              <a:t>+</a:t>
+            </a:r>
+            <a:r>
+              <a:rPr lang="en-US" altLang="ko-KR" sz="1400" dirty="0">
+                <a:solidFill>
+                  <a:srgbClr val="EEFFFF"/>
+                </a:solidFill>
+                <a:latin typeface="Fira Code" panose="020B0809050000020004" pitchFamily="49" charset="0"/>
+              </a:rPr>
+              <a:t> </a:t>
+            </a:r>
+            <a:r>
+              <a:rPr lang="en-US" altLang="ko-KR" sz="1400" dirty="0">
+                <a:solidFill>
+                  <a:srgbClr val="F78C6C"/>
+                </a:solidFill>
+                <a:latin typeface="Fira Code" panose="020B0809050000020004" pitchFamily="49" charset="0"/>
+              </a:rPr>
+              <a:t>1</a:t>
+            </a:r>
+            <a:r>
+              <a:rPr lang="en-US" altLang="ko-KR" sz="1400" dirty="0">
+                <a:solidFill>
+                  <a:srgbClr val="89DDFF"/>
+                </a:solidFill>
+                <a:latin typeface="Fira Code" panose="020B0809050000020004" pitchFamily="49" charset="0"/>
+              </a:rPr>
+              <a:t>,</a:t>
+            </a:r>
+            <a:r>
+              <a:rPr lang="en-US" altLang="ko-KR" sz="1400" dirty="0">
+                <a:solidFill>
+                  <a:srgbClr val="EEFFFF"/>
+                </a:solidFill>
+                <a:latin typeface="Fira Code" panose="020B0809050000020004" pitchFamily="49" charset="0"/>
+              </a:rPr>
+              <a:t> end</a:t>
+            </a:r>
+            <a:r>
+              <a:rPr lang="en-US" altLang="ko-KR" sz="1400" dirty="0">
+                <a:solidFill>
+                  <a:srgbClr val="89DDFF"/>
+                </a:solidFill>
+                <a:latin typeface="Fira Code" panose="020B0809050000020004" pitchFamily="49" charset="0"/>
+              </a:rPr>
+              <a:t>)</a:t>
+            </a:r>
+            <a:endParaRPr lang="en-US" altLang="ko-KR" sz="1400" dirty="0">
+              <a:solidFill>
+                <a:srgbClr val="EEFFFF"/>
+              </a:solidFill>
+              <a:latin typeface="Fira Code" panose="020B0809050000020004" pitchFamily="49" charset="0"/>
+            </a:endParaRPr>
+          </a:p>
+          <a:p>
+            <a:pPr marL="0" indent="0">
+              <a:lnSpc>
+                <a:spcPct val="110000"/>
+              </a:lnSpc>
+              <a:buNone/>
+            </a:pPr>
+            <a:r>
+              <a:rPr lang="en-US" altLang="ko-KR" sz="1400" dirty="0">
+                <a:solidFill>
+                  <a:srgbClr val="EEFFFF"/>
+                </a:solidFill>
+                <a:latin typeface="Fira Code" panose="020B0809050000020004" pitchFamily="49" charset="0"/>
+              </a:rPr>
+              <a:t>    </a:t>
+            </a:r>
+            <a:r>
+              <a:rPr lang="en-US" altLang="ko-KR" sz="1400" dirty="0">
+                <a:solidFill>
+                  <a:srgbClr val="89DDFF"/>
+                </a:solidFill>
+                <a:latin typeface="Fira Code" panose="020B0809050000020004" pitchFamily="49" charset="0"/>
+              </a:rPr>
+              <a:t>return</a:t>
+            </a:r>
+            <a:r>
+              <a:rPr lang="en-US" altLang="ko-KR" sz="1400" dirty="0">
+                <a:solidFill>
+                  <a:srgbClr val="EEFFFF"/>
+                </a:solidFill>
+                <a:latin typeface="Fira Code" panose="020B0809050000020004" pitchFamily="49" charset="0"/>
+              </a:rPr>
+              <a:t> Group</a:t>
+            </a:r>
+            <a:r>
+              <a:rPr lang="en-US" altLang="ko-KR" sz="1400" dirty="0">
+                <a:solidFill>
+                  <a:srgbClr val="89DDFF"/>
+                </a:solidFill>
+                <a:latin typeface="Fira Code" panose="020B0809050000020004" pitchFamily="49" charset="0"/>
+              </a:rPr>
+              <a:t>(</a:t>
+            </a:r>
+            <a:r>
+              <a:rPr lang="en-US" altLang="ko-KR" sz="1400" dirty="0" err="1">
+                <a:solidFill>
+                  <a:srgbClr val="EEFFFF"/>
+                </a:solidFill>
+                <a:latin typeface="Fira Code" panose="020B0809050000020004" pitchFamily="49" charset="0"/>
+              </a:rPr>
+              <a:t>TokenReference</a:t>
+            </a:r>
+            <a:r>
+              <a:rPr lang="en-US" altLang="ko-KR" sz="1400" dirty="0" err="1">
+                <a:solidFill>
+                  <a:srgbClr val="89DDFF"/>
+                </a:solidFill>
+                <a:latin typeface="Fira Code" panose="020B0809050000020004" pitchFamily="49" charset="0"/>
+              </a:rPr>
+              <a:t>.</a:t>
+            </a:r>
+            <a:r>
+              <a:rPr lang="en-US" altLang="ko-KR" sz="1400" dirty="0" err="1">
+                <a:solidFill>
+                  <a:srgbClr val="EEFFFF"/>
+                </a:solidFill>
+                <a:latin typeface="Fira Code" panose="020B0809050000020004" pitchFamily="49" charset="0"/>
+              </a:rPr>
+              <a:t>ofCount</a:t>
+            </a:r>
+            <a:r>
+              <a:rPr lang="en-US" altLang="ko-KR" sz="1400" dirty="0">
+                <a:solidFill>
+                  <a:srgbClr val="89DDFF"/>
+                </a:solidFill>
+                <a:latin typeface="Fira Code" panose="020B0809050000020004" pitchFamily="49" charset="0"/>
+              </a:rPr>
+              <a:t>(</a:t>
+            </a:r>
+            <a:r>
+              <a:rPr lang="en-US" altLang="ko-KR" sz="1400" dirty="0" err="1">
+                <a:solidFill>
+                  <a:srgbClr val="FC788E"/>
+                </a:solidFill>
+                <a:latin typeface="Fira Code" panose="020B0809050000020004" pitchFamily="49" charset="0"/>
+              </a:rPr>
+              <a:t>allTokens</a:t>
+            </a:r>
+            <a:r>
+              <a:rPr lang="en-US" altLang="ko-KR" sz="1400" dirty="0">
+                <a:solidFill>
+                  <a:srgbClr val="C792EA"/>
+                </a:solidFill>
+                <a:latin typeface="Fira Code" panose="020B0809050000020004" pitchFamily="49" charset="0"/>
+              </a:rPr>
+              <a:t>=</a:t>
+            </a:r>
+            <a:r>
+              <a:rPr lang="en-US" altLang="ko-KR" sz="1400" dirty="0">
+                <a:solidFill>
+                  <a:srgbClr val="EEFFFF"/>
+                </a:solidFill>
+                <a:latin typeface="Fira Code" panose="020B0809050000020004" pitchFamily="49" charset="0"/>
+              </a:rPr>
+              <a:t>tokens</a:t>
+            </a:r>
+            <a:r>
+              <a:rPr lang="en-US" altLang="ko-KR" sz="1400" dirty="0">
+                <a:solidFill>
+                  <a:srgbClr val="89DDFF"/>
+                </a:solidFill>
+                <a:latin typeface="Fira Code" panose="020B0809050000020004" pitchFamily="49" charset="0"/>
+              </a:rPr>
+              <a:t>,</a:t>
+            </a:r>
+            <a:r>
+              <a:rPr lang="en-US" altLang="ko-KR" sz="1400" dirty="0">
+                <a:solidFill>
+                  <a:srgbClr val="EEFFFF"/>
+                </a:solidFill>
+                <a:latin typeface="Fira Code" panose="020B0809050000020004" pitchFamily="49" charset="0"/>
+              </a:rPr>
+              <a:t> </a:t>
+            </a:r>
+            <a:r>
+              <a:rPr lang="en-US" altLang="ko-KR" sz="1400" dirty="0">
+                <a:solidFill>
+                  <a:srgbClr val="FC788E"/>
+                </a:solidFill>
+                <a:latin typeface="Fira Code" panose="020B0809050000020004" pitchFamily="49" charset="0"/>
+              </a:rPr>
+              <a:t>start</a:t>
+            </a:r>
+            <a:r>
+              <a:rPr lang="en-US" altLang="ko-KR" sz="1400" dirty="0">
+                <a:solidFill>
+                  <a:srgbClr val="C792EA"/>
+                </a:solidFill>
+                <a:latin typeface="Fira Code" panose="020B0809050000020004" pitchFamily="49" charset="0"/>
+              </a:rPr>
+              <a:t>=</a:t>
+            </a:r>
+            <a:r>
+              <a:rPr lang="en-US" altLang="ko-KR" sz="1400" dirty="0">
+                <a:solidFill>
+                  <a:srgbClr val="EEFFFF"/>
+                </a:solidFill>
+                <a:latin typeface="Fira Code" panose="020B0809050000020004" pitchFamily="49" charset="0"/>
+              </a:rPr>
+              <a:t>start</a:t>
+            </a:r>
+            <a:r>
+              <a:rPr lang="en-US" altLang="ko-KR" sz="1400" dirty="0">
+                <a:solidFill>
+                  <a:srgbClr val="89DDFF"/>
+                </a:solidFill>
+                <a:latin typeface="Fira Code" panose="020B0809050000020004" pitchFamily="49" charset="0"/>
+              </a:rPr>
+              <a:t>,</a:t>
+            </a:r>
+            <a:r>
+              <a:rPr lang="en-US" altLang="ko-KR" sz="1400" dirty="0">
+                <a:solidFill>
+                  <a:srgbClr val="EEFFFF"/>
+                </a:solidFill>
+                <a:latin typeface="Fira Code" panose="020B0809050000020004" pitchFamily="49" charset="0"/>
+              </a:rPr>
+              <a:t> </a:t>
+            </a:r>
+            <a:r>
+              <a:rPr lang="en-US" altLang="ko-KR" sz="1400" dirty="0">
+                <a:solidFill>
+                  <a:srgbClr val="FC788E"/>
+                </a:solidFill>
+                <a:latin typeface="Fira Code" panose="020B0809050000020004" pitchFamily="49" charset="0"/>
+              </a:rPr>
+              <a:t>count</a:t>
+            </a:r>
+            <a:r>
+              <a:rPr lang="en-US" altLang="ko-KR" sz="1400" dirty="0">
+                <a:solidFill>
+                  <a:srgbClr val="C792EA"/>
+                </a:solidFill>
+                <a:latin typeface="Fira Code" panose="020B0809050000020004" pitchFamily="49" charset="0"/>
+              </a:rPr>
+              <a:t>=</a:t>
+            </a:r>
+            <a:r>
+              <a:rPr lang="en-US" altLang="ko-KR" sz="1400" dirty="0" err="1">
+                <a:solidFill>
+                  <a:srgbClr val="82AAFF"/>
+                </a:solidFill>
+                <a:latin typeface="Fira Code" panose="020B0809050000020004" pitchFamily="49" charset="0"/>
+              </a:rPr>
+              <a:t>len</a:t>
+            </a:r>
+            <a:r>
+              <a:rPr lang="en-US" altLang="ko-KR" sz="1400" dirty="0">
+                <a:solidFill>
+                  <a:srgbClr val="89DDFF"/>
+                </a:solidFill>
+                <a:latin typeface="Fira Code" panose="020B0809050000020004" pitchFamily="49" charset="0"/>
+              </a:rPr>
+              <a:t>(</a:t>
+            </a:r>
+            <a:r>
+              <a:rPr lang="en-US" altLang="ko-KR" sz="1400" dirty="0" err="1">
+                <a:solidFill>
+                  <a:srgbClr val="EEFFFF"/>
+                </a:solidFill>
+                <a:latin typeface="Fira Code" panose="020B0809050000020004" pitchFamily="49" charset="0"/>
+              </a:rPr>
+              <a:t>node</a:t>
+            </a:r>
+            <a:r>
+              <a:rPr lang="en-US" altLang="ko-KR" sz="1400" dirty="0" err="1">
+                <a:solidFill>
+                  <a:srgbClr val="89DDFF"/>
+                </a:solidFill>
+                <a:latin typeface="Fira Code" panose="020B0809050000020004" pitchFamily="49" charset="0"/>
+              </a:rPr>
+              <a:t>.</a:t>
+            </a:r>
+            <a:r>
+              <a:rPr lang="en-US" altLang="ko-KR" sz="1400" dirty="0" err="1">
+                <a:solidFill>
+                  <a:srgbClr val="EEFFFF"/>
+                </a:solidFill>
+                <a:latin typeface="Fira Code" panose="020B0809050000020004" pitchFamily="49" charset="0"/>
+              </a:rPr>
+              <a:t>tokens</a:t>
+            </a:r>
+            <a:r>
+              <a:rPr lang="en-US" altLang="ko-KR" sz="1400" dirty="0">
+                <a:solidFill>
+                  <a:srgbClr val="89DDFF"/>
+                </a:solidFill>
+                <a:latin typeface="Fira Code" panose="020B0809050000020004" pitchFamily="49" charset="0"/>
+              </a:rPr>
+              <a:t>)</a:t>
+            </a:r>
+            <a:r>
+              <a:rPr lang="en-US" altLang="ko-KR" sz="1400" dirty="0">
+                <a:solidFill>
+                  <a:srgbClr val="EEFFFF"/>
+                </a:solidFill>
+                <a:latin typeface="Fira Code" panose="020B0809050000020004" pitchFamily="49" charset="0"/>
+              </a:rPr>
+              <a:t> </a:t>
+            </a:r>
+            <a:r>
+              <a:rPr lang="en-US" altLang="ko-KR" sz="1400" dirty="0">
+                <a:solidFill>
+                  <a:srgbClr val="C792EA"/>
+                </a:solidFill>
+                <a:latin typeface="Fira Code" panose="020B0809050000020004" pitchFamily="49" charset="0"/>
+              </a:rPr>
+              <a:t>+</a:t>
+            </a:r>
+            <a:r>
+              <a:rPr lang="en-US" altLang="ko-KR" sz="1400" dirty="0">
+                <a:solidFill>
+                  <a:srgbClr val="EEFFFF"/>
+                </a:solidFill>
+                <a:latin typeface="Fira Code" panose="020B0809050000020004" pitchFamily="49" charset="0"/>
+              </a:rPr>
+              <a:t> </a:t>
+            </a:r>
+            <a:r>
+              <a:rPr lang="en-US" altLang="ko-KR" sz="1400" dirty="0">
+                <a:solidFill>
+                  <a:srgbClr val="F78C6C"/>
+                </a:solidFill>
+                <a:latin typeface="Fira Code" panose="020B0809050000020004" pitchFamily="49" charset="0"/>
+              </a:rPr>
+              <a:t>2</a:t>
+            </a:r>
+            <a:r>
+              <a:rPr lang="en-US" altLang="ko-KR" sz="1400" dirty="0">
+                <a:solidFill>
+                  <a:srgbClr val="89DDFF"/>
+                </a:solidFill>
+                <a:latin typeface="Fira Code" panose="020B0809050000020004" pitchFamily="49" charset="0"/>
+              </a:rPr>
+              <a:t>),</a:t>
+            </a:r>
+            <a:r>
+              <a:rPr lang="en-US" altLang="ko-KR" sz="1400" dirty="0">
+                <a:solidFill>
+                  <a:srgbClr val="EEFFFF"/>
+                </a:solidFill>
+                <a:latin typeface="Fira Code" panose="020B0809050000020004" pitchFamily="49" charset="0"/>
+              </a:rPr>
+              <a:t> node</a:t>
+            </a:r>
+            <a:r>
+              <a:rPr lang="en-US" altLang="ko-KR" sz="1400" dirty="0" smtClean="0">
+                <a:solidFill>
+                  <a:srgbClr val="89DDFF"/>
+                </a:solidFill>
+                <a:latin typeface="Fira Code" panose="020B0809050000020004" pitchFamily="49" charset="0"/>
+              </a:rPr>
+              <a:t>)</a:t>
+            </a:r>
+          </a:p>
+          <a:p>
+            <a:pPr marL="0" indent="0">
+              <a:lnSpc>
+                <a:spcPct val="110000"/>
+              </a:lnSpc>
+              <a:buNone/>
+            </a:pPr>
+            <a:r>
+              <a:rPr lang="en-US" altLang="ko-KR" sz="1400" dirty="0">
+                <a:solidFill>
+                  <a:srgbClr val="EEFFFF"/>
+                </a:solidFill>
+                <a:latin typeface="Fira Code" panose="020B0809050000020004" pitchFamily="49" charset="0"/>
+              </a:rPr>
+              <a:t/>
+            </a:r>
+            <a:br>
+              <a:rPr lang="en-US" altLang="ko-KR" sz="1400" dirty="0">
+                <a:solidFill>
+                  <a:srgbClr val="EEFFFF"/>
+                </a:solidFill>
+                <a:latin typeface="Fira Code" panose="020B0809050000020004" pitchFamily="49" charset="0"/>
+              </a:rPr>
+            </a:br>
+            <a:r>
+              <a:rPr lang="en-US" altLang="ko-KR" sz="1400" dirty="0">
+                <a:solidFill>
+                  <a:srgbClr val="EEFFFF"/>
+                </a:solidFill>
+                <a:latin typeface="Fira Code" panose="020B0809050000020004" pitchFamily="49" charset="0"/>
+              </a:rPr>
+              <a:t>  </a:t>
+            </a:r>
+            <a:r>
+              <a:rPr lang="en-US" altLang="ko-KR" sz="1400" dirty="0">
+                <a:solidFill>
+                  <a:srgbClr val="89DDFF"/>
+                </a:solidFill>
+                <a:latin typeface="Fira Code" panose="020B0809050000020004" pitchFamily="49" charset="0"/>
+              </a:rPr>
+              <a:t>if</a:t>
+            </a:r>
+            <a:r>
+              <a:rPr lang="en-US" altLang="ko-KR" sz="1400" dirty="0">
+                <a:solidFill>
+                  <a:srgbClr val="EEFFFF"/>
+                </a:solidFill>
+                <a:latin typeface="Fira Code" panose="020B0809050000020004" pitchFamily="49" charset="0"/>
+              </a:rPr>
+              <a:t> kind </a:t>
+            </a:r>
+            <a:r>
+              <a:rPr lang="en-US" altLang="ko-KR" sz="1400" dirty="0">
+                <a:solidFill>
+                  <a:srgbClr val="C792EA"/>
+                </a:solidFill>
+                <a:latin typeface="Fira Code" panose="020B0809050000020004" pitchFamily="49" charset="0"/>
+              </a:rPr>
+              <a:t>==</a:t>
+            </a:r>
+            <a:r>
+              <a:rPr lang="en-US" altLang="ko-KR" sz="1400" dirty="0">
+                <a:solidFill>
+                  <a:srgbClr val="EEFFFF"/>
+                </a:solidFill>
+                <a:latin typeface="Fira Code" panose="020B0809050000020004" pitchFamily="49" charset="0"/>
+              </a:rPr>
+              <a:t> </a:t>
+            </a:r>
+            <a:r>
+              <a:rPr lang="en-US" altLang="ko-KR" sz="1400" dirty="0">
+                <a:solidFill>
+                  <a:srgbClr val="89DDFF"/>
+                </a:solidFill>
+                <a:latin typeface="Fira Code" panose="020B0809050000020004" pitchFamily="49" charset="0"/>
+              </a:rPr>
+              <a:t>'</a:t>
+            </a:r>
+            <a:r>
+              <a:rPr lang="en-US" altLang="ko-KR" sz="1400" dirty="0">
+                <a:solidFill>
+                  <a:srgbClr val="C3E88D"/>
+                </a:solidFill>
+                <a:latin typeface="Fira Code" panose="020B0809050000020004" pitchFamily="49" charset="0"/>
+              </a:rPr>
+              <a:t>operator</a:t>
+            </a:r>
+            <a:r>
+              <a:rPr lang="en-US" altLang="ko-KR" sz="1400" dirty="0">
+                <a:solidFill>
+                  <a:srgbClr val="89DDFF"/>
+                </a:solidFill>
+                <a:latin typeface="Fira Code" panose="020B0809050000020004" pitchFamily="49" charset="0"/>
+              </a:rPr>
+              <a:t>':</a:t>
+            </a:r>
+            <a:r>
+              <a:rPr lang="en-US" altLang="ko-KR" sz="1400" dirty="0">
+                <a:solidFill>
+                  <a:srgbClr val="EEFFFF"/>
+                </a:solidFill>
+                <a:latin typeface="Fira Code" panose="020B0809050000020004" pitchFamily="49" charset="0"/>
+              </a:rPr>
+              <a:t> </a:t>
+            </a:r>
+            <a:r>
+              <a:rPr lang="en-US" altLang="ko-KR" sz="1400" i="1" dirty="0">
+                <a:solidFill>
+                  <a:srgbClr val="546E7A"/>
+                </a:solidFill>
+                <a:latin typeface="Fira Code" panose="020B0809050000020004" pitchFamily="49" charset="0"/>
+              </a:rPr>
+              <a:t># </a:t>
+            </a:r>
+            <a:r>
+              <a:rPr lang="ko-KR" altLang="en-US" sz="1400" i="1" dirty="0">
+                <a:solidFill>
+                  <a:srgbClr val="546E7A"/>
+                </a:solidFill>
+                <a:latin typeface="Fira Code" panose="020B0809050000020004" pitchFamily="49" charset="0"/>
+              </a:rPr>
+              <a:t>연산자</a:t>
+            </a:r>
+            <a:r>
+              <a:rPr lang="en-US" altLang="ko-KR" sz="1400" i="1" dirty="0">
+                <a:solidFill>
+                  <a:srgbClr val="546E7A"/>
+                </a:solidFill>
+                <a:latin typeface="Fira Code" panose="020B0809050000020004" pitchFamily="49" charset="0"/>
+              </a:rPr>
+              <a:t>: </a:t>
+            </a:r>
+            <a:r>
+              <a:rPr lang="ko-KR" altLang="en-US" sz="1400" i="1" dirty="0">
+                <a:solidFill>
+                  <a:srgbClr val="546E7A"/>
+                </a:solidFill>
+                <a:latin typeface="Fira Code" panose="020B0809050000020004" pitchFamily="49" charset="0"/>
+              </a:rPr>
+              <a:t>처음부터 이게 오면 </a:t>
+            </a:r>
+            <a:r>
+              <a:rPr lang="ko-KR" altLang="en-US" sz="1400" i="1" dirty="0" err="1">
+                <a:solidFill>
+                  <a:srgbClr val="546E7A"/>
+                </a:solidFill>
+                <a:latin typeface="Fira Code" panose="020B0809050000020004" pitchFamily="49" charset="0"/>
+              </a:rPr>
+              <a:t>단항</a:t>
+            </a:r>
+            <a:r>
+              <a:rPr lang="ko-KR" altLang="en-US" sz="1400" i="1" dirty="0">
+                <a:solidFill>
+                  <a:srgbClr val="546E7A"/>
+                </a:solidFill>
+                <a:latin typeface="Fira Code" panose="020B0809050000020004" pitchFamily="49" charset="0"/>
+              </a:rPr>
+              <a:t> 연산자임</a:t>
+            </a:r>
+            <a:endParaRPr lang="ko-KR" altLang="en-US" sz="1400" dirty="0">
+              <a:solidFill>
+                <a:srgbClr val="EEFFFF"/>
+              </a:solidFill>
+              <a:latin typeface="Fira Code" panose="020B0809050000020004" pitchFamily="49" charset="0"/>
+            </a:endParaRPr>
+          </a:p>
+          <a:p>
+            <a:pPr marL="0" indent="0">
+              <a:lnSpc>
+                <a:spcPct val="110000"/>
+              </a:lnSpc>
+              <a:buNone/>
+            </a:pPr>
+            <a:r>
+              <a:rPr lang="ko-KR" altLang="en-US" sz="1400" dirty="0">
+                <a:solidFill>
+                  <a:srgbClr val="EEFFFF"/>
+                </a:solidFill>
+                <a:latin typeface="Fira Code" panose="020B0809050000020004" pitchFamily="49" charset="0"/>
+              </a:rPr>
+              <a:t>    </a:t>
+            </a:r>
+            <a:r>
+              <a:rPr lang="en-US" altLang="ko-KR" sz="1400" dirty="0">
+                <a:solidFill>
+                  <a:srgbClr val="EEFFFF"/>
+                </a:solidFill>
+                <a:latin typeface="Fira Code" panose="020B0809050000020004" pitchFamily="49" charset="0"/>
+              </a:rPr>
+              <a:t>value </a:t>
+            </a:r>
+            <a:r>
+              <a:rPr lang="en-US" altLang="ko-KR" sz="1400" dirty="0">
+                <a:solidFill>
+                  <a:srgbClr val="C792EA"/>
+                </a:solidFill>
+                <a:latin typeface="Fira Code" panose="020B0809050000020004" pitchFamily="49" charset="0"/>
+              </a:rPr>
+              <a:t>=</a:t>
+            </a:r>
+            <a:r>
+              <a:rPr lang="en-US" altLang="ko-KR" sz="1400" dirty="0">
+                <a:solidFill>
+                  <a:srgbClr val="EEFFFF"/>
+                </a:solidFill>
+                <a:latin typeface="Fira Code" panose="020B0809050000020004" pitchFamily="49" charset="0"/>
+              </a:rPr>
+              <a:t> </a:t>
+            </a:r>
+            <a:r>
+              <a:rPr lang="en-US" altLang="ko-KR" sz="1400" dirty="0" err="1">
+                <a:solidFill>
+                  <a:srgbClr val="EEFFFF"/>
+                </a:solidFill>
+                <a:latin typeface="Fira Code" panose="020B0809050000020004" pitchFamily="49" charset="0"/>
+              </a:rPr>
+              <a:t>parseToAst</a:t>
+            </a:r>
+            <a:r>
+              <a:rPr lang="en-US" altLang="ko-KR" sz="1400" dirty="0">
+                <a:solidFill>
+                  <a:srgbClr val="89DDFF"/>
+                </a:solidFill>
+                <a:latin typeface="Fira Code" panose="020B0809050000020004" pitchFamily="49" charset="0"/>
+              </a:rPr>
+              <a:t>(</a:t>
+            </a:r>
+            <a:r>
+              <a:rPr lang="en-US" altLang="ko-KR" sz="1400" dirty="0">
+                <a:solidFill>
+                  <a:srgbClr val="EEFFFF"/>
+                </a:solidFill>
+                <a:latin typeface="Fira Code" panose="020B0809050000020004" pitchFamily="49" charset="0"/>
+              </a:rPr>
+              <a:t>tokens</a:t>
+            </a:r>
+            <a:r>
+              <a:rPr lang="en-US" altLang="ko-KR" sz="1400" dirty="0">
+                <a:solidFill>
+                  <a:srgbClr val="89DDFF"/>
+                </a:solidFill>
+                <a:latin typeface="Fira Code" panose="020B0809050000020004" pitchFamily="49" charset="0"/>
+              </a:rPr>
+              <a:t>,</a:t>
+            </a:r>
+            <a:r>
+              <a:rPr lang="en-US" altLang="ko-KR" sz="1400" dirty="0">
+                <a:solidFill>
+                  <a:srgbClr val="EEFFFF"/>
+                </a:solidFill>
+                <a:latin typeface="Fira Code" panose="020B0809050000020004" pitchFamily="49" charset="0"/>
+              </a:rPr>
+              <a:t> nodes</a:t>
+            </a:r>
+            <a:r>
+              <a:rPr lang="en-US" altLang="ko-KR" sz="1400" dirty="0">
+                <a:solidFill>
+                  <a:srgbClr val="89DDFF"/>
+                </a:solidFill>
+                <a:latin typeface="Fira Code" panose="020B0809050000020004" pitchFamily="49" charset="0"/>
+              </a:rPr>
+              <a:t>,</a:t>
+            </a:r>
+            <a:r>
+              <a:rPr lang="en-US" altLang="ko-KR" sz="1400" dirty="0">
+                <a:solidFill>
+                  <a:srgbClr val="EEFFFF"/>
+                </a:solidFill>
+                <a:latin typeface="Fira Code" panose="020B0809050000020004" pitchFamily="49" charset="0"/>
+              </a:rPr>
+              <a:t> start </a:t>
+            </a:r>
+            <a:r>
+              <a:rPr lang="en-US" altLang="ko-KR" sz="1400" dirty="0">
+                <a:solidFill>
+                  <a:srgbClr val="C792EA"/>
+                </a:solidFill>
+                <a:latin typeface="Fira Code" panose="020B0809050000020004" pitchFamily="49" charset="0"/>
+              </a:rPr>
+              <a:t>+</a:t>
+            </a:r>
+            <a:r>
+              <a:rPr lang="en-US" altLang="ko-KR" sz="1400" dirty="0">
+                <a:solidFill>
+                  <a:srgbClr val="EEFFFF"/>
+                </a:solidFill>
+                <a:latin typeface="Fira Code" panose="020B0809050000020004" pitchFamily="49" charset="0"/>
+              </a:rPr>
+              <a:t> </a:t>
+            </a:r>
+            <a:r>
+              <a:rPr lang="en-US" altLang="ko-KR" sz="1400" dirty="0">
+                <a:solidFill>
+                  <a:srgbClr val="F78C6C"/>
+                </a:solidFill>
+                <a:latin typeface="Fira Code" panose="020B0809050000020004" pitchFamily="49" charset="0"/>
+              </a:rPr>
+              <a:t>1</a:t>
+            </a:r>
+            <a:r>
+              <a:rPr lang="en-US" altLang="ko-KR" sz="1400" dirty="0">
+                <a:solidFill>
+                  <a:srgbClr val="89DDFF"/>
+                </a:solidFill>
+                <a:latin typeface="Fira Code" panose="020B0809050000020004" pitchFamily="49" charset="0"/>
+              </a:rPr>
+              <a:t>,</a:t>
+            </a:r>
+            <a:r>
+              <a:rPr lang="en-US" altLang="ko-KR" sz="1400" dirty="0">
+                <a:solidFill>
+                  <a:srgbClr val="EEFFFF"/>
+                </a:solidFill>
+                <a:latin typeface="Fira Code" panose="020B0809050000020004" pitchFamily="49" charset="0"/>
+              </a:rPr>
+              <a:t> end</a:t>
+            </a:r>
+            <a:r>
+              <a:rPr lang="en-US" altLang="ko-KR" sz="1400" dirty="0">
+                <a:solidFill>
+                  <a:srgbClr val="89DDFF"/>
+                </a:solidFill>
+                <a:latin typeface="Fira Code" panose="020B0809050000020004" pitchFamily="49" charset="0"/>
+              </a:rPr>
+              <a:t>)</a:t>
+            </a:r>
+            <a:endParaRPr lang="en-US" altLang="ko-KR" sz="1400" dirty="0">
+              <a:solidFill>
+                <a:srgbClr val="EEFFFF"/>
+              </a:solidFill>
+              <a:latin typeface="Fira Code" panose="020B0809050000020004" pitchFamily="49" charset="0"/>
+            </a:endParaRPr>
+          </a:p>
+          <a:p>
+            <a:pPr marL="0" indent="0">
+              <a:lnSpc>
+                <a:spcPct val="110000"/>
+              </a:lnSpc>
+              <a:buNone/>
+            </a:pPr>
+            <a:r>
+              <a:rPr lang="en-US" altLang="ko-KR" sz="1400" dirty="0">
+                <a:solidFill>
+                  <a:srgbClr val="EEFFFF"/>
+                </a:solidFill>
+                <a:latin typeface="Fira Code" panose="020B0809050000020004" pitchFamily="49" charset="0"/>
+              </a:rPr>
+              <a:t>    </a:t>
+            </a:r>
+            <a:r>
+              <a:rPr lang="en-US" altLang="ko-KR" sz="1400" dirty="0">
+                <a:solidFill>
+                  <a:srgbClr val="89DDFF"/>
+                </a:solidFill>
+                <a:latin typeface="Fira Code" panose="020B0809050000020004" pitchFamily="49" charset="0"/>
+              </a:rPr>
+              <a:t>return</a:t>
+            </a:r>
+            <a:r>
+              <a:rPr lang="en-US" altLang="ko-KR" sz="1400" dirty="0">
+                <a:solidFill>
+                  <a:srgbClr val="EEFFFF"/>
+                </a:solidFill>
+                <a:latin typeface="Fira Code" panose="020B0809050000020004" pitchFamily="49" charset="0"/>
+              </a:rPr>
+              <a:t> </a:t>
+            </a:r>
+            <a:r>
+              <a:rPr lang="en-US" altLang="ko-KR" sz="1400" dirty="0" err="1">
+                <a:solidFill>
+                  <a:srgbClr val="EEFFFF"/>
+                </a:solidFill>
+                <a:latin typeface="Fira Code" panose="020B0809050000020004" pitchFamily="49" charset="0"/>
+              </a:rPr>
+              <a:t>UnaryOperator</a:t>
+            </a:r>
+            <a:r>
+              <a:rPr lang="en-US" altLang="ko-KR" sz="1400" dirty="0">
+                <a:solidFill>
+                  <a:srgbClr val="89DDFF"/>
+                </a:solidFill>
+                <a:latin typeface="Fira Code" panose="020B0809050000020004" pitchFamily="49" charset="0"/>
+              </a:rPr>
+              <a:t>(</a:t>
+            </a:r>
+            <a:r>
+              <a:rPr lang="en-US" altLang="ko-KR" sz="1400" dirty="0" err="1">
+                <a:solidFill>
+                  <a:srgbClr val="EEFFFF"/>
+                </a:solidFill>
+                <a:latin typeface="Fira Code" panose="020B0809050000020004" pitchFamily="49" charset="0"/>
+              </a:rPr>
+              <a:t>TokenReference</a:t>
+            </a:r>
+            <a:r>
+              <a:rPr lang="en-US" altLang="ko-KR" sz="1400" dirty="0" err="1">
+                <a:solidFill>
+                  <a:srgbClr val="89DDFF"/>
+                </a:solidFill>
+                <a:latin typeface="Fira Code" panose="020B0809050000020004" pitchFamily="49" charset="0"/>
+              </a:rPr>
+              <a:t>.</a:t>
+            </a:r>
+            <a:r>
+              <a:rPr lang="en-US" altLang="ko-KR" sz="1400" dirty="0" err="1">
+                <a:solidFill>
+                  <a:srgbClr val="EEFFFF"/>
+                </a:solidFill>
+                <a:latin typeface="Fira Code" panose="020B0809050000020004" pitchFamily="49" charset="0"/>
+              </a:rPr>
+              <a:t>ofCount</a:t>
+            </a:r>
+            <a:r>
+              <a:rPr lang="en-US" altLang="ko-KR" sz="1400" dirty="0">
+                <a:solidFill>
+                  <a:srgbClr val="89DDFF"/>
+                </a:solidFill>
+                <a:latin typeface="Fira Code" panose="020B0809050000020004" pitchFamily="49" charset="0"/>
+              </a:rPr>
+              <a:t>(</a:t>
+            </a:r>
+            <a:r>
+              <a:rPr lang="en-US" altLang="ko-KR" sz="1400" dirty="0" err="1">
+                <a:solidFill>
+                  <a:srgbClr val="FC788E"/>
+                </a:solidFill>
+                <a:latin typeface="Fira Code" panose="020B0809050000020004" pitchFamily="49" charset="0"/>
+              </a:rPr>
+              <a:t>allTokens</a:t>
+            </a:r>
+            <a:r>
+              <a:rPr lang="en-US" altLang="ko-KR" sz="1400" dirty="0">
+                <a:solidFill>
+                  <a:srgbClr val="C792EA"/>
+                </a:solidFill>
+                <a:latin typeface="Fira Code" panose="020B0809050000020004" pitchFamily="49" charset="0"/>
+              </a:rPr>
+              <a:t>=</a:t>
+            </a:r>
+            <a:r>
+              <a:rPr lang="en-US" altLang="ko-KR" sz="1400" dirty="0">
+                <a:solidFill>
+                  <a:srgbClr val="EEFFFF"/>
+                </a:solidFill>
+                <a:latin typeface="Fira Code" panose="020B0809050000020004" pitchFamily="49" charset="0"/>
+              </a:rPr>
+              <a:t>tokens</a:t>
+            </a:r>
+            <a:r>
+              <a:rPr lang="en-US" altLang="ko-KR" sz="1400" dirty="0">
+                <a:solidFill>
+                  <a:srgbClr val="89DDFF"/>
+                </a:solidFill>
+                <a:latin typeface="Fira Code" panose="020B0809050000020004" pitchFamily="49" charset="0"/>
+              </a:rPr>
+              <a:t>,</a:t>
+            </a:r>
+            <a:r>
+              <a:rPr lang="en-US" altLang="ko-KR" sz="1400" dirty="0">
+                <a:solidFill>
+                  <a:srgbClr val="EEFFFF"/>
+                </a:solidFill>
+                <a:latin typeface="Fira Code" panose="020B0809050000020004" pitchFamily="49" charset="0"/>
+              </a:rPr>
+              <a:t> </a:t>
+            </a:r>
+            <a:r>
+              <a:rPr lang="en-US" altLang="ko-KR" sz="1400" dirty="0">
+                <a:solidFill>
+                  <a:srgbClr val="FC788E"/>
+                </a:solidFill>
+                <a:latin typeface="Fira Code" panose="020B0809050000020004" pitchFamily="49" charset="0"/>
+              </a:rPr>
+              <a:t>start</a:t>
+            </a:r>
+            <a:r>
+              <a:rPr lang="en-US" altLang="ko-KR" sz="1400" dirty="0">
+                <a:solidFill>
+                  <a:srgbClr val="C792EA"/>
+                </a:solidFill>
+                <a:latin typeface="Fira Code" panose="020B0809050000020004" pitchFamily="49" charset="0"/>
+              </a:rPr>
+              <a:t>=</a:t>
+            </a:r>
+            <a:r>
+              <a:rPr lang="en-US" altLang="ko-KR" sz="1400" dirty="0">
+                <a:solidFill>
+                  <a:srgbClr val="EEFFFF"/>
+                </a:solidFill>
+                <a:latin typeface="Fira Code" panose="020B0809050000020004" pitchFamily="49" charset="0"/>
+              </a:rPr>
+              <a:t>start</a:t>
+            </a:r>
+            <a:r>
+              <a:rPr lang="en-US" altLang="ko-KR" sz="1400" dirty="0">
+                <a:solidFill>
+                  <a:srgbClr val="89DDFF"/>
+                </a:solidFill>
+                <a:latin typeface="Fira Code" panose="020B0809050000020004" pitchFamily="49" charset="0"/>
+              </a:rPr>
+              <a:t>,</a:t>
+            </a:r>
+            <a:r>
+              <a:rPr lang="en-US" altLang="ko-KR" sz="1400" dirty="0">
+                <a:solidFill>
+                  <a:srgbClr val="EEFFFF"/>
+                </a:solidFill>
+                <a:latin typeface="Fira Code" panose="020B0809050000020004" pitchFamily="49" charset="0"/>
+              </a:rPr>
+              <a:t> </a:t>
+            </a:r>
+            <a:r>
+              <a:rPr lang="en-US" altLang="ko-KR" sz="1400" dirty="0">
+                <a:solidFill>
+                  <a:srgbClr val="FC788E"/>
+                </a:solidFill>
+                <a:latin typeface="Fira Code" panose="020B0809050000020004" pitchFamily="49" charset="0"/>
+              </a:rPr>
+              <a:t>count</a:t>
+            </a:r>
+            <a:r>
+              <a:rPr lang="en-US" altLang="ko-KR" sz="1400" dirty="0">
+                <a:solidFill>
+                  <a:srgbClr val="C792EA"/>
+                </a:solidFill>
+                <a:latin typeface="Fira Code" panose="020B0809050000020004" pitchFamily="49" charset="0"/>
+              </a:rPr>
+              <a:t>=</a:t>
+            </a:r>
+            <a:r>
+              <a:rPr lang="en-US" altLang="ko-KR" sz="1400" dirty="0" err="1">
+                <a:solidFill>
+                  <a:srgbClr val="82AAFF"/>
+                </a:solidFill>
+                <a:latin typeface="Fira Code" panose="020B0809050000020004" pitchFamily="49" charset="0"/>
+              </a:rPr>
+              <a:t>len</a:t>
+            </a:r>
+            <a:r>
+              <a:rPr lang="en-US" altLang="ko-KR" sz="1400" dirty="0">
+                <a:solidFill>
+                  <a:srgbClr val="89DDFF"/>
+                </a:solidFill>
+                <a:latin typeface="Fira Code" panose="020B0809050000020004" pitchFamily="49" charset="0"/>
+              </a:rPr>
+              <a:t>(</a:t>
+            </a:r>
+            <a:r>
+              <a:rPr lang="en-US" altLang="ko-KR" sz="1400" dirty="0" err="1">
+                <a:solidFill>
+                  <a:srgbClr val="EEFFFF"/>
+                </a:solidFill>
+                <a:latin typeface="Fira Code" panose="020B0809050000020004" pitchFamily="49" charset="0"/>
+              </a:rPr>
+              <a:t>value</a:t>
+            </a:r>
+            <a:r>
+              <a:rPr lang="en-US" altLang="ko-KR" sz="1400" dirty="0" err="1">
+                <a:solidFill>
+                  <a:srgbClr val="89DDFF"/>
+                </a:solidFill>
+                <a:latin typeface="Fira Code" panose="020B0809050000020004" pitchFamily="49" charset="0"/>
+              </a:rPr>
+              <a:t>.</a:t>
+            </a:r>
+            <a:r>
+              <a:rPr lang="en-US" altLang="ko-KR" sz="1400" dirty="0" err="1">
+                <a:solidFill>
+                  <a:srgbClr val="EEFFFF"/>
+                </a:solidFill>
+                <a:latin typeface="Fira Code" panose="020B0809050000020004" pitchFamily="49" charset="0"/>
+              </a:rPr>
+              <a:t>tokens</a:t>
+            </a:r>
+            <a:r>
+              <a:rPr lang="en-US" altLang="ko-KR" sz="1400" dirty="0">
+                <a:solidFill>
+                  <a:srgbClr val="89DDFF"/>
+                </a:solidFill>
+                <a:latin typeface="Fira Code" panose="020B0809050000020004" pitchFamily="49" charset="0"/>
+              </a:rPr>
+              <a:t>)</a:t>
+            </a:r>
+            <a:r>
+              <a:rPr lang="en-US" altLang="ko-KR" sz="1400" dirty="0">
+                <a:solidFill>
+                  <a:srgbClr val="EEFFFF"/>
+                </a:solidFill>
+                <a:latin typeface="Fira Code" panose="020B0809050000020004" pitchFamily="49" charset="0"/>
+              </a:rPr>
+              <a:t> </a:t>
+            </a:r>
+            <a:r>
+              <a:rPr lang="en-US" altLang="ko-KR" sz="1400" dirty="0">
+                <a:solidFill>
+                  <a:srgbClr val="C792EA"/>
+                </a:solidFill>
+                <a:latin typeface="Fira Code" panose="020B0809050000020004" pitchFamily="49" charset="0"/>
+              </a:rPr>
+              <a:t>+</a:t>
+            </a:r>
+            <a:r>
+              <a:rPr lang="en-US" altLang="ko-KR" sz="1400" dirty="0">
+                <a:solidFill>
+                  <a:srgbClr val="EEFFFF"/>
+                </a:solidFill>
+                <a:latin typeface="Fira Code" panose="020B0809050000020004" pitchFamily="49" charset="0"/>
+              </a:rPr>
+              <a:t> </a:t>
+            </a:r>
+            <a:r>
+              <a:rPr lang="en-US" altLang="ko-KR" sz="1400" dirty="0">
+                <a:solidFill>
+                  <a:srgbClr val="F78C6C"/>
+                </a:solidFill>
+                <a:latin typeface="Fira Code" panose="020B0809050000020004" pitchFamily="49" charset="0"/>
+              </a:rPr>
+              <a:t>1</a:t>
+            </a:r>
+            <a:r>
+              <a:rPr lang="en-US" altLang="ko-KR" sz="1400" dirty="0">
+                <a:solidFill>
+                  <a:srgbClr val="89DDFF"/>
+                </a:solidFill>
+                <a:latin typeface="Fira Code" panose="020B0809050000020004" pitchFamily="49" charset="0"/>
+              </a:rPr>
+              <a:t>),</a:t>
+            </a:r>
+            <a:r>
+              <a:rPr lang="en-US" altLang="ko-KR" sz="1400" dirty="0">
+                <a:solidFill>
+                  <a:srgbClr val="EEFFFF"/>
+                </a:solidFill>
+                <a:latin typeface="Fira Code" panose="020B0809050000020004" pitchFamily="49" charset="0"/>
+              </a:rPr>
+              <a:t> value</a:t>
+            </a:r>
+            <a:r>
+              <a:rPr lang="en-US" altLang="ko-KR" sz="1400" dirty="0">
+                <a:solidFill>
+                  <a:srgbClr val="89DDFF"/>
+                </a:solidFill>
+                <a:latin typeface="Fira Code" panose="020B0809050000020004" pitchFamily="49" charset="0"/>
+              </a:rPr>
+              <a:t>)</a:t>
+            </a:r>
+            <a:endParaRPr lang="en-US" altLang="ko-KR" sz="1400" dirty="0">
+              <a:solidFill>
+                <a:srgbClr val="EEFFFF"/>
+              </a:solidFill>
+              <a:latin typeface="Fira Code" panose="020B0809050000020004" pitchFamily="49" charset="0"/>
+            </a:endParaRPr>
+          </a:p>
+          <a:p>
+            <a:pPr marL="0" indent="0">
+              <a:lnSpc>
+                <a:spcPct val="110000"/>
+              </a:lnSpc>
+              <a:buNone/>
+            </a:pPr>
+            <a:r>
+              <a:rPr lang="en-US" altLang="ko-KR" sz="1400" dirty="0">
+                <a:solidFill>
+                  <a:srgbClr val="EEFFFF"/>
+                </a:solidFill>
+                <a:latin typeface="Fira Code" panose="020B0809050000020004" pitchFamily="49" charset="0"/>
+              </a:rPr>
+              <a:t/>
+            </a:r>
+            <a:br>
+              <a:rPr lang="en-US" altLang="ko-KR" sz="1400" dirty="0">
+                <a:solidFill>
+                  <a:srgbClr val="EEFFFF"/>
+                </a:solidFill>
+                <a:latin typeface="Fira Code" panose="020B0809050000020004" pitchFamily="49" charset="0"/>
+              </a:rPr>
+            </a:br>
+            <a:r>
+              <a:rPr lang="en-US" altLang="ko-KR" sz="1400" dirty="0">
+                <a:solidFill>
+                  <a:srgbClr val="EEFFFF"/>
+                </a:solidFill>
+                <a:latin typeface="Fira Code" panose="020B0809050000020004" pitchFamily="49" charset="0"/>
+              </a:rPr>
+              <a:t>  </a:t>
+            </a:r>
+            <a:r>
+              <a:rPr lang="en-US" altLang="ko-KR" sz="1400" dirty="0">
+                <a:solidFill>
+                  <a:srgbClr val="89DDFF"/>
+                </a:solidFill>
+                <a:latin typeface="Fira Code" panose="020B0809050000020004" pitchFamily="49" charset="0"/>
+              </a:rPr>
+              <a:t>if</a:t>
+            </a:r>
+            <a:r>
+              <a:rPr lang="en-US" altLang="ko-KR" sz="1400" dirty="0">
+                <a:solidFill>
+                  <a:srgbClr val="EEFFFF"/>
+                </a:solidFill>
+                <a:latin typeface="Fira Code" panose="020B0809050000020004" pitchFamily="49" charset="0"/>
+              </a:rPr>
+              <a:t> kind </a:t>
+            </a:r>
+            <a:r>
+              <a:rPr lang="en-US" altLang="ko-KR" sz="1400" dirty="0">
+                <a:solidFill>
+                  <a:srgbClr val="C792EA"/>
+                </a:solidFill>
+                <a:latin typeface="Fira Code" panose="020B0809050000020004" pitchFamily="49" charset="0"/>
+              </a:rPr>
+              <a:t>==</a:t>
+            </a:r>
+            <a:r>
+              <a:rPr lang="en-US" altLang="ko-KR" sz="1400" dirty="0">
+                <a:solidFill>
+                  <a:srgbClr val="EEFFFF"/>
+                </a:solidFill>
+                <a:latin typeface="Fira Code" panose="020B0809050000020004" pitchFamily="49" charset="0"/>
+              </a:rPr>
+              <a:t> </a:t>
+            </a:r>
+            <a:r>
+              <a:rPr lang="en-US" altLang="ko-KR" sz="1400" dirty="0">
+                <a:solidFill>
+                  <a:srgbClr val="89DDFF"/>
+                </a:solidFill>
+                <a:latin typeface="Fira Code" panose="020B0809050000020004" pitchFamily="49" charset="0"/>
+              </a:rPr>
+              <a:t>'</a:t>
+            </a:r>
+            <a:r>
+              <a:rPr lang="en-US" altLang="ko-KR" sz="1400" dirty="0">
+                <a:solidFill>
+                  <a:srgbClr val="C3E88D"/>
+                </a:solidFill>
+                <a:latin typeface="Fira Code" panose="020B0809050000020004" pitchFamily="49" charset="0"/>
+              </a:rPr>
+              <a:t>text</a:t>
+            </a:r>
+            <a:r>
+              <a:rPr lang="en-US" altLang="ko-KR" sz="1400" dirty="0">
+                <a:solidFill>
+                  <a:srgbClr val="89DDFF"/>
+                </a:solidFill>
+                <a:latin typeface="Fira Code" panose="020B0809050000020004" pitchFamily="49" charset="0"/>
+              </a:rPr>
+              <a:t>':</a:t>
+            </a:r>
+            <a:r>
+              <a:rPr lang="en-US" altLang="ko-KR" sz="1400" dirty="0">
+                <a:solidFill>
+                  <a:srgbClr val="EEFFFF"/>
+                </a:solidFill>
+                <a:latin typeface="Fira Code" panose="020B0809050000020004" pitchFamily="49" charset="0"/>
+              </a:rPr>
+              <a:t> </a:t>
+            </a:r>
+            <a:r>
+              <a:rPr lang="en-US" altLang="ko-KR" sz="1400" i="1" dirty="0">
+                <a:solidFill>
+                  <a:srgbClr val="546E7A"/>
+                </a:solidFill>
+                <a:latin typeface="Fira Code" panose="020B0809050000020004" pitchFamily="49" charset="0"/>
+              </a:rPr>
+              <a:t># </a:t>
+            </a:r>
+            <a:r>
+              <a:rPr lang="ko-KR" altLang="en-US" sz="1400" i="1" dirty="0">
+                <a:solidFill>
+                  <a:srgbClr val="546E7A"/>
+                </a:solidFill>
+                <a:latin typeface="Fira Code" panose="020B0809050000020004" pitchFamily="49" charset="0"/>
+              </a:rPr>
+              <a:t>글자</a:t>
+            </a:r>
+            <a:endParaRPr lang="ko-KR" altLang="en-US" sz="1400" dirty="0">
+              <a:solidFill>
+                <a:srgbClr val="EEFFFF"/>
+              </a:solidFill>
+              <a:latin typeface="Fira Code" panose="020B0809050000020004" pitchFamily="49" charset="0"/>
+            </a:endParaRPr>
+          </a:p>
+          <a:p>
+            <a:pPr marL="0" indent="0">
+              <a:lnSpc>
+                <a:spcPct val="110000"/>
+              </a:lnSpc>
+              <a:buNone/>
+            </a:pPr>
+            <a:r>
+              <a:rPr lang="ko-KR" altLang="en-US" sz="1400" dirty="0">
+                <a:solidFill>
+                  <a:srgbClr val="EEFFFF"/>
+                </a:solidFill>
+                <a:latin typeface="Fira Code" panose="020B0809050000020004" pitchFamily="49" charset="0"/>
+              </a:rPr>
+              <a:t>    </a:t>
+            </a:r>
+            <a:r>
+              <a:rPr lang="en-US" altLang="ko-KR" sz="1400" dirty="0">
+                <a:solidFill>
+                  <a:srgbClr val="EEFFFF"/>
+                </a:solidFill>
+                <a:latin typeface="Fira Code" panose="020B0809050000020004" pitchFamily="49" charset="0"/>
+              </a:rPr>
+              <a:t>result </a:t>
+            </a:r>
+            <a:r>
+              <a:rPr lang="en-US" altLang="ko-KR" sz="1400" dirty="0">
+                <a:solidFill>
+                  <a:srgbClr val="C792EA"/>
+                </a:solidFill>
+                <a:latin typeface="Fira Code" panose="020B0809050000020004" pitchFamily="49" charset="0"/>
+              </a:rPr>
+              <a:t>=</a:t>
+            </a:r>
+            <a:r>
+              <a:rPr lang="en-US" altLang="ko-KR" sz="1400" dirty="0">
+                <a:solidFill>
+                  <a:srgbClr val="EEFFFF"/>
+                </a:solidFill>
+                <a:latin typeface="Fira Code" panose="020B0809050000020004" pitchFamily="49" charset="0"/>
+              </a:rPr>
+              <a:t>  </a:t>
+            </a:r>
+            <a:r>
+              <a:rPr lang="en-US" altLang="ko-KR" sz="1400" dirty="0" err="1">
+                <a:solidFill>
+                  <a:srgbClr val="EEFFFF"/>
+                </a:solidFill>
+                <a:latin typeface="Fira Code" panose="020B0809050000020004" pitchFamily="49" charset="0"/>
+              </a:rPr>
+              <a:t>parseText</a:t>
+            </a:r>
+            <a:r>
+              <a:rPr lang="en-US" altLang="ko-KR" sz="1400" dirty="0">
+                <a:solidFill>
+                  <a:srgbClr val="89DDFF"/>
+                </a:solidFill>
+                <a:latin typeface="Fira Code" panose="020B0809050000020004" pitchFamily="49" charset="0"/>
+              </a:rPr>
+              <a:t>(</a:t>
+            </a:r>
+            <a:r>
+              <a:rPr lang="en-US" altLang="ko-KR" sz="1400" dirty="0">
+                <a:solidFill>
+                  <a:srgbClr val="EEFFFF"/>
+                </a:solidFill>
+                <a:latin typeface="Fira Code" panose="020B0809050000020004" pitchFamily="49" charset="0"/>
+              </a:rPr>
+              <a:t>start</a:t>
+            </a:r>
+            <a:r>
+              <a:rPr lang="en-US" altLang="ko-KR" sz="1400" dirty="0">
+                <a:solidFill>
+                  <a:srgbClr val="89DDFF"/>
+                </a:solidFill>
+                <a:latin typeface="Fira Code" panose="020B0809050000020004" pitchFamily="49" charset="0"/>
+              </a:rPr>
+              <a:t>,</a:t>
+            </a:r>
+            <a:r>
+              <a:rPr lang="en-US" altLang="ko-KR" sz="1400" dirty="0">
+                <a:solidFill>
+                  <a:srgbClr val="EEFFFF"/>
+                </a:solidFill>
+                <a:latin typeface="Fira Code" panose="020B0809050000020004" pitchFamily="49" charset="0"/>
+              </a:rPr>
+              <a:t> </a:t>
+            </a:r>
+            <a:r>
+              <a:rPr lang="en-US" altLang="ko-KR" sz="1400" dirty="0">
+                <a:solidFill>
+                  <a:srgbClr val="FC788E"/>
+                </a:solidFill>
+                <a:latin typeface="Fira Code" panose="020B0809050000020004" pitchFamily="49" charset="0"/>
+              </a:rPr>
+              <a:t>ahead</a:t>
+            </a:r>
+            <a:r>
+              <a:rPr lang="en-US" altLang="ko-KR" sz="1400" dirty="0">
+                <a:solidFill>
+                  <a:srgbClr val="C792EA"/>
+                </a:solidFill>
+                <a:latin typeface="Fira Code" panose="020B0809050000020004" pitchFamily="49" charset="0"/>
+              </a:rPr>
+              <a:t>=</a:t>
+            </a:r>
+            <a:r>
+              <a:rPr lang="en-US" altLang="ko-KR" sz="1400" dirty="0">
+                <a:solidFill>
+                  <a:srgbClr val="F78C6C"/>
+                </a:solidFill>
+                <a:latin typeface="Fira Code" panose="020B0809050000020004" pitchFamily="49" charset="0"/>
+              </a:rPr>
+              <a:t>True</a:t>
+            </a:r>
+            <a:r>
+              <a:rPr lang="en-US" altLang="ko-KR" sz="1400" dirty="0">
+                <a:solidFill>
+                  <a:srgbClr val="89DDFF"/>
+                </a:solidFill>
+                <a:latin typeface="Fira Code" panose="020B0809050000020004" pitchFamily="49" charset="0"/>
+              </a:rPr>
+              <a:t>)</a:t>
+            </a:r>
+            <a:endParaRPr lang="en-US" altLang="ko-KR" sz="1400" dirty="0">
+              <a:solidFill>
+                <a:srgbClr val="EEFFFF"/>
+              </a:solidFill>
+              <a:latin typeface="Fira Code" panose="020B0809050000020004" pitchFamily="49" charset="0"/>
+            </a:endParaRPr>
+          </a:p>
+          <a:p>
+            <a:pPr marL="0" indent="0">
+              <a:lnSpc>
+                <a:spcPct val="110000"/>
+              </a:lnSpc>
+              <a:buNone/>
+            </a:pPr>
+            <a:r>
+              <a:rPr lang="en-US" altLang="ko-KR" sz="1400" dirty="0">
+                <a:solidFill>
+                  <a:srgbClr val="EEFFFF"/>
+                </a:solidFill>
+                <a:latin typeface="Fira Code" panose="020B0809050000020004" pitchFamily="49" charset="0"/>
+              </a:rPr>
+              <a:t>    </a:t>
+            </a:r>
+            <a:r>
+              <a:rPr lang="en-US" altLang="ko-KR" sz="1400" dirty="0">
+                <a:solidFill>
+                  <a:srgbClr val="89DDFF"/>
+                </a:solidFill>
+                <a:latin typeface="Fira Code" panose="020B0809050000020004" pitchFamily="49" charset="0"/>
+              </a:rPr>
+              <a:t>if</a:t>
+            </a:r>
+            <a:r>
+              <a:rPr lang="en-US" altLang="ko-KR" sz="1400" dirty="0">
+                <a:solidFill>
+                  <a:srgbClr val="EEFFFF"/>
+                </a:solidFill>
+                <a:latin typeface="Fira Code" panose="020B0809050000020004" pitchFamily="49" charset="0"/>
+              </a:rPr>
+              <a:t> result </a:t>
+            </a:r>
+            <a:r>
+              <a:rPr lang="en-US" altLang="ko-KR" sz="1400" dirty="0">
+                <a:solidFill>
+                  <a:srgbClr val="C792EA"/>
+                </a:solidFill>
+                <a:latin typeface="Fira Code" panose="020B0809050000020004" pitchFamily="49" charset="0"/>
+              </a:rPr>
+              <a:t>!=</a:t>
+            </a:r>
+            <a:r>
+              <a:rPr lang="en-US" altLang="ko-KR" sz="1400" dirty="0">
+                <a:solidFill>
+                  <a:srgbClr val="EEFFFF"/>
+                </a:solidFill>
+                <a:latin typeface="Fira Code" panose="020B0809050000020004" pitchFamily="49" charset="0"/>
+              </a:rPr>
+              <a:t> </a:t>
+            </a:r>
+            <a:r>
+              <a:rPr lang="en-US" altLang="ko-KR" sz="1400" dirty="0">
+                <a:solidFill>
+                  <a:srgbClr val="F78C6C"/>
+                </a:solidFill>
+                <a:latin typeface="Fira Code" panose="020B0809050000020004" pitchFamily="49" charset="0"/>
+              </a:rPr>
+              <a:t>None</a:t>
+            </a:r>
+            <a:r>
+              <a:rPr lang="en-US" altLang="ko-KR" sz="1400" dirty="0">
+                <a:solidFill>
+                  <a:srgbClr val="89DDFF"/>
+                </a:solidFill>
+                <a:latin typeface="Fira Code" panose="020B0809050000020004" pitchFamily="49" charset="0"/>
+              </a:rPr>
+              <a:t>:</a:t>
+            </a:r>
+            <a:endParaRPr lang="en-US" altLang="ko-KR" sz="1400" dirty="0">
+              <a:solidFill>
+                <a:srgbClr val="EEFFFF"/>
+              </a:solidFill>
+              <a:latin typeface="Fira Code" panose="020B0809050000020004" pitchFamily="49" charset="0"/>
+            </a:endParaRPr>
+          </a:p>
+          <a:p>
+            <a:pPr marL="0" indent="0">
+              <a:lnSpc>
+                <a:spcPct val="110000"/>
+              </a:lnSpc>
+              <a:buNone/>
+            </a:pPr>
+            <a:r>
+              <a:rPr lang="en-US" altLang="ko-KR" sz="1400" dirty="0">
+                <a:solidFill>
+                  <a:srgbClr val="EEFFFF"/>
+                </a:solidFill>
+                <a:latin typeface="Fira Code" panose="020B0809050000020004" pitchFamily="49" charset="0"/>
+              </a:rPr>
+              <a:t>      </a:t>
+            </a:r>
+            <a:r>
+              <a:rPr lang="en-US" altLang="ko-KR" sz="1400" dirty="0">
+                <a:solidFill>
+                  <a:srgbClr val="89DDFF"/>
+                </a:solidFill>
+                <a:latin typeface="Fira Code" panose="020B0809050000020004" pitchFamily="49" charset="0"/>
+              </a:rPr>
+              <a:t>return</a:t>
+            </a:r>
+            <a:r>
+              <a:rPr lang="en-US" altLang="ko-KR" sz="1400" dirty="0">
+                <a:solidFill>
+                  <a:srgbClr val="EEFFFF"/>
+                </a:solidFill>
+                <a:latin typeface="Fira Code" panose="020B0809050000020004" pitchFamily="49" charset="0"/>
+              </a:rPr>
+              <a:t> result</a:t>
+            </a:r>
+          </a:p>
+          <a:p>
+            <a:pPr marL="0" indent="0">
+              <a:lnSpc>
+                <a:spcPct val="110000"/>
+              </a:lnSpc>
+              <a:buNone/>
+            </a:pPr>
+            <a:endParaRPr lang="en-US" altLang="ko-KR" sz="1400" b="0" dirty="0">
+              <a:solidFill>
+                <a:srgbClr val="EEFFFF"/>
+              </a:solidFill>
+              <a:effectLst/>
+              <a:latin typeface="Fira Code" panose="020B0809050000020004" pitchFamily="49" charset="0"/>
+            </a:endParaRPr>
+          </a:p>
+        </p:txBody>
+      </p:sp>
+      <p:sp>
+        <p:nvSpPr>
+          <p:cNvPr id="2" name="제목 1"/>
+          <p:cNvSpPr>
+            <a:spLocks noGrp="1"/>
+          </p:cNvSpPr>
+          <p:nvPr>
+            <p:ph type="title"/>
+          </p:nvPr>
+        </p:nvSpPr>
+        <p:spPr/>
+        <p:txBody>
+          <a:bodyPr/>
+          <a:lstStyle/>
+          <a:p>
+            <a:r>
+              <a:rPr lang="ko-KR" altLang="en-US" dirty="0" smtClean="0">
+                <a:solidFill>
+                  <a:schemeClr val="bg1"/>
+                </a:solidFill>
+              </a:rPr>
+              <a:t>코드</a:t>
+            </a:r>
+            <a:endParaRPr lang="ko-KR" altLang="en-US" dirty="0">
+              <a:solidFill>
+                <a:schemeClr val="bg1"/>
+              </a:solidFill>
+            </a:endParaRPr>
+          </a:p>
+        </p:txBody>
+      </p:sp>
+    </p:spTree>
+    <p:extLst>
+      <p:ext uri="{BB962C8B-B14F-4D97-AF65-F5344CB8AC3E}">
+        <p14:creationId xmlns:p14="http://schemas.microsoft.com/office/powerpoint/2010/main" val="581615856"/>
+      </p:ext>
+    </p:extLst>
+  </p:cSld>
+  <p:clrMapOvr>
+    <a:masterClrMapping/>
+  </p:clrMapOvr>
+</p:sld>
+</file>
+
+<file path=ppt/slides/slide9.xml><?xml version="1.0" encoding="utf-8"?>
+<p:sld xmlns:a="http://schemas.openxmlformats.org/drawingml/2006/main" xmlns:r="http://schemas.openxmlformats.org/officeDocument/2006/relationships" xmlns:p="http://schemas.openxmlformats.org/presentationml/2006/main">
+  <p:cSld>
+    <p:bg>
+      <p:bgPr>
+        <a:solidFill>
+          <a:srgbClr val="042C3A"/>
+        </a:solidFill>
+        <a:effectLst/>
+      </p:bgPr>
+    </p:bg>
+    <p:spTree>
+      <p:nvGrpSpPr>
+        <p:cNvPr id="1" name=""/>
+        <p:cNvGrpSpPr/>
+        <p:nvPr/>
+      </p:nvGrpSpPr>
+      <p:grpSpPr>
+        <a:xfrm>
+          <a:off x="0" y="0"/>
+          <a:ext cx="0" cy="0"/>
+          <a:chOff x="0" y="0"/>
+          <a:chExt cx="0" cy="0"/>
+        </a:xfrm>
+      </p:grpSpPr>
+      <p:sp>
+        <p:nvSpPr>
+          <p:cNvPr id="3" name="내용 개체 틀 2"/>
+          <p:cNvSpPr>
+            <a:spLocks noGrp="1"/>
+          </p:cNvSpPr>
+          <p:nvPr>
+            <p:ph idx="1"/>
+          </p:nvPr>
+        </p:nvSpPr>
+        <p:spPr/>
+        <p:txBody>
+          <a:bodyPr>
+            <a:normAutofit/>
+          </a:bodyPr>
+          <a:lstStyle/>
+          <a:p>
+            <a:pPr marL="0" indent="0">
+              <a:buNone/>
+            </a:pPr>
+            <a:r>
+              <a:rPr lang="en-US" altLang="ko-KR" sz="1400" dirty="0">
+                <a:solidFill>
+                  <a:srgbClr val="EEFFFF"/>
+                </a:solidFill>
+                <a:latin typeface="Fira Code" panose="020B0809050000020004" pitchFamily="49" charset="0"/>
+              </a:rPr>
+              <a:t>  </a:t>
+            </a:r>
+            <a:r>
+              <a:rPr lang="en-US" altLang="ko-KR" sz="1400" dirty="0">
+                <a:solidFill>
+                  <a:srgbClr val="89DDFF"/>
+                </a:solidFill>
+                <a:latin typeface="Fira Code" panose="020B0809050000020004" pitchFamily="49" charset="0"/>
+              </a:rPr>
+              <a:t>if</a:t>
+            </a:r>
+            <a:r>
+              <a:rPr lang="en-US" altLang="ko-KR" sz="1400" dirty="0">
+                <a:solidFill>
+                  <a:srgbClr val="EEFFFF"/>
+                </a:solidFill>
+                <a:latin typeface="Fira Code" panose="020B0809050000020004" pitchFamily="49" charset="0"/>
+              </a:rPr>
+              <a:t> kind </a:t>
+            </a:r>
+            <a:r>
+              <a:rPr lang="en-US" altLang="ko-KR" sz="1400" dirty="0">
+                <a:solidFill>
+                  <a:srgbClr val="C792EA"/>
+                </a:solidFill>
+                <a:latin typeface="Fira Code" panose="020B0809050000020004" pitchFamily="49" charset="0"/>
+              </a:rPr>
+              <a:t>==</a:t>
+            </a:r>
+            <a:r>
+              <a:rPr lang="en-US" altLang="ko-KR" sz="1400" dirty="0">
+                <a:solidFill>
+                  <a:srgbClr val="EEFFFF"/>
+                </a:solidFill>
+                <a:latin typeface="Fira Code" panose="020B0809050000020004" pitchFamily="49" charset="0"/>
+              </a:rPr>
+              <a:t> </a:t>
+            </a:r>
+            <a:r>
+              <a:rPr lang="en-US" altLang="ko-KR" sz="1400" dirty="0" smtClean="0">
+                <a:solidFill>
+                  <a:srgbClr val="89DDFF"/>
+                </a:solidFill>
+                <a:latin typeface="Fira Code" panose="020B0809050000020004" pitchFamily="49" charset="0"/>
+              </a:rPr>
+              <a:t>'</a:t>
+            </a:r>
+            <a:r>
+              <a:rPr lang="en-US" altLang="ko-KR" sz="1400" dirty="0" smtClean="0">
+                <a:solidFill>
+                  <a:srgbClr val="C3E88D"/>
+                </a:solidFill>
+                <a:latin typeface="Fira Code" panose="020B0809050000020004" pitchFamily="49" charset="0"/>
+              </a:rPr>
+              <a:t>number</a:t>
+            </a:r>
+            <a:r>
+              <a:rPr lang="en-US" altLang="ko-KR" sz="1400" dirty="0">
+                <a:solidFill>
+                  <a:srgbClr val="89DDFF"/>
+                </a:solidFill>
+                <a:latin typeface="Fira Code" panose="020B0809050000020004" pitchFamily="49" charset="0"/>
+              </a:rPr>
+              <a:t>'</a:t>
+            </a:r>
+            <a:r>
+              <a:rPr lang="en-US" altLang="ko-KR" sz="1400" dirty="0">
+                <a:solidFill>
+                  <a:srgbClr val="EEFFFF"/>
+                </a:solidFill>
+                <a:latin typeface="Fira Code" panose="020B0809050000020004" pitchFamily="49" charset="0"/>
+              </a:rPr>
+              <a:t> </a:t>
+            </a:r>
+            <a:r>
+              <a:rPr lang="en-US" altLang="ko-KR" sz="1400" dirty="0">
+                <a:solidFill>
+                  <a:srgbClr val="C792EA"/>
+                </a:solidFill>
+                <a:latin typeface="Fira Code" panose="020B0809050000020004" pitchFamily="49" charset="0"/>
+              </a:rPr>
+              <a:t>or</a:t>
+            </a:r>
+            <a:r>
+              <a:rPr lang="en-US" altLang="ko-KR" sz="1400" dirty="0">
+                <a:solidFill>
+                  <a:srgbClr val="EEFFFF"/>
+                </a:solidFill>
+                <a:latin typeface="Fira Code" panose="020B0809050000020004" pitchFamily="49" charset="0"/>
+              </a:rPr>
+              <a:t> kind </a:t>
+            </a:r>
+            <a:r>
+              <a:rPr lang="en-US" altLang="ko-KR" sz="1400" dirty="0">
+                <a:solidFill>
+                  <a:srgbClr val="C792EA"/>
+                </a:solidFill>
+                <a:latin typeface="Fira Code" panose="020B0809050000020004" pitchFamily="49" charset="0"/>
+              </a:rPr>
+              <a:t>==</a:t>
+            </a:r>
+            <a:r>
+              <a:rPr lang="en-US" altLang="ko-KR" sz="1400" dirty="0">
+                <a:solidFill>
+                  <a:srgbClr val="EEFFFF"/>
+                </a:solidFill>
+                <a:latin typeface="Fira Code" panose="020B0809050000020004" pitchFamily="49" charset="0"/>
+              </a:rPr>
+              <a:t> </a:t>
+            </a:r>
+            <a:r>
+              <a:rPr lang="en-US" altLang="ko-KR" sz="1400" dirty="0">
+                <a:solidFill>
+                  <a:srgbClr val="89DDFF"/>
+                </a:solidFill>
+                <a:latin typeface="Fira Code" panose="020B0809050000020004" pitchFamily="49" charset="0"/>
+              </a:rPr>
+              <a:t>'</a:t>
+            </a:r>
+            <a:r>
+              <a:rPr lang="en-US" altLang="ko-KR" sz="1400" dirty="0">
+                <a:solidFill>
+                  <a:srgbClr val="C3E88D"/>
+                </a:solidFill>
+                <a:latin typeface="Fira Code" panose="020B0809050000020004" pitchFamily="49" charset="0"/>
+              </a:rPr>
+              <a:t>text</a:t>
+            </a:r>
+            <a:r>
+              <a:rPr lang="en-US" altLang="ko-KR" sz="1400" dirty="0" smtClean="0">
+                <a:solidFill>
+                  <a:srgbClr val="89DDFF"/>
+                </a:solidFill>
+                <a:latin typeface="Fira Code" panose="020B0809050000020004" pitchFamily="49" charset="0"/>
+              </a:rPr>
+              <a:t>':</a:t>
+            </a:r>
+          </a:p>
+          <a:p>
+            <a:pPr marL="0" indent="0">
+              <a:buNone/>
+            </a:pPr>
+            <a:r>
+              <a:rPr lang="en-US" altLang="ko-KR" sz="1400" i="1" dirty="0" smtClean="0">
+                <a:solidFill>
+                  <a:srgbClr val="546E7A"/>
+                </a:solidFill>
+                <a:latin typeface="Fira Code" panose="020B0809050000020004" pitchFamily="49" charset="0"/>
+              </a:rPr>
+              <a:t>    # </a:t>
+            </a:r>
+            <a:r>
+              <a:rPr lang="ko-KR" altLang="en-US" sz="1400" i="1" dirty="0">
+                <a:solidFill>
+                  <a:srgbClr val="546E7A"/>
+                </a:solidFill>
+                <a:latin typeface="Fira Code" panose="020B0809050000020004" pitchFamily="49" charset="0"/>
+              </a:rPr>
+              <a:t>우선순위들을 모아놓은 집합</a:t>
+            </a:r>
+            <a:endParaRPr lang="ko-KR" altLang="en-US" sz="1400" dirty="0">
+              <a:solidFill>
+                <a:srgbClr val="EEFFFF"/>
+              </a:solidFill>
+              <a:latin typeface="Fira Code" panose="020B0809050000020004" pitchFamily="49" charset="0"/>
+            </a:endParaRPr>
+          </a:p>
+          <a:p>
+            <a:pPr marL="0" indent="0">
+              <a:buNone/>
+            </a:pPr>
+            <a:r>
+              <a:rPr lang="ko-KR" altLang="en-US" sz="1400" dirty="0">
+                <a:solidFill>
+                  <a:srgbClr val="EEFFFF"/>
+                </a:solidFill>
+                <a:latin typeface="Fira Code" panose="020B0809050000020004" pitchFamily="49" charset="0"/>
+              </a:rPr>
+              <a:t>    </a:t>
+            </a:r>
+            <a:r>
+              <a:rPr lang="en-US" altLang="ko-KR" sz="1400" dirty="0" err="1">
+                <a:solidFill>
+                  <a:srgbClr val="EEFFFF"/>
+                </a:solidFill>
+                <a:latin typeface="Fira Code" panose="020B0809050000020004" pitchFamily="49" charset="0"/>
+              </a:rPr>
+              <a:t>allPrecedences</a:t>
+            </a:r>
+            <a:r>
+              <a:rPr lang="en-US" altLang="ko-KR" sz="1400" dirty="0">
+                <a:solidFill>
+                  <a:srgbClr val="EEFFFF"/>
+                </a:solidFill>
+                <a:latin typeface="Fira Code" panose="020B0809050000020004" pitchFamily="49" charset="0"/>
+              </a:rPr>
+              <a:t> </a:t>
+            </a:r>
+            <a:r>
+              <a:rPr lang="en-US" altLang="ko-KR" sz="1400" dirty="0">
+                <a:solidFill>
+                  <a:srgbClr val="C792EA"/>
+                </a:solidFill>
+                <a:latin typeface="Fira Code" panose="020B0809050000020004" pitchFamily="49" charset="0"/>
+              </a:rPr>
+              <a:t>=</a:t>
+            </a:r>
+            <a:r>
+              <a:rPr lang="ko-KR" altLang="en-US" sz="1400" dirty="0">
+                <a:solidFill>
+                  <a:srgbClr val="EEFFFF"/>
+                </a:solidFill>
+                <a:latin typeface="Fira Code" panose="020B0809050000020004" pitchFamily="49" charset="0"/>
+              </a:rPr>
+              <a:t> </a:t>
+            </a:r>
+            <a:r>
+              <a:rPr lang="en-US" altLang="ko-KR" sz="1400" dirty="0">
+                <a:solidFill>
+                  <a:srgbClr val="B2CCD6"/>
+                </a:solidFill>
+                <a:latin typeface="Fira Code" panose="020B0809050000020004" pitchFamily="49" charset="0"/>
+              </a:rPr>
+              <a:t>set</a:t>
+            </a:r>
+            <a:r>
+              <a:rPr lang="en-US" altLang="ko-KR" sz="1400" dirty="0">
+                <a:solidFill>
+                  <a:srgbClr val="89DDFF"/>
+                </a:solidFill>
+                <a:latin typeface="Fira Code" panose="020B0809050000020004" pitchFamily="49" charset="0"/>
+              </a:rPr>
+              <a:t>()</a:t>
+            </a:r>
+            <a:endParaRPr lang="ko-KR" altLang="en-US" sz="1400" dirty="0">
+              <a:solidFill>
+                <a:srgbClr val="EEFFFF"/>
+              </a:solidFill>
+              <a:latin typeface="Fira Code" panose="020B0809050000020004" pitchFamily="49" charset="0"/>
+            </a:endParaRPr>
+          </a:p>
+          <a:p>
+            <a:pPr marL="0" indent="0">
+              <a:buNone/>
+            </a:pPr>
+            <a:r>
+              <a:rPr lang="en-US" altLang="ko-KR" sz="1400" b="0" dirty="0" smtClean="0">
+                <a:solidFill>
+                  <a:srgbClr val="EEFFFF"/>
+                </a:solidFill>
+                <a:effectLst/>
+                <a:latin typeface="Fira Code" panose="020B0809050000020004" pitchFamily="49" charset="0"/>
+              </a:rPr>
+              <a:t>    </a:t>
+            </a:r>
+            <a:r>
+              <a:rPr lang="en-US" altLang="ko-KR" sz="1400" i="1" dirty="0">
+                <a:solidFill>
+                  <a:srgbClr val="546E7A"/>
+                </a:solidFill>
+                <a:latin typeface="Fira Code" panose="020B0809050000020004" pitchFamily="49" charset="0"/>
+              </a:rPr>
+              <a:t># </a:t>
+            </a:r>
+            <a:r>
+              <a:rPr lang="ko-KR" altLang="en-US" sz="1400" i="1" dirty="0">
+                <a:solidFill>
+                  <a:srgbClr val="546E7A"/>
+                </a:solidFill>
+                <a:latin typeface="Fira Code" panose="020B0809050000020004" pitchFamily="49" charset="0"/>
+              </a:rPr>
+              <a:t>범위 안의 토큰들을 조사함</a:t>
+            </a:r>
+            <a:endParaRPr lang="ko-KR" altLang="en-US" sz="1400" dirty="0">
+              <a:solidFill>
+                <a:srgbClr val="EEFFFF"/>
+              </a:solidFill>
+              <a:latin typeface="Fira Code" panose="020B0809050000020004" pitchFamily="49" charset="0"/>
+            </a:endParaRPr>
+          </a:p>
+          <a:p>
+            <a:pPr marL="0" indent="0">
+              <a:buNone/>
+            </a:pPr>
+            <a:r>
+              <a:rPr lang="ko-KR" altLang="en-US" sz="1400" dirty="0">
+                <a:solidFill>
+                  <a:srgbClr val="EEFFFF"/>
+                </a:solidFill>
+                <a:latin typeface="Fira Code" panose="020B0809050000020004" pitchFamily="49" charset="0"/>
+              </a:rPr>
+              <a:t>    </a:t>
+            </a:r>
+            <a:r>
+              <a:rPr lang="en-US" altLang="ko-KR" sz="1400" dirty="0">
+                <a:solidFill>
+                  <a:srgbClr val="EEFFFF"/>
+                </a:solidFill>
+                <a:latin typeface="Fira Code" panose="020B0809050000020004" pitchFamily="49" charset="0"/>
+              </a:rPr>
+              <a:t>index </a:t>
+            </a:r>
+            <a:r>
+              <a:rPr lang="en-US" altLang="ko-KR" sz="1400" dirty="0">
+                <a:solidFill>
+                  <a:srgbClr val="C792EA"/>
+                </a:solidFill>
+                <a:latin typeface="Fira Code" panose="020B0809050000020004" pitchFamily="49" charset="0"/>
+              </a:rPr>
+              <a:t>=</a:t>
+            </a:r>
+            <a:r>
+              <a:rPr lang="en-US" altLang="ko-KR" sz="1400" dirty="0">
+                <a:solidFill>
+                  <a:srgbClr val="EEFFFF"/>
+                </a:solidFill>
+                <a:latin typeface="Fira Code" panose="020B0809050000020004" pitchFamily="49" charset="0"/>
+              </a:rPr>
+              <a:t> start</a:t>
+            </a:r>
+          </a:p>
+          <a:p>
+            <a:pPr marL="0" indent="0">
+              <a:buNone/>
+            </a:pPr>
+            <a:r>
+              <a:rPr lang="en-US" altLang="ko-KR" sz="1400" dirty="0">
+                <a:solidFill>
+                  <a:srgbClr val="EEFFFF"/>
+                </a:solidFill>
+                <a:latin typeface="Fira Code" panose="020B0809050000020004" pitchFamily="49" charset="0"/>
+              </a:rPr>
+              <a:t>    </a:t>
+            </a:r>
+            <a:r>
+              <a:rPr lang="en-US" altLang="ko-KR" sz="1400" dirty="0">
+                <a:solidFill>
+                  <a:srgbClr val="89DDFF"/>
+                </a:solidFill>
+                <a:latin typeface="Fira Code" panose="020B0809050000020004" pitchFamily="49" charset="0"/>
+              </a:rPr>
+              <a:t>while</a:t>
+            </a:r>
+            <a:r>
+              <a:rPr lang="en-US" altLang="ko-KR" sz="1400" dirty="0">
+                <a:solidFill>
+                  <a:srgbClr val="EEFFFF"/>
+                </a:solidFill>
+                <a:latin typeface="Fira Code" panose="020B0809050000020004" pitchFamily="49" charset="0"/>
+              </a:rPr>
+              <a:t> index </a:t>
+            </a:r>
+            <a:r>
+              <a:rPr lang="en-US" altLang="ko-KR" sz="1400" dirty="0">
+                <a:solidFill>
+                  <a:srgbClr val="C792EA"/>
+                </a:solidFill>
+                <a:latin typeface="Fira Code" panose="020B0809050000020004" pitchFamily="49" charset="0"/>
+              </a:rPr>
+              <a:t>&lt;</a:t>
+            </a:r>
+            <a:r>
+              <a:rPr lang="en-US" altLang="ko-KR" sz="1400" dirty="0">
+                <a:solidFill>
+                  <a:srgbClr val="EEFFFF"/>
+                </a:solidFill>
+                <a:latin typeface="Fira Code" panose="020B0809050000020004" pitchFamily="49" charset="0"/>
+              </a:rPr>
+              <a:t> end</a:t>
+            </a:r>
+            <a:r>
+              <a:rPr lang="en-US" altLang="ko-KR" sz="1400" dirty="0">
+                <a:solidFill>
+                  <a:srgbClr val="89DDFF"/>
+                </a:solidFill>
+                <a:latin typeface="Fira Code" panose="020B0809050000020004" pitchFamily="49" charset="0"/>
+              </a:rPr>
+              <a:t>:</a:t>
+            </a:r>
+            <a:endParaRPr lang="en-US" altLang="ko-KR" sz="1400" dirty="0">
+              <a:solidFill>
+                <a:srgbClr val="EEFFFF"/>
+              </a:solidFill>
+              <a:latin typeface="Fira Code" panose="020B0809050000020004" pitchFamily="49" charset="0"/>
+            </a:endParaRPr>
+          </a:p>
+          <a:p>
+            <a:pPr marL="0" indent="0">
+              <a:buNone/>
+            </a:pPr>
+            <a:r>
+              <a:rPr lang="en-US" altLang="ko-KR" sz="1400" dirty="0">
+                <a:solidFill>
+                  <a:srgbClr val="EEFFFF"/>
+                </a:solidFill>
+                <a:latin typeface="Fira Code" panose="020B0809050000020004" pitchFamily="49" charset="0"/>
+              </a:rPr>
+              <a:t>      current </a:t>
+            </a:r>
+            <a:r>
+              <a:rPr lang="en-US" altLang="ko-KR" sz="1400" dirty="0">
+                <a:solidFill>
+                  <a:srgbClr val="C792EA"/>
+                </a:solidFill>
+                <a:latin typeface="Fira Code" panose="020B0809050000020004" pitchFamily="49" charset="0"/>
+              </a:rPr>
+              <a:t>=</a:t>
+            </a:r>
+            <a:r>
+              <a:rPr lang="en-US" altLang="ko-KR" sz="1400" dirty="0">
+                <a:solidFill>
+                  <a:srgbClr val="EEFFFF"/>
+                </a:solidFill>
+                <a:latin typeface="Fira Code" panose="020B0809050000020004" pitchFamily="49" charset="0"/>
+              </a:rPr>
+              <a:t> tokens</a:t>
+            </a:r>
+            <a:r>
+              <a:rPr lang="en-US" altLang="ko-KR" sz="1400" dirty="0">
+                <a:solidFill>
+                  <a:srgbClr val="89DDFF"/>
+                </a:solidFill>
+                <a:latin typeface="Fira Code" panose="020B0809050000020004" pitchFamily="49" charset="0"/>
+              </a:rPr>
+              <a:t>[</a:t>
+            </a:r>
+            <a:r>
+              <a:rPr lang="en-US" altLang="ko-KR" sz="1400" dirty="0">
+                <a:solidFill>
+                  <a:srgbClr val="EEFFFF"/>
+                </a:solidFill>
+                <a:latin typeface="Fira Code" panose="020B0809050000020004" pitchFamily="49" charset="0"/>
+              </a:rPr>
+              <a:t>index</a:t>
+            </a:r>
+            <a:r>
+              <a:rPr lang="en-US" altLang="ko-KR" sz="1400" dirty="0">
+                <a:solidFill>
+                  <a:srgbClr val="89DDFF"/>
+                </a:solidFill>
+                <a:latin typeface="Fira Code" panose="020B0809050000020004" pitchFamily="49" charset="0"/>
+              </a:rPr>
+              <a:t>]</a:t>
+            </a:r>
+            <a:endParaRPr lang="en-US" altLang="ko-KR" sz="1400" dirty="0">
+              <a:solidFill>
+                <a:srgbClr val="EEFFFF"/>
+              </a:solidFill>
+              <a:latin typeface="Fira Code" panose="020B0809050000020004" pitchFamily="49" charset="0"/>
+            </a:endParaRPr>
+          </a:p>
+          <a:p>
+            <a:pPr marL="0" indent="0">
+              <a:buNone/>
+            </a:pPr>
+            <a:r>
+              <a:rPr lang="en-US" altLang="ko-KR" sz="1400" dirty="0">
+                <a:solidFill>
+                  <a:srgbClr val="EEFFFF"/>
+                </a:solidFill>
+                <a:latin typeface="Fira Code" panose="020B0809050000020004" pitchFamily="49" charset="0"/>
+              </a:rPr>
+              <a:t/>
+            </a:r>
+            <a:br>
+              <a:rPr lang="en-US" altLang="ko-KR" sz="1400" dirty="0">
+                <a:solidFill>
+                  <a:srgbClr val="EEFFFF"/>
+                </a:solidFill>
+                <a:latin typeface="Fira Code" panose="020B0809050000020004" pitchFamily="49" charset="0"/>
+              </a:rPr>
+            </a:br>
+            <a:r>
+              <a:rPr lang="en-US" altLang="ko-KR" sz="1400" dirty="0">
+                <a:solidFill>
+                  <a:srgbClr val="EEFFFF"/>
+                </a:solidFill>
+                <a:latin typeface="Fira Code" panose="020B0809050000020004" pitchFamily="49" charset="0"/>
+              </a:rPr>
+              <a:t>      </a:t>
+            </a:r>
+            <a:r>
+              <a:rPr lang="en-US" altLang="ko-KR" sz="1400" dirty="0" err="1">
+                <a:solidFill>
+                  <a:srgbClr val="EEFFFF"/>
+                </a:solidFill>
+                <a:latin typeface="Fira Code" panose="020B0809050000020004" pitchFamily="49" charset="0"/>
+              </a:rPr>
+              <a:t>curKind</a:t>
+            </a:r>
+            <a:r>
+              <a:rPr lang="en-US" altLang="ko-KR" sz="1400" dirty="0">
+                <a:solidFill>
+                  <a:srgbClr val="EEFFFF"/>
+                </a:solidFill>
+                <a:latin typeface="Fira Code" panose="020B0809050000020004" pitchFamily="49" charset="0"/>
+              </a:rPr>
+              <a:t> </a:t>
+            </a:r>
+            <a:r>
+              <a:rPr lang="en-US" altLang="ko-KR" sz="1400" dirty="0">
+                <a:solidFill>
+                  <a:srgbClr val="C792EA"/>
+                </a:solidFill>
+                <a:latin typeface="Fira Code" panose="020B0809050000020004" pitchFamily="49" charset="0"/>
+              </a:rPr>
+              <a:t>=</a:t>
+            </a:r>
+            <a:r>
+              <a:rPr lang="en-US" altLang="ko-KR" sz="1400" dirty="0">
+                <a:solidFill>
+                  <a:srgbClr val="EEFFFF"/>
+                </a:solidFill>
+                <a:latin typeface="Fira Code" panose="020B0809050000020004" pitchFamily="49" charset="0"/>
+              </a:rPr>
+              <a:t> </a:t>
+            </a:r>
+            <a:r>
+              <a:rPr lang="en-US" altLang="ko-KR" sz="1400" dirty="0" err="1">
+                <a:solidFill>
+                  <a:srgbClr val="EEFFFF"/>
+                </a:solidFill>
+                <a:latin typeface="Fira Code" panose="020B0809050000020004" pitchFamily="49" charset="0"/>
+              </a:rPr>
+              <a:t>current</a:t>
+            </a:r>
+            <a:r>
+              <a:rPr lang="en-US" altLang="ko-KR" sz="1400" dirty="0" err="1">
+                <a:solidFill>
+                  <a:srgbClr val="89DDFF"/>
+                </a:solidFill>
+                <a:latin typeface="Fira Code" panose="020B0809050000020004" pitchFamily="49" charset="0"/>
+              </a:rPr>
+              <a:t>.</a:t>
+            </a:r>
+            <a:r>
+              <a:rPr lang="en-US" altLang="ko-KR" sz="1400" dirty="0" err="1">
+                <a:solidFill>
+                  <a:srgbClr val="EEFFFF"/>
+                </a:solidFill>
+                <a:latin typeface="Fira Code" panose="020B0809050000020004" pitchFamily="49" charset="0"/>
+              </a:rPr>
+              <a:t>kind</a:t>
+            </a:r>
+            <a:endParaRPr lang="en-US" altLang="ko-KR" sz="1400" dirty="0">
+              <a:solidFill>
+                <a:srgbClr val="EEFFFF"/>
+              </a:solidFill>
+              <a:latin typeface="Fira Code" panose="020B0809050000020004" pitchFamily="49" charset="0"/>
+            </a:endParaRPr>
+          </a:p>
+          <a:p>
+            <a:pPr marL="0" indent="0">
+              <a:buNone/>
+            </a:pPr>
+            <a:endParaRPr lang="en-US" altLang="ko-KR" sz="1400" b="0" dirty="0">
+              <a:solidFill>
+                <a:srgbClr val="EEFFFF"/>
+              </a:solidFill>
+              <a:effectLst/>
+              <a:latin typeface="Fira Code" panose="020B0809050000020004" pitchFamily="49" charset="0"/>
+            </a:endParaRPr>
+          </a:p>
+        </p:txBody>
+      </p:sp>
+      <p:sp>
+        <p:nvSpPr>
+          <p:cNvPr id="2" name="제목 1"/>
+          <p:cNvSpPr>
+            <a:spLocks noGrp="1"/>
+          </p:cNvSpPr>
+          <p:nvPr>
+            <p:ph type="title"/>
+          </p:nvPr>
+        </p:nvSpPr>
+        <p:spPr/>
+        <p:txBody>
+          <a:bodyPr/>
+          <a:lstStyle/>
+          <a:p>
+            <a:r>
+              <a:rPr lang="ko-KR" altLang="en-US" dirty="0" smtClean="0">
+                <a:solidFill>
+                  <a:schemeClr val="bg1"/>
+                </a:solidFill>
+              </a:rPr>
+              <a:t>코드</a:t>
+            </a:r>
+            <a:endParaRPr lang="ko-KR" altLang="en-US" dirty="0">
+              <a:solidFill>
+                <a:schemeClr val="bg1"/>
+              </a:solidFill>
+            </a:endParaRPr>
+          </a:p>
+        </p:txBody>
+      </p:sp>
+    </p:spTree>
+    <p:extLst>
+      <p:ext uri="{BB962C8B-B14F-4D97-AF65-F5344CB8AC3E}">
+        <p14:creationId xmlns:p14="http://schemas.microsoft.com/office/powerpoint/2010/main" val="2149116063"/>
       </p:ext>
     </p:extLst>
   </p:cSld>
